--- a/slides/1-Setting Up the Environment.pptx
+++ b/slides/1-Setting Up the Environment.pptx
@@ -2,10 +2,15 @@
 <file path=ppt/presentation.xml><?xml version="1.0" encoding="utf-8"?>
 <p:presentation xmlns:a="http://schemas.openxmlformats.org/drawingml/2006/main" xmlns:r="http://schemas.openxmlformats.org/officeDocument/2006/relationships" xmlns:p="http://schemas.openxmlformats.org/presentationml/2006/main" saveSubsetFonts="1">
   <p:sldMasterIdLst>
-    <p:sldMasterId id="2147483672" r:id="rId1"/>
+    <p:sldMasterId id="2147483696" r:id="rId1"/>
   </p:sldMasterIdLst>
   <p:sldIdLst>
     <p:sldId id="256" r:id="rId2"/>
+    <p:sldId id="257" r:id="rId3"/>
+    <p:sldId id="258" r:id="rId4"/>
+    <p:sldId id="259" r:id="rId5"/>
+    <p:sldId id="260" r:id="rId6"/>
+    <p:sldId id="261" r:id="rId7"/>
   </p:sldIdLst>
   <p:sldSz cx="12192000" cy="6858000"/>
   <p:notesSz cx="6858000" cy="9144000"/>
@@ -104,11 +109,16 @@
       </a:defRPr>
     </a:lvl9pPr>
   </p:defaultTextStyle>
+  <p:extLst>
+    <p:ext uri="{EFAFB233-063F-42B5-8137-9DF3F51BA10A}">
+      <p15:sldGuideLst xmlns:p15="http://schemas.microsoft.com/office/powerpoint/2012/main"/>
+    </p:ext>
+  </p:extLst>
 </p:presentation>
 </file>
 
 <file path=ppt/slideLayouts/slideLayout1.xml><?xml version="1.0" encoding="utf-8"?>
-<p:sldLayout xmlns:a="http://schemas.openxmlformats.org/drawingml/2006/main" xmlns:r="http://schemas.openxmlformats.org/officeDocument/2006/relationships" xmlns:p="http://schemas.openxmlformats.org/presentationml/2006/main" showMasterSp="0" type="title" preserve="1">
+<p:sldLayout xmlns:a="http://schemas.openxmlformats.org/drawingml/2006/main" xmlns:r="http://schemas.openxmlformats.org/officeDocument/2006/relationships" xmlns:p="http://schemas.openxmlformats.org/presentationml/2006/main" type="title" preserve="1">
   <p:cSld name="Title Slide">
     <p:spTree>
       <p:nvGrpSpPr>
@@ -126,187 +136,114 @@
       </p:grpSpPr>
       <p:sp>
         <p:nvSpPr>
-          <p:cNvPr id="7" name="Rectangle 6"/>
-          <p:cNvSpPr/>
-          <p:nvPr/>
+          <p:cNvPr id="2" name="Title 1"/>
+          <p:cNvSpPr>
+            <a:spLocks noGrp="1"/>
+          </p:cNvSpPr>
+          <p:nvPr>
+            <p:ph type="ctrTitle"/>
+          </p:nvPr>
         </p:nvSpPr>
         <p:spPr>
           <a:xfrm>
-            <a:off x="3175" y="6400800"/>
-            <a:ext cx="12188825" cy="457200"/>
+            <a:off x="1600200" y="2386744"/>
+            <a:ext cx="8991600" cy="1645920"/>
           </a:xfrm>
-          <a:prstGeom prst="rect">
-            <a:avLst/>
-          </a:prstGeom>
           <a:solidFill>
-            <a:schemeClr val="accent4">
-              <a:lumMod val="75000"/>
-            </a:schemeClr>
+            <a:srgbClr val="FFFFFF"/>
           </a:solidFill>
-          <a:ln>
-            <a:noFill/>
+          <a:ln w="38100">
+            <a:solidFill>
+              <a:srgbClr val="404040"/>
+            </a:solidFill>
           </a:ln>
         </p:spPr>
-        <p:style>
-          <a:lnRef idx="2">
-            <a:schemeClr val="accent1">
-              <a:shade val="50000"/>
-            </a:schemeClr>
-          </a:lnRef>
-          <a:fillRef idx="1">
-            <a:schemeClr val="accent1"/>
-          </a:fillRef>
-          <a:effectRef idx="0">
-            <a:schemeClr val="accent1"/>
-          </a:effectRef>
-          <a:fontRef idx="minor">
-            <a:schemeClr val="lt1"/>
-          </a:fontRef>
-        </p:style>
-      </p:sp>
-      <p:sp>
-        <p:nvSpPr>
-          <p:cNvPr id="8" name="Rectangle 7"/>
-          <p:cNvSpPr/>
-          <p:nvPr/>
-        </p:nvSpPr>
-        <p:spPr>
-          <a:xfrm>
-            <a:off x="15" y="6334316"/>
-            <a:ext cx="12188825" cy="64008"/>
-          </a:xfrm>
-          <a:prstGeom prst="rect">
-            <a:avLst/>
-          </a:prstGeom>
-          <a:solidFill>
-            <a:schemeClr val="accent4"/>
-          </a:solidFill>
-          <a:ln>
-            <a:noFill/>
-          </a:ln>
-        </p:spPr>
-        <p:style>
-          <a:lnRef idx="2">
-            <a:schemeClr val="accent1">
-              <a:shade val="50000"/>
-            </a:schemeClr>
-          </a:lnRef>
-          <a:fillRef idx="1">
-            <a:schemeClr val="accent1"/>
-          </a:fillRef>
-          <a:effectRef idx="0">
-            <a:schemeClr val="accent1"/>
-          </a:effectRef>
-          <a:fontRef idx="minor">
-            <a:schemeClr val="lt1"/>
-          </a:fontRef>
-        </p:style>
-      </p:sp>
-      <p:sp>
-        <p:nvSpPr>
-          <p:cNvPr id="2" name="Title 1"/>
-          <p:cNvSpPr>
-            <a:spLocks noGrp="1"/>
-          </p:cNvSpPr>
-          <p:nvPr>
-            <p:ph type="ctrTitle"/>
-          </p:nvPr>
-        </p:nvSpPr>
-        <p:spPr>
-          <a:xfrm>
-            <a:off x="1097280" y="758952"/>
-            <a:ext cx="10058400" cy="3566160"/>
-          </a:xfrm>
-        </p:spPr>
-        <p:txBody>
-          <a:bodyPr anchor="b">
+        <p:txBody>
+          <a:bodyPr lIns="274320" rIns="274320" anchor="ctr" anchorCtr="1">
             <a:normAutofit/>
           </a:bodyPr>
           <a:lstStyle>
-            <a:lvl1pPr algn="l">
-              <a:lnSpc>
-                <a:spcPct val="85000"/>
-              </a:lnSpc>
-              <a:defRPr sz="8000" spc="-50" baseline="0">
+            <a:lvl1pPr algn="ctr">
+              <a:defRPr sz="3800">
+                <a:solidFill>
+                  <a:srgbClr val="262626"/>
+                </a:solidFill>
+              </a:defRPr>
+            </a:lvl1pPr>
+          </a:lstStyle>
+          <a:p>
+            <a:r>
+              <a:rPr lang="en-US"/>
+              <a:t>Click to edit Master title style</a:t>
+            </a:r>
+            <a:endParaRPr lang="en-US" dirty="0"/>
+          </a:p>
+        </p:txBody>
+      </p:sp>
+      <p:sp>
+        <p:nvSpPr>
+          <p:cNvPr id="3" name="Subtitle 2"/>
+          <p:cNvSpPr>
+            <a:spLocks noGrp="1"/>
+          </p:cNvSpPr>
+          <p:nvPr>
+            <p:ph type="subTitle" idx="1"/>
+          </p:nvPr>
+        </p:nvSpPr>
+        <p:spPr>
+          <a:xfrm>
+            <a:off x="2695194" y="4352544"/>
+            <a:ext cx="6801612" cy="1239894"/>
+          </a:xfrm>
+          <a:noFill/>
+        </p:spPr>
+        <p:txBody>
+          <a:bodyPr>
+            <a:normAutofit/>
+          </a:bodyPr>
+          <a:lstStyle>
+            <a:lvl1pPr marL="0" indent="0" algn="ctr">
+              <a:buNone/>
+              <a:defRPr sz="2000">
                 <a:solidFill>
                   <a:schemeClr val="tx1">
-                    <a:lumMod val="85000"/>
-                    <a:lumOff val="15000"/>
+                    <a:lumMod val="75000"/>
+                    <a:lumOff val="25000"/>
                   </a:schemeClr>
                 </a:solidFill>
               </a:defRPr>
             </a:lvl1pPr>
-          </a:lstStyle>
-          <a:p>
-            <a:r>
-              <a:rPr lang="en-US"/>
-              <a:t>Click to edit Master title style</a:t>
-            </a:r>
-            <a:endParaRPr lang="en-US" dirty="0"/>
-          </a:p>
-        </p:txBody>
-      </p:sp>
-      <p:sp>
-        <p:nvSpPr>
-          <p:cNvPr id="3" name="Subtitle 2"/>
-          <p:cNvSpPr>
-            <a:spLocks noGrp="1"/>
-          </p:cNvSpPr>
-          <p:nvPr>
-            <p:ph type="subTitle" idx="1"/>
-          </p:nvPr>
-        </p:nvSpPr>
-        <p:spPr>
-          <a:xfrm>
-            <a:off x="1100051" y="4455621"/>
-            <a:ext cx="10058400" cy="1143000"/>
-          </a:xfrm>
-        </p:spPr>
-        <p:txBody>
-          <a:bodyPr lIns="91440" rIns="91440">
-            <a:normAutofit/>
-          </a:bodyPr>
-          <a:lstStyle>
-            <a:lvl1pPr marL="0" indent="0" algn="l">
-              <a:buNone/>
-              <a:defRPr sz="2400" cap="all" spc="200" baseline="0">
-                <a:solidFill>
-                  <a:schemeClr val="tx2"/>
-                </a:solidFill>
-                <a:latin typeface="+mj-lt"/>
-              </a:defRPr>
-            </a:lvl1pPr>
             <a:lvl2pPr marL="457200" indent="0" algn="ctr">
               <a:buNone/>
-              <a:defRPr sz="2400"/>
+              <a:defRPr sz="2000"/>
             </a:lvl2pPr>
             <a:lvl3pPr marL="914400" indent="0" algn="ctr">
               <a:buNone/>
-              <a:defRPr sz="2400"/>
+              <a:defRPr sz="1800"/>
             </a:lvl3pPr>
             <a:lvl4pPr marL="1371600" indent="0" algn="ctr">
               <a:buNone/>
-              <a:defRPr sz="2000"/>
+              <a:defRPr sz="1600"/>
             </a:lvl4pPr>
             <a:lvl5pPr marL="1828800" indent="0" algn="ctr">
               <a:buNone/>
-              <a:defRPr sz="2000"/>
+              <a:defRPr sz="1600"/>
             </a:lvl5pPr>
             <a:lvl6pPr marL="2286000" indent="0" algn="ctr">
               <a:buNone/>
-              <a:defRPr sz="2000"/>
+              <a:defRPr sz="1600"/>
             </a:lvl6pPr>
             <a:lvl7pPr marL="2743200" indent="0" algn="ctr">
               <a:buNone/>
-              <a:defRPr sz="2000"/>
+              <a:defRPr sz="1600"/>
             </a:lvl7pPr>
             <a:lvl8pPr marL="3200400" indent="0" algn="ctr">
               <a:buNone/>
-              <a:defRPr sz="2000"/>
+              <a:defRPr sz="1600"/>
             </a:lvl8pPr>
             <a:lvl9pPr marL="3657600" indent="0" algn="ctr">
               <a:buNone/>
-              <a:defRPr sz="2000"/>
+              <a:defRPr sz="1600"/>
             </a:lvl9pPr>
           </a:lstStyle>
           <a:p>
@@ -335,7 +272,7 @@
           <a:p>
             <a:fld id="{A244D7B1-FEC8-414F-9653-CF4E963279F3}" type="datetimeFigureOut">
               <a:rPr lang="en-US" smtClean="0"/>
-              <a:t>10/21/2024</a:t>
+              <a:t>10/24/24</a:t>
             </a:fld>
             <a:endParaRPr lang="en-US"/>
           </a:p>
@@ -383,48 +320,10 @@
           </a:p>
         </p:txBody>
       </p:sp>
-      <p:cxnSp>
-        <p:nvCxnSpPr>
-          <p:cNvPr id="9" name="Straight Connector 8"/>
-          <p:cNvCxnSpPr/>
-          <p:nvPr/>
-        </p:nvCxnSpPr>
-        <p:spPr>
-          <a:xfrm>
-            <a:off x="1207658" y="4343400"/>
-            <a:ext cx="9875520" cy="0"/>
-          </a:xfrm>
-          <a:prstGeom prst="line">
-            <a:avLst/>
-          </a:prstGeom>
-          <a:ln w="6350">
-            <a:solidFill>
-              <a:schemeClr val="tx1">
-                <a:lumMod val="50000"/>
-                <a:lumOff val="50000"/>
-              </a:schemeClr>
-            </a:solidFill>
-          </a:ln>
-        </p:spPr>
-        <p:style>
-          <a:lnRef idx="1">
-            <a:schemeClr val="accent1"/>
-          </a:lnRef>
-          <a:fillRef idx="0">
-            <a:schemeClr val="accent1"/>
-          </a:fillRef>
-          <a:effectRef idx="0">
-            <a:schemeClr val="accent1"/>
-          </a:effectRef>
-          <a:fontRef idx="minor">
-            <a:schemeClr val="tx1"/>
-          </a:fontRef>
-        </p:style>
-      </p:cxnSp>
     </p:spTree>
     <p:extLst>
       <p:ext uri="{BB962C8B-B14F-4D97-AF65-F5344CB8AC3E}">
-        <p14:creationId xmlns:p14="http://schemas.microsoft.com/office/powerpoint/2010/main" val="614240996"/>
+        <p14:creationId xmlns:p14="http://schemas.microsoft.com/office/powerpoint/2010/main" val="828277481"/>
       </p:ext>
     </p:extLst>
   </p:cSld>
@@ -486,7 +385,7 @@
         </p:nvSpPr>
         <p:spPr/>
         <p:txBody>
-          <a:bodyPr vert="eaVert" lIns="45720" tIns="0" rIns="45720" bIns="0"/>
+          <a:bodyPr vert="eaVert"/>
           <a:lstStyle/>
           <a:p>
             <a:pPr lvl="0"/>
@@ -543,7 +442,7 @@
           <a:p>
             <a:fld id="{A244D7B1-FEC8-414F-9653-CF4E963279F3}" type="datetimeFigureOut">
               <a:rPr lang="en-US" smtClean="0"/>
-              <a:t>10/21/2024</a:t>
+              <a:t>10/24/24</a:t>
             </a:fld>
             <a:endParaRPr lang="en-US"/>
           </a:p>
@@ -594,7 +493,7 @@
     </p:spTree>
     <p:extLst>
       <p:ext uri="{BB962C8B-B14F-4D97-AF65-F5344CB8AC3E}">
-        <p14:creationId xmlns:p14="http://schemas.microsoft.com/office/powerpoint/2010/main" val="3650613919"/>
+        <p14:creationId xmlns:p14="http://schemas.microsoft.com/office/powerpoint/2010/main" val="3378088757"/>
       </p:ext>
     </p:extLst>
   </p:cSld>
@@ -605,7 +504,7 @@
 </file>
 
 <file path=ppt/slideLayouts/slideLayout11.xml><?xml version="1.0" encoding="utf-8"?>
-<p:sldLayout xmlns:a="http://schemas.openxmlformats.org/drawingml/2006/main" xmlns:r="http://schemas.openxmlformats.org/officeDocument/2006/relationships" xmlns:p="http://schemas.openxmlformats.org/presentationml/2006/main" showMasterSp="0" type="vertTitleAndTx" preserve="1">
+<p:sldLayout xmlns:a="http://schemas.openxmlformats.org/drawingml/2006/main" xmlns:r="http://schemas.openxmlformats.org/officeDocument/2006/relationships" xmlns:p="http://schemas.openxmlformats.org/presentationml/2006/main" type="vertTitleAndTx" preserve="1">
   <p:cSld name="Vertical Title and Text">
     <p:spTree>
       <p:nvGrpSpPr>
@@ -623,130 +522,52 @@
       </p:grpSpPr>
       <p:sp>
         <p:nvSpPr>
-          <p:cNvPr id="7" name="Rectangle 6"/>
-          <p:cNvSpPr/>
-          <p:nvPr/>
+          <p:cNvPr id="2" name="Vertical Title 1"/>
+          <p:cNvSpPr>
+            <a:spLocks noGrp="1"/>
+          </p:cNvSpPr>
+          <p:nvPr>
+            <p:ph type="title" orient="vert"/>
+          </p:nvPr>
         </p:nvSpPr>
         <p:spPr>
           <a:xfrm>
-            <a:off x="3175" y="6400800"/>
-            <a:ext cx="12188825" cy="457200"/>
+            <a:off x="8653112" y="937260"/>
+            <a:ext cx="1298608" cy="4983480"/>
           </a:xfrm>
-          <a:prstGeom prst="rect">
-            <a:avLst/>
-          </a:prstGeom>
-          <a:solidFill>
-            <a:schemeClr val="accent4">
-              <a:lumMod val="75000"/>
-            </a:schemeClr>
-          </a:solidFill>
-          <a:ln>
-            <a:noFill/>
-          </a:ln>
         </p:spPr>
-        <p:style>
-          <a:lnRef idx="2">
-            <a:schemeClr val="accent1">
-              <a:shade val="50000"/>
-            </a:schemeClr>
-          </a:lnRef>
-          <a:fillRef idx="1">
-            <a:schemeClr val="accent1"/>
-          </a:fillRef>
-          <a:effectRef idx="0">
-            <a:schemeClr val="accent1"/>
-          </a:effectRef>
-          <a:fontRef idx="minor">
-            <a:schemeClr val="lt1"/>
-          </a:fontRef>
-        </p:style>
-      </p:sp>
-      <p:sp>
-        <p:nvSpPr>
-          <p:cNvPr id="8" name="Rectangle 7"/>
-          <p:cNvSpPr/>
-          <p:nvPr/>
+        <p:txBody>
+          <a:bodyPr vert="eaVert"/>
+          <a:lstStyle/>
+          <a:p>
+            <a:r>
+              <a:rPr lang="en-US"/>
+              <a:t>Click to edit Master title style</a:t>
+            </a:r>
+            <a:endParaRPr lang="en-US" dirty="0"/>
+          </a:p>
+        </p:txBody>
+      </p:sp>
+      <p:sp>
+        <p:nvSpPr>
+          <p:cNvPr id="3" name="Vertical Text Placeholder 2"/>
+          <p:cNvSpPr>
+            <a:spLocks noGrp="1"/>
+          </p:cNvSpPr>
+          <p:nvPr>
+            <p:ph type="body" orient="vert" idx="1"/>
+          </p:nvPr>
         </p:nvSpPr>
         <p:spPr>
           <a:xfrm>
-            <a:off x="15" y="6334316"/>
-            <a:ext cx="12188825" cy="64008"/>
-          </a:xfrm>
-          <a:prstGeom prst="rect">
-            <a:avLst/>
-          </a:prstGeom>
-          <a:solidFill>
-            <a:schemeClr val="accent4"/>
-          </a:solidFill>
-          <a:ln>
-            <a:noFill/>
-          </a:ln>
-        </p:spPr>
-        <p:style>
-          <a:lnRef idx="2">
-            <a:schemeClr val="accent1">
-              <a:shade val="50000"/>
-            </a:schemeClr>
-          </a:lnRef>
-          <a:fillRef idx="1">
-            <a:schemeClr val="accent1"/>
-          </a:fillRef>
-          <a:effectRef idx="0">
-            <a:schemeClr val="accent1"/>
-          </a:effectRef>
-          <a:fontRef idx="minor">
-            <a:schemeClr val="lt1"/>
-          </a:fontRef>
-        </p:style>
-      </p:sp>
-      <p:sp>
-        <p:nvSpPr>
-          <p:cNvPr id="2" name="Vertical Title 1"/>
-          <p:cNvSpPr>
-            <a:spLocks noGrp="1"/>
-          </p:cNvSpPr>
-          <p:nvPr>
-            <p:ph type="title" orient="vert"/>
-          </p:nvPr>
-        </p:nvSpPr>
-        <p:spPr>
-          <a:xfrm>
-            <a:off x="8724900" y="412302"/>
-            <a:ext cx="2628900" cy="5759898"/>
+            <a:off x="2231136" y="937260"/>
+            <a:ext cx="6198489" cy="4983480"/>
           </a:xfrm>
         </p:spPr>
         <p:txBody>
           <a:bodyPr vert="eaVert"/>
           <a:lstStyle/>
           <a:p>
-            <a:r>
-              <a:rPr lang="en-US"/>
-              <a:t>Click to edit Master title style</a:t>
-            </a:r>
-            <a:endParaRPr lang="en-US" dirty="0"/>
-          </a:p>
-        </p:txBody>
-      </p:sp>
-      <p:sp>
-        <p:nvSpPr>
-          <p:cNvPr id="3" name="Vertical Text Placeholder 2"/>
-          <p:cNvSpPr>
-            <a:spLocks noGrp="1"/>
-          </p:cNvSpPr>
-          <p:nvPr>
-            <p:ph type="body" orient="vert" idx="1"/>
-          </p:nvPr>
-        </p:nvSpPr>
-        <p:spPr>
-          <a:xfrm>
-            <a:off x="838200" y="412302"/>
-            <a:ext cx="7734300" cy="5759898"/>
-          </a:xfrm>
-        </p:spPr>
-        <p:txBody>
-          <a:bodyPr vert="eaVert" lIns="45720" tIns="0" rIns="45720" bIns="0"/>
-          <a:lstStyle/>
-          <a:p>
             <a:pPr lvl="0"/>
             <a:r>
               <a:rPr lang="en-US"/>
@@ -801,7 +622,7 @@
           <a:p>
             <a:fld id="{A244D7B1-FEC8-414F-9653-CF4E963279F3}" type="datetimeFigureOut">
               <a:rPr lang="en-US" smtClean="0"/>
-              <a:t>10/21/2024</a:t>
+              <a:t>10/24/24</a:t>
             </a:fld>
             <a:endParaRPr lang="en-US"/>
           </a:p>
@@ -852,7 +673,7 @@
     </p:spTree>
     <p:extLst>
       <p:ext uri="{BB962C8B-B14F-4D97-AF65-F5344CB8AC3E}">
-        <p14:creationId xmlns:p14="http://schemas.microsoft.com/office/powerpoint/2010/main" val="3414860051"/>
+        <p14:creationId xmlns:p14="http://schemas.microsoft.com/office/powerpoint/2010/main" val="393989512"/>
       </p:ext>
     </p:extLst>
   </p:cSld>
@@ -956,7 +777,7 @@
       </p:sp>
       <p:sp>
         <p:nvSpPr>
-          <p:cNvPr id="4" name="Date Placeholder 3"/>
+          <p:cNvPr id="7" name="Date Placeholder 6"/>
           <p:cNvSpPr>
             <a:spLocks noGrp="1"/>
           </p:cNvSpPr>
@@ -971,7 +792,7 @@
           <a:p>
             <a:fld id="{A244D7B1-FEC8-414F-9653-CF4E963279F3}" type="datetimeFigureOut">
               <a:rPr lang="en-US" smtClean="0"/>
-              <a:t>10/21/2024</a:t>
+              <a:t>10/24/24</a:t>
             </a:fld>
             <a:endParaRPr lang="en-US"/>
           </a:p>
@@ -979,7 +800,7 @@
       </p:sp>
       <p:sp>
         <p:nvSpPr>
-          <p:cNvPr id="5" name="Footer Placeholder 4"/>
+          <p:cNvPr id="8" name="Footer Placeholder 7"/>
           <p:cNvSpPr>
             <a:spLocks noGrp="1"/>
           </p:cNvSpPr>
@@ -998,7 +819,7 @@
       </p:sp>
       <p:sp>
         <p:nvSpPr>
-          <p:cNvPr id="6" name="Slide Number Placeholder 5"/>
+          <p:cNvPr id="9" name="Slide Number Placeholder 8"/>
           <p:cNvSpPr>
             <a:spLocks noGrp="1"/>
           </p:cNvSpPr>
@@ -1022,7 +843,7 @@
     </p:spTree>
     <p:extLst>
       <p:ext uri="{BB962C8B-B14F-4D97-AF65-F5344CB8AC3E}">
-        <p14:creationId xmlns:p14="http://schemas.microsoft.com/office/powerpoint/2010/main" val="3744962368"/>
+        <p14:creationId xmlns:p14="http://schemas.microsoft.com/office/powerpoint/2010/main" val="589871981"/>
       </p:ext>
     </p:extLst>
   </p:cSld>
@@ -1033,7 +854,7 @@
 </file>
 
 <file path=ppt/slideLayouts/slideLayout3.xml><?xml version="1.0" encoding="utf-8"?>
-<p:sldLayout xmlns:a="http://schemas.openxmlformats.org/drawingml/2006/main" xmlns:r="http://schemas.openxmlformats.org/officeDocument/2006/relationships" xmlns:p="http://schemas.openxmlformats.org/presentationml/2006/main" showMasterSp="0" type="secHead" preserve="1">
+<p:sldLayout xmlns:a="http://schemas.openxmlformats.org/drawingml/2006/main" xmlns:r="http://schemas.openxmlformats.org/officeDocument/2006/relationships" xmlns:p="http://schemas.openxmlformats.org/presentationml/2006/main" type="secHead" preserve="1">
   <p:cSld name="Section Header">
     <p:spTree>
       <p:nvGrpSpPr>
@@ -1051,113 +872,37 @@
       </p:grpSpPr>
       <p:sp>
         <p:nvSpPr>
-          <p:cNvPr id="7" name="Rectangle 6"/>
-          <p:cNvSpPr/>
-          <p:nvPr/>
+          <p:cNvPr id="2" name="Title 1"/>
+          <p:cNvSpPr>
+            <a:spLocks noGrp="1"/>
+          </p:cNvSpPr>
+          <p:nvPr>
+            <p:ph type="title"/>
+          </p:nvPr>
         </p:nvSpPr>
         <p:spPr>
           <a:xfrm>
-            <a:off x="3175" y="6400800"/>
-            <a:ext cx="12188825" cy="457200"/>
+            <a:off x="1600200" y="2386744"/>
+            <a:ext cx="8991600" cy="1645920"/>
           </a:xfrm>
-          <a:prstGeom prst="rect">
-            <a:avLst/>
-          </a:prstGeom>
           <a:solidFill>
-            <a:schemeClr val="accent4">
-              <a:lumMod val="75000"/>
-            </a:schemeClr>
+            <a:srgbClr val="FFFFFF"/>
           </a:solidFill>
-          <a:ln>
-            <a:noFill/>
+          <a:ln w="38100">
+            <a:solidFill>
+              <a:srgbClr val="404040"/>
+            </a:solidFill>
           </a:ln>
         </p:spPr>
-        <p:style>
-          <a:lnRef idx="2">
-            <a:schemeClr val="accent1">
-              <a:shade val="50000"/>
-            </a:schemeClr>
-          </a:lnRef>
-          <a:fillRef idx="1">
-            <a:schemeClr val="accent1"/>
-          </a:fillRef>
-          <a:effectRef idx="0">
-            <a:schemeClr val="accent1"/>
-          </a:effectRef>
-          <a:fontRef idx="minor">
-            <a:schemeClr val="lt1"/>
-          </a:fontRef>
-        </p:style>
-      </p:sp>
-      <p:sp>
-        <p:nvSpPr>
-          <p:cNvPr id="8" name="Rectangle 7"/>
-          <p:cNvSpPr/>
-          <p:nvPr/>
-        </p:nvSpPr>
-        <p:spPr>
-          <a:xfrm>
-            <a:off x="15" y="6334316"/>
-            <a:ext cx="12188825" cy="64008"/>
-          </a:xfrm>
-          <a:prstGeom prst="rect">
-            <a:avLst/>
-          </a:prstGeom>
-          <a:solidFill>
-            <a:schemeClr val="accent4"/>
-          </a:solidFill>
-          <a:ln>
-            <a:noFill/>
-          </a:ln>
-        </p:spPr>
-        <p:style>
-          <a:lnRef idx="2">
-            <a:schemeClr val="accent1">
-              <a:shade val="50000"/>
-            </a:schemeClr>
-          </a:lnRef>
-          <a:fillRef idx="1">
-            <a:schemeClr val="accent1"/>
-          </a:fillRef>
-          <a:effectRef idx="0">
-            <a:schemeClr val="accent1"/>
-          </a:effectRef>
-          <a:fontRef idx="minor">
-            <a:schemeClr val="lt1"/>
-          </a:fontRef>
-        </p:style>
-      </p:sp>
-      <p:sp>
-        <p:nvSpPr>
-          <p:cNvPr id="2" name="Title 1"/>
-          <p:cNvSpPr>
-            <a:spLocks noGrp="1"/>
-          </p:cNvSpPr>
-          <p:nvPr>
-            <p:ph type="title"/>
-          </p:nvPr>
-        </p:nvSpPr>
-        <p:spPr>
-          <a:xfrm>
-            <a:off x="1097280" y="758952"/>
-            <a:ext cx="10058400" cy="3566160"/>
-          </a:xfrm>
-        </p:spPr>
-        <p:txBody>
-          <a:bodyPr anchor="b" anchorCtr="0">
+        <p:txBody>
+          <a:bodyPr lIns="274320" rIns="274320" anchor="ctr" anchorCtr="1">
             <a:normAutofit/>
           </a:bodyPr>
           <a:lstStyle>
             <a:lvl1pPr>
-              <a:lnSpc>
-                <a:spcPct val="85000"/>
-              </a:lnSpc>
-              <a:defRPr sz="8000" b="0">
+              <a:defRPr sz="3800">
                 <a:solidFill>
-                  <a:schemeClr val="tx1">
-                    <a:lumMod val="85000"/>
-                    <a:lumOff val="15000"/>
-                  </a:schemeClr>
+                  <a:srgbClr val="262626"/>
                 </a:solidFill>
               </a:defRPr>
             </a:lvl1pPr>
@@ -1183,27 +928,26 @@
         </p:nvSpPr>
         <p:spPr>
           <a:xfrm>
-            <a:off x="1097280" y="4453128"/>
-            <a:ext cx="10058400" cy="1143000"/>
+            <a:off x="2695194" y="4352465"/>
+            <a:ext cx="6801612" cy="1265082"/>
           </a:xfrm>
         </p:spPr>
         <p:txBody>
-          <a:bodyPr lIns="91440" rIns="91440" anchor="t" anchorCtr="0">
+          <a:bodyPr anchor="t" anchorCtr="1">
             <a:normAutofit/>
           </a:bodyPr>
           <a:lstStyle>
             <a:lvl1pPr marL="0" indent="0">
               <a:buNone/>
-              <a:defRPr sz="2400" cap="all" spc="200" baseline="0">
+              <a:defRPr sz="2000">
                 <a:solidFill>
-                  <a:schemeClr val="tx2"/>
+                  <a:schemeClr val="tx1"/>
                 </a:solidFill>
-                <a:latin typeface="+mj-lt"/>
               </a:defRPr>
             </a:lvl1pPr>
             <a:lvl2pPr marL="457200" indent="0">
               <a:buNone/>
-              <a:defRPr sz="1800">
+              <a:defRPr sz="2000">
                 <a:solidFill>
                   <a:schemeClr val="tx1">
                     <a:tint val="75000"/>
@@ -1213,7 +957,7 @@
             </a:lvl2pPr>
             <a:lvl3pPr marL="914400" indent="0">
               <a:buNone/>
-              <a:defRPr sz="1600">
+              <a:defRPr sz="1800">
                 <a:solidFill>
                   <a:schemeClr val="tx1">
                     <a:tint val="75000"/>
@@ -1223,7 +967,7 @@
             </a:lvl3pPr>
             <a:lvl4pPr marL="1371600" indent="0">
               <a:buNone/>
-              <a:defRPr sz="1400">
+              <a:defRPr sz="1600">
                 <a:solidFill>
                   <a:schemeClr val="tx1">
                     <a:tint val="75000"/>
@@ -1233,7 +977,7 @@
             </a:lvl4pPr>
             <a:lvl5pPr marL="1828800" indent="0">
               <a:buNone/>
-              <a:defRPr sz="1400">
+              <a:defRPr sz="1600">
                 <a:solidFill>
                   <a:schemeClr val="tx1">
                     <a:tint val="75000"/>
@@ -1243,7 +987,7 @@
             </a:lvl5pPr>
             <a:lvl6pPr marL="2286000" indent="0">
               <a:buNone/>
-              <a:defRPr sz="1400">
+              <a:defRPr sz="1600">
                 <a:solidFill>
                   <a:schemeClr val="tx1">
                     <a:tint val="75000"/>
@@ -1253,7 +997,7 @@
             </a:lvl6pPr>
             <a:lvl7pPr marL="2743200" indent="0">
               <a:buNone/>
-              <a:defRPr sz="1400">
+              <a:defRPr sz="1600">
                 <a:solidFill>
                   <a:schemeClr val="tx1">
                     <a:tint val="75000"/>
@@ -1263,7 +1007,7 @@
             </a:lvl7pPr>
             <a:lvl8pPr marL="3200400" indent="0">
               <a:buNone/>
-              <a:defRPr sz="1400">
+              <a:defRPr sz="1600">
                 <a:solidFill>
                   <a:schemeClr val="tx1">
                     <a:tint val="75000"/>
@@ -1273,7 +1017,7 @@
             </a:lvl8pPr>
             <a:lvl9pPr marL="3657600" indent="0">
               <a:buNone/>
-              <a:defRPr sz="1400">
+              <a:defRPr sz="1600">
                 <a:solidFill>
                   <a:schemeClr val="tx1">
                     <a:tint val="75000"/>
@@ -1308,7 +1052,7 @@
           <a:p>
             <a:fld id="{A244D7B1-FEC8-414F-9653-CF4E963279F3}" type="datetimeFigureOut">
               <a:rPr lang="en-US" smtClean="0"/>
-              <a:t>10/21/2024</a:t>
+              <a:t>10/24/24</a:t>
             </a:fld>
             <a:endParaRPr lang="en-US"/>
           </a:p>
@@ -1356,48 +1100,10 @@
           </a:p>
         </p:txBody>
       </p:sp>
-      <p:cxnSp>
-        <p:nvCxnSpPr>
-          <p:cNvPr id="9" name="Straight Connector 8"/>
-          <p:cNvCxnSpPr/>
-          <p:nvPr/>
-        </p:nvCxnSpPr>
-        <p:spPr>
-          <a:xfrm>
-            <a:off x="1207658" y="4343400"/>
-            <a:ext cx="9875520" cy="0"/>
-          </a:xfrm>
-          <a:prstGeom prst="line">
-            <a:avLst/>
-          </a:prstGeom>
-          <a:ln w="6350">
-            <a:solidFill>
-              <a:schemeClr val="tx1">
-                <a:lumMod val="50000"/>
-                <a:lumOff val="50000"/>
-              </a:schemeClr>
-            </a:solidFill>
-          </a:ln>
-        </p:spPr>
-        <p:style>
-          <a:lnRef idx="1">
-            <a:schemeClr val="accent1"/>
-          </a:lnRef>
-          <a:fillRef idx="0">
-            <a:schemeClr val="accent1"/>
-          </a:fillRef>
-          <a:effectRef idx="0">
-            <a:schemeClr val="accent1"/>
-          </a:effectRef>
-          <a:fontRef idx="minor">
-            <a:schemeClr val="tx1"/>
-          </a:fontRef>
-        </p:style>
-      </p:cxnSp>
     </p:spTree>
     <p:extLst>
       <p:ext uri="{BB962C8B-B14F-4D97-AF65-F5344CB8AC3E}">
-        <p14:creationId xmlns:p14="http://schemas.microsoft.com/office/powerpoint/2010/main" val="444730140"/>
+        <p14:creationId xmlns:p14="http://schemas.microsoft.com/office/powerpoint/2010/main" val="708130933"/>
       </p:ext>
     </p:extLst>
   </p:cSld>
@@ -1426,27 +1132,79 @@
       </p:grpSpPr>
       <p:sp>
         <p:nvSpPr>
-          <p:cNvPr id="8" name="Title 7"/>
+          <p:cNvPr id="2" name="Title 1"/>
           <p:cNvSpPr>
             <a:spLocks noGrp="1"/>
           </p:cNvSpPr>
           <p:nvPr>
             <p:ph type="title"/>
+          </p:nvPr>
+        </p:nvSpPr>
+        <p:spPr/>
+        <p:txBody>
+          <a:bodyPr/>
+          <a:lstStyle/>
+          <a:p>
+            <a:r>
+              <a:rPr lang="en-US"/>
+              <a:t>Click to edit Master title style</a:t>
+            </a:r>
+            <a:endParaRPr lang="en-US" dirty="0"/>
+          </a:p>
+        </p:txBody>
+      </p:sp>
+      <p:sp>
+        <p:nvSpPr>
+          <p:cNvPr id="3" name="Content Placeholder 2"/>
+          <p:cNvSpPr>
+            <a:spLocks noGrp="1"/>
+          </p:cNvSpPr>
+          <p:nvPr>
+            <p:ph sz="half" idx="1"/>
           </p:nvPr>
         </p:nvSpPr>
         <p:spPr>
           <a:xfrm>
-            <a:off x="1097280" y="286603"/>
-            <a:ext cx="10058400" cy="1450757"/>
+            <a:off x="1581912" y="2638044"/>
+            <a:ext cx="4271771" cy="3101982"/>
           </a:xfrm>
         </p:spPr>
         <p:txBody>
           <a:bodyPr/>
           <a:lstStyle/>
           <a:p>
-            <a:r>
-              <a:rPr lang="en-US"/>
-              <a:t>Click to edit Master title style</a:t>
+            <a:pPr lvl="0"/>
+            <a:r>
+              <a:rPr lang="en-US"/>
+              <a:t>Click to edit Master text styles</a:t>
+            </a:r>
+          </a:p>
+          <a:p>
+            <a:pPr lvl="1"/>
+            <a:r>
+              <a:rPr lang="en-US"/>
+              <a:t>Second level</a:t>
+            </a:r>
+          </a:p>
+          <a:p>
+            <a:pPr lvl="2"/>
+            <a:r>
+              <a:rPr lang="en-US"/>
+              <a:t>Third level</a:t>
+            </a:r>
+          </a:p>
+          <a:p>
+            <a:pPr lvl="3"/>
+            <a:r>
+              <a:rPr lang="en-US"/>
+              <a:t>Fourth level</a:t>
+            </a:r>
+          </a:p>
+          <a:p>
+            <a:pPr lvl="4"/>
+            <a:r>
+              <a:rPr lang="en-US"/>
+              <a:t>Fifth level</a:t>
             </a:r>
             <a:endParaRPr lang="en-US" dirty="0"/>
           </a:p>
@@ -1454,18 +1212,18 @@
       </p:sp>
       <p:sp>
         <p:nvSpPr>
-          <p:cNvPr id="3" name="Content Placeholder 2"/>
-          <p:cNvSpPr>
-            <a:spLocks noGrp="1"/>
-          </p:cNvSpPr>
-          <p:nvPr>
-            <p:ph sz="half" idx="1"/>
+          <p:cNvPr id="4" name="Content Placeholder 3"/>
+          <p:cNvSpPr>
+            <a:spLocks noGrp="1"/>
+          </p:cNvSpPr>
+          <p:nvPr>
+            <p:ph sz="half" idx="2"/>
           </p:nvPr>
         </p:nvSpPr>
         <p:spPr>
           <a:xfrm>
-            <a:off x="1097278" y="1845734"/>
-            <a:ext cx="4937760" cy="4023360"/>
+            <a:off x="6338315" y="2638044"/>
+            <a:ext cx="4270247" cy="3101982"/>
           </a:xfrm>
         </p:spPr>
         <p:txBody>
@@ -1511,64 +1269,7 @@
       </p:sp>
       <p:sp>
         <p:nvSpPr>
-          <p:cNvPr id="4" name="Content Placeholder 3"/>
-          <p:cNvSpPr>
-            <a:spLocks noGrp="1"/>
-          </p:cNvSpPr>
-          <p:nvPr>
-            <p:ph sz="half" idx="2"/>
-          </p:nvPr>
-        </p:nvSpPr>
-        <p:spPr>
-          <a:xfrm>
-            <a:off x="6217920" y="1845735"/>
-            <a:ext cx="4937760" cy="4023360"/>
-          </a:xfrm>
-        </p:spPr>
-        <p:txBody>
-          <a:bodyPr/>
-          <a:lstStyle/>
-          <a:p>
-            <a:pPr lvl="0"/>
-            <a:r>
-              <a:rPr lang="en-US"/>
-              <a:t>Click to edit Master text styles</a:t>
-            </a:r>
-          </a:p>
-          <a:p>
-            <a:pPr lvl="1"/>
-            <a:r>
-              <a:rPr lang="en-US"/>
-              <a:t>Second level</a:t>
-            </a:r>
-          </a:p>
-          <a:p>
-            <a:pPr lvl="2"/>
-            <a:r>
-              <a:rPr lang="en-US"/>
-              <a:t>Third level</a:t>
-            </a:r>
-          </a:p>
-          <a:p>
-            <a:pPr lvl="3"/>
-            <a:r>
-              <a:rPr lang="en-US"/>
-              <a:t>Fourth level</a:t>
-            </a:r>
-          </a:p>
-          <a:p>
-            <a:pPr lvl="4"/>
-            <a:r>
-              <a:rPr lang="en-US"/>
-              <a:t>Fifth level</a:t>
-            </a:r>
-            <a:endParaRPr lang="en-US" dirty="0"/>
-          </a:p>
-        </p:txBody>
-      </p:sp>
-      <p:sp>
-        <p:nvSpPr>
-          <p:cNvPr id="5" name="Date Placeholder 4"/>
+          <p:cNvPr id="8" name="Date Placeholder 7"/>
           <p:cNvSpPr>
             <a:spLocks noGrp="1"/>
           </p:cNvSpPr>
@@ -1583,7 +1284,7 @@
           <a:p>
             <a:fld id="{A244D7B1-FEC8-414F-9653-CF4E963279F3}" type="datetimeFigureOut">
               <a:rPr lang="en-US" smtClean="0"/>
-              <a:t>10/21/2024</a:t>
+              <a:t>10/24/24</a:t>
             </a:fld>
             <a:endParaRPr lang="en-US"/>
           </a:p>
@@ -1591,7 +1292,7 @@
       </p:sp>
       <p:sp>
         <p:nvSpPr>
-          <p:cNvPr id="6" name="Footer Placeholder 5"/>
+          <p:cNvPr id="9" name="Footer Placeholder 8"/>
           <p:cNvSpPr>
             <a:spLocks noGrp="1"/>
           </p:cNvSpPr>
@@ -1610,7 +1311,7 @@
       </p:sp>
       <p:sp>
         <p:nvSpPr>
-          <p:cNvPr id="7" name="Slide Number Placeholder 6"/>
+          <p:cNvPr id="10" name="Slide Number Placeholder 9"/>
           <p:cNvSpPr>
             <a:spLocks noGrp="1"/>
           </p:cNvSpPr>
@@ -1634,7 +1335,7 @@
     </p:spTree>
     <p:extLst>
       <p:ext uri="{BB962C8B-B14F-4D97-AF65-F5344CB8AC3E}">
-        <p14:creationId xmlns:p14="http://schemas.microsoft.com/office/powerpoint/2010/main" val="1909453317"/>
+        <p14:creationId xmlns:p14="http://schemas.microsoft.com/office/powerpoint/2010/main" val="2889805755"/>
       </p:ext>
     </p:extLst>
   </p:cSld>
@@ -1663,56 +1364,28 @@
       </p:grpSpPr>
       <p:sp>
         <p:nvSpPr>
-          <p:cNvPr id="10" name="Title 9"/>
-          <p:cNvSpPr>
-            <a:spLocks noGrp="1"/>
-          </p:cNvSpPr>
-          <p:nvPr>
-            <p:ph type="title"/>
+          <p:cNvPr id="3" name="Text Placeholder 2"/>
+          <p:cNvSpPr>
+            <a:spLocks noGrp="1"/>
+          </p:cNvSpPr>
+          <p:nvPr>
+            <p:ph type="body" idx="1"/>
           </p:nvPr>
         </p:nvSpPr>
         <p:spPr>
           <a:xfrm>
-            <a:off x="1097280" y="286603"/>
-            <a:ext cx="10058400" cy="1450757"/>
+            <a:off x="1583436" y="2313433"/>
+            <a:ext cx="4270248" cy="704087"/>
           </a:xfrm>
         </p:spPr>
         <p:txBody>
-          <a:bodyPr/>
-          <a:lstStyle/>
-          <a:p>
-            <a:r>
-              <a:rPr lang="en-US"/>
-              <a:t>Click to edit Master title style</a:t>
-            </a:r>
-            <a:endParaRPr lang="en-US" dirty="0"/>
-          </a:p>
-        </p:txBody>
-      </p:sp>
-      <p:sp>
-        <p:nvSpPr>
-          <p:cNvPr id="3" name="Text Placeholder 2"/>
-          <p:cNvSpPr>
-            <a:spLocks noGrp="1"/>
-          </p:cNvSpPr>
-          <p:nvPr>
-            <p:ph type="body" idx="1"/>
-          </p:nvPr>
-        </p:nvSpPr>
-        <p:spPr>
-          <a:xfrm>
-            <a:off x="1097280" y="1846052"/>
-            <a:ext cx="4937760" cy="736282"/>
-          </a:xfrm>
-        </p:spPr>
-        <p:txBody>
-          <a:bodyPr lIns="91440" rIns="91440" anchor="ctr">
+          <a:bodyPr anchor="b" anchorCtr="1">
             <a:normAutofit/>
           </a:bodyPr>
           <a:lstStyle>
-            <a:lvl1pPr marL="0" indent="0">
-              <a:buNone/>
-              <a:defRPr sz="2000" b="0" cap="all" baseline="0">
+            <a:lvl1pPr marL="0" indent="0" algn="ctr">
+              <a:buNone/>
+              <a:defRPr sz="1900" b="0" cap="all" spc="100" baseline="0">
                 <a:solidFill>
                   <a:schemeClr val="tx2"/>
                 </a:solidFill>
@@ -1720,7 +1393,7 @@
             </a:lvl1pPr>
             <a:lvl2pPr marL="457200" indent="0">
               <a:buNone/>
-              <a:defRPr sz="2000" b="1"/>
+              <a:defRPr sz="1900" b="1"/>
             </a:lvl2pPr>
             <a:lvl3pPr marL="914400" indent="0">
               <a:buNone/>
@@ -1772,8 +1445,8 @@
         </p:nvSpPr>
         <p:spPr>
           <a:xfrm>
-            <a:off x="1097280" y="2582334"/>
-            <a:ext cx="4937760" cy="3378200"/>
+            <a:off x="1583436" y="3143250"/>
+            <a:ext cx="4270248" cy="2596776"/>
           </a:xfrm>
         </p:spPr>
         <p:txBody>
@@ -1819,28 +1492,89 @@
       </p:sp>
       <p:sp>
         <p:nvSpPr>
-          <p:cNvPr id="5" name="Text Placeholder 4"/>
-          <p:cNvSpPr>
-            <a:spLocks noGrp="1"/>
-          </p:cNvSpPr>
-          <p:nvPr>
-            <p:ph type="body" sz="quarter" idx="3"/>
+          <p:cNvPr id="6" name="Content Placeholder 5"/>
+          <p:cNvSpPr>
+            <a:spLocks noGrp="1"/>
+          </p:cNvSpPr>
+          <p:nvPr>
+            <p:ph sz="quarter" idx="4"/>
           </p:nvPr>
         </p:nvSpPr>
         <p:spPr>
           <a:xfrm>
-            <a:off x="6217920" y="1846052"/>
-            <a:ext cx="4937760" cy="736282"/>
+            <a:off x="6338316" y="3143250"/>
+            <a:ext cx="4253484" cy="2596776"/>
           </a:xfrm>
         </p:spPr>
         <p:txBody>
-          <a:bodyPr lIns="91440" rIns="91440" anchor="ctr">
+          <a:bodyPr/>
+          <a:lstStyle>
+            <a:lvl5pPr>
+              <a:defRPr/>
+            </a:lvl5pPr>
+          </a:lstStyle>
+          <a:p>
+            <a:pPr lvl="0"/>
+            <a:r>
+              <a:rPr lang="en-US"/>
+              <a:t>Click to edit Master text styles</a:t>
+            </a:r>
+          </a:p>
+          <a:p>
+            <a:pPr lvl="1"/>
+            <a:r>
+              <a:rPr lang="en-US"/>
+              <a:t>Second level</a:t>
+            </a:r>
+          </a:p>
+          <a:p>
+            <a:pPr lvl="2"/>
+            <a:r>
+              <a:rPr lang="en-US"/>
+              <a:t>Third level</a:t>
+            </a:r>
+          </a:p>
+          <a:p>
+            <a:pPr lvl="3"/>
+            <a:r>
+              <a:rPr lang="en-US"/>
+              <a:t>Fourth level</a:t>
+            </a:r>
+          </a:p>
+          <a:p>
+            <a:pPr lvl="4"/>
+            <a:r>
+              <a:rPr lang="en-US"/>
+              <a:t>Fifth level</a:t>
+            </a:r>
+            <a:endParaRPr lang="en-US" dirty="0"/>
+          </a:p>
+        </p:txBody>
+      </p:sp>
+      <p:sp>
+        <p:nvSpPr>
+          <p:cNvPr id="11" name="Text Placeholder 4"/>
+          <p:cNvSpPr>
+            <a:spLocks noGrp="1"/>
+          </p:cNvSpPr>
+          <p:nvPr>
+            <p:ph type="body" sz="quarter" idx="13"/>
+          </p:nvPr>
+        </p:nvSpPr>
+        <p:spPr>
+          <a:xfrm>
+            <a:off x="6338316" y="2313433"/>
+            <a:ext cx="4270248" cy="704087"/>
+          </a:xfrm>
+        </p:spPr>
+        <p:txBody>
+          <a:bodyPr anchor="b" anchorCtr="1">
             <a:normAutofit/>
           </a:bodyPr>
           <a:lstStyle>
-            <a:lvl1pPr marL="0" indent="0">
-              <a:buNone/>
-              <a:defRPr sz="2000" b="0" cap="all" baseline="0">
+            <a:lvl1pPr marL="0" indent="0" algn="ctr">
+              <a:buNone/>
+              <a:defRPr sz="1900" b="0" cap="all" spc="100" baseline="0">
                 <a:solidFill>
                   <a:schemeClr val="tx2"/>
                 </a:solidFill>
@@ -1848,7 +1582,7 @@
             </a:lvl1pPr>
             <a:lvl2pPr marL="457200" indent="0">
               <a:buNone/>
-              <a:defRPr sz="2000" b="1"/>
+              <a:defRPr sz="1900" b="1"/>
             </a:lvl2pPr>
             <a:lvl3pPr marL="914400" indent="0">
               <a:buNone/>
@@ -1890,63 +1624,6 @@
       </p:sp>
       <p:sp>
         <p:nvSpPr>
-          <p:cNvPr id="6" name="Content Placeholder 5"/>
-          <p:cNvSpPr>
-            <a:spLocks noGrp="1"/>
-          </p:cNvSpPr>
-          <p:nvPr>
-            <p:ph sz="quarter" idx="4"/>
-          </p:nvPr>
-        </p:nvSpPr>
-        <p:spPr>
-          <a:xfrm>
-            <a:off x="6217920" y="2582334"/>
-            <a:ext cx="4937760" cy="3378200"/>
-          </a:xfrm>
-        </p:spPr>
-        <p:txBody>
-          <a:bodyPr/>
-          <a:lstStyle/>
-          <a:p>
-            <a:pPr lvl="0"/>
-            <a:r>
-              <a:rPr lang="en-US"/>
-              <a:t>Click to edit Master text styles</a:t>
-            </a:r>
-          </a:p>
-          <a:p>
-            <a:pPr lvl="1"/>
-            <a:r>
-              <a:rPr lang="en-US"/>
-              <a:t>Second level</a:t>
-            </a:r>
-          </a:p>
-          <a:p>
-            <a:pPr lvl="2"/>
-            <a:r>
-              <a:rPr lang="en-US"/>
-              <a:t>Third level</a:t>
-            </a:r>
-          </a:p>
-          <a:p>
-            <a:pPr lvl="3"/>
-            <a:r>
-              <a:rPr lang="en-US"/>
-              <a:t>Fourth level</a:t>
-            </a:r>
-          </a:p>
-          <a:p>
-            <a:pPr lvl="4"/>
-            <a:r>
-              <a:rPr lang="en-US"/>
-              <a:t>Fifth level</a:t>
-            </a:r>
-            <a:endParaRPr lang="en-US" dirty="0"/>
-          </a:p>
-        </p:txBody>
-      </p:sp>
-      <p:sp>
-        <p:nvSpPr>
           <p:cNvPr id="7" name="Date Placeholder 6"/>
           <p:cNvSpPr>
             <a:spLocks noGrp="1"/>
@@ -1962,7 +1639,7 @@
           <a:p>
             <a:fld id="{A244D7B1-FEC8-414F-9653-CF4E963279F3}" type="datetimeFigureOut">
               <a:rPr lang="en-US" smtClean="0"/>
-              <a:t>10/21/2024</a:t>
+              <a:t>10/24/24</a:t>
             </a:fld>
             <a:endParaRPr lang="en-US"/>
           </a:p>
@@ -2010,10 +1687,33 @@
           </a:p>
         </p:txBody>
       </p:sp>
+      <p:sp>
+        <p:nvSpPr>
+          <p:cNvPr id="10" name="Title 9"/>
+          <p:cNvSpPr>
+            <a:spLocks noGrp="1"/>
+          </p:cNvSpPr>
+          <p:nvPr>
+            <p:ph type="title"/>
+          </p:nvPr>
+        </p:nvSpPr>
+        <p:spPr/>
+        <p:txBody>
+          <a:bodyPr/>
+          <a:lstStyle/>
+          <a:p>
+            <a:r>
+              <a:rPr lang="en-US"/>
+              <a:t>Click to edit Master title style</a:t>
+            </a:r>
+            <a:endParaRPr lang="en-US" dirty="0"/>
+          </a:p>
+        </p:txBody>
+      </p:sp>
     </p:spTree>
     <p:extLst>
       <p:ext uri="{BB962C8B-B14F-4D97-AF65-F5344CB8AC3E}">
-        <p14:creationId xmlns:p14="http://schemas.microsoft.com/office/powerpoint/2010/main" val="3107297685"/>
+        <p14:creationId xmlns:p14="http://schemas.microsoft.com/office/powerpoint/2010/main" val="2084484868"/>
       </p:ext>
     </p:extLst>
   </p:cSld>
@@ -2080,7 +1780,7 @@
           <a:p>
             <a:fld id="{A244D7B1-FEC8-414F-9653-CF4E963279F3}" type="datetimeFigureOut">
               <a:rPr lang="en-US" smtClean="0"/>
-              <a:t>10/21/2024</a:t>
+              <a:t>10/24/24</a:t>
             </a:fld>
             <a:endParaRPr lang="en-US"/>
           </a:p>
@@ -2131,7 +1831,7 @@
     </p:spTree>
     <p:extLst>
       <p:ext uri="{BB962C8B-B14F-4D97-AF65-F5344CB8AC3E}">
-        <p14:creationId xmlns:p14="http://schemas.microsoft.com/office/powerpoint/2010/main" val="2338916006"/>
+        <p14:creationId xmlns:p14="http://schemas.microsoft.com/office/powerpoint/2010/main" val="3204699874"/>
       </p:ext>
     </p:extLst>
   </p:cSld>
@@ -2142,7 +1842,7 @@
 </file>
 
 <file path=ppt/slideLayouts/slideLayout7.xml><?xml version="1.0" encoding="utf-8"?>
-<p:sldLayout xmlns:a="http://schemas.openxmlformats.org/drawingml/2006/main" xmlns:r="http://schemas.openxmlformats.org/officeDocument/2006/relationships" xmlns:p="http://schemas.openxmlformats.org/presentationml/2006/main" showMasterSp="0" type="blank" preserve="1">
+<p:sldLayout xmlns:a="http://schemas.openxmlformats.org/drawingml/2006/main" xmlns:r="http://schemas.openxmlformats.org/officeDocument/2006/relationships" xmlns:p="http://schemas.openxmlformats.org/presentationml/2006/main" type="blank" preserve="1">
   <p:cSld name="Blank">
     <p:spTree>
       <p:nvGrpSpPr>
@@ -2160,22 +1860,115 @@
       </p:grpSpPr>
       <p:sp>
         <p:nvSpPr>
-          <p:cNvPr id="5" name="Rectangle 4"/>
+          <p:cNvPr id="2" name="Date Placeholder 1"/>
+          <p:cNvSpPr>
+            <a:spLocks noGrp="1"/>
+          </p:cNvSpPr>
+          <p:nvPr>
+            <p:ph type="dt" sz="half" idx="10"/>
+          </p:nvPr>
+        </p:nvSpPr>
+        <p:spPr/>
+        <p:txBody>
+          <a:bodyPr/>
+          <a:lstStyle/>
+          <a:p>
+            <a:fld id="{A244D7B1-FEC8-414F-9653-CF4E963279F3}" type="datetimeFigureOut">
+              <a:rPr lang="en-US" smtClean="0"/>
+              <a:t>10/24/24</a:t>
+            </a:fld>
+            <a:endParaRPr lang="en-US"/>
+          </a:p>
+        </p:txBody>
+      </p:sp>
+      <p:sp>
+        <p:nvSpPr>
+          <p:cNvPr id="3" name="Footer Placeholder 2"/>
+          <p:cNvSpPr>
+            <a:spLocks noGrp="1"/>
+          </p:cNvSpPr>
+          <p:nvPr>
+            <p:ph type="ftr" sz="quarter" idx="11"/>
+          </p:nvPr>
+        </p:nvSpPr>
+        <p:spPr/>
+        <p:txBody>
+          <a:bodyPr/>
+          <a:lstStyle/>
+          <a:p>
+            <a:endParaRPr lang="en-US"/>
+          </a:p>
+        </p:txBody>
+      </p:sp>
+      <p:sp>
+        <p:nvSpPr>
+          <p:cNvPr id="4" name="Slide Number Placeholder 3"/>
+          <p:cNvSpPr>
+            <a:spLocks noGrp="1"/>
+          </p:cNvSpPr>
+          <p:nvPr>
+            <p:ph type="sldNum" sz="quarter" idx="12"/>
+          </p:nvPr>
+        </p:nvSpPr>
+        <p:spPr/>
+        <p:txBody>
+          <a:bodyPr/>
+          <a:lstStyle/>
+          <a:p>
+            <a:fld id="{D1C05E67-5FF3-49FF-8EB7-9C86F647523E}" type="slidenum">
+              <a:rPr lang="en-US" smtClean="0"/>
+              <a:t>‹#›</a:t>
+            </a:fld>
+            <a:endParaRPr lang="en-US"/>
+          </a:p>
+        </p:txBody>
+      </p:sp>
+    </p:spTree>
+    <p:extLst>
+      <p:ext uri="{BB962C8B-B14F-4D97-AF65-F5344CB8AC3E}">
+        <p14:creationId xmlns:p14="http://schemas.microsoft.com/office/powerpoint/2010/main" val="2631974492"/>
+      </p:ext>
+    </p:extLst>
+  </p:cSld>
+  <p:clrMapOvr>
+    <a:masterClrMapping/>
+  </p:clrMapOvr>
+</p:sldLayout>
+</file>
+
+<file path=ppt/slideLayouts/slideLayout8.xml><?xml version="1.0" encoding="utf-8"?>
+<p:sldLayout xmlns:a="http://schemas.openxmlformats.org/drawingml/2006/main" xmlns:r="http://schemas.openxmlformats.org/officeDocument/2006/relationships" xmlns:p="http://schemas.openxmlformats.org/presentationml/2006/main" type="objTx" preserve="1">
+  <p:cSld name="Content with Caption">
+    <p:spTree>
+      <p:nvGrpSpPr>
+        <p:cNvPr id="1" name=""/>
+        <p:cNvGrpSpPr/>
+        <p:nvPr/>
+      </p:nvGrpSpPr>
+      <p:grpSpPr>
+        <a:xfrm>
+          <a:off x="0" y="0"/>
+          <a:ext cx="0" cy="0"/>
+          <a:chOff x="0" y="0"/>
+          <a:chExt cx="0" cy="0"/>
+        </a:xfrm>
+      </p:grpSpPr>
+      <p:sp>
+        <p:nvSpPr>
+          <p:cNvPr id="26" name="Rectangle 25"/>
           <p:cNvSpPr/>
           <p:nvPr/>
         </p:nvSpPr>
         <p:spPr>
           <a:xfrm>
-            <a:off x="3175" y="6400800"/>
-            <a:ext cx="12188825" cy="457200"/>
+            <a:off x="6096000" y="0"/>
+            <a:ext cx="6096000" cy="6858000"/>
           </a:xfrm>
           <a:prstGeom prst="rect">
             <a:avLst/>
           </a:prstGeom>
           <a:solidFill>
-            <a:schemeClr val="accent4">
-              <a:lumMod val="75000"/>
-            </a:schemeClr>
+            <a:schemeClr val="bg1"/>
           </a:solidFill>
           <a:ln>
             <a:noFill/>
@@ -2200,45 +1993,231 @@
       </p:sp>
       <p:sp>
         <p:nvSpPr>
-          <p:cNvPr id="6" name="Rectangle 5"/>
-          <p:cNvSpPr/>
-          <p:nvPr/>
+          <p:cNvPr id="2" name="Title 1"/>
+          <p:cNvSpPr>
+            <a:spLocks noGrp="1"/>
+          </p:cNvSpPr>
+          <p:nvPr>
+            <p:ph type="title"/>
+          </p:nvPr>
         </p:nvSpPr>
         <p:spPr>
           <a:xfrm>
-            <a:off x="15" y="6334316"/>
-            <a:ext cx="12188825" cy="64008"/>
+            <a:off x="804672" y="2243828"/>
+            <a:ext cx="4486656" cy="1141497"/>
           </a:xfrm>
-          <a:prstGeom prst="rect">
-            <a:avLst/>
-          </a:prstGeom>
           <a:solidFill>
-            <a:schemeClr val="accent4"/>
+            <a:srgbClr val="FFFFFF"/>
           </a:solidFill>
           <a:ln>
-            <a:noFill/>
+            <a:solidFill>
+              <a:srgbClr val="404040"/>
+            </a:solidFill>
           </a:ln>
         </p:spPr>
-        <p:style>
-          <a:lnRef idx="2">
-            <a:schemeClr val="accent1">
-              <a:shade val="50000"/>
-            </a:schemeClr>
-          </a:lnRef>
-          <a:fillRef idx="1">
-            <a:schemeClr val="accent1"/>
-          </a:fillRef>
-          <a:effectRef idx="0">
-            <a:schemeClr val="accent1"/>
-          </a:effectRef>
-          <a:fontRef idx="minor">
-            <a:schemeClr val="lt1"/>
-          </a:fontRef>
-        </p:style>
-      </p:sp>
-      <p:sp>
-        <p:nvSpPr>
-          <p:cNvPr id="7" name="Date Placeholder 6"/>
+        <p:txBody>
+          <a:bodyPr anchor="ctr" anchorCtr="1">
+            <a:normAutofit/>
+          </a:bodyPr>
+          <a:lstStyle>
+            <a:lvl1pPr>
+              <a:defRPr sz="2200">
+                <a:solidFill>
+                  <a:srgbClr val="262626"/>
+                </a:solidFill>
+              </a:defRPr>
+            </a:lvl1pPr>
+          </a:lstStyle>
+          <a:p>
+            <a:r>
+              <a:rPr lang="en-US"/>
+              <a:t>Click to edit Master title style</a:t>
+            </a:r>
+            <a:endParaRPr lang="en-US" dirty="0"/>
+          </a:p>
+        </p:txBody>
+      </p:sp>
+      <p:sp>
+        <p:nvSpPr>
+          <p:cNvPr id="3" name="Content Placeholder 2"/>
+          <p:cNvSpPr>
+            <a:spLocks noGrp="1"/>
+          </p:cNvSpPr>
+          <p:nvPr>
+            <p:ph idx="1"/>
+          </p:nvPr>
+        </p:nvSpPr>
+        <p:spPr>
+          <a:xfrm>
+            <a:off x="6736080" y="804672"/>
+            <a:ext cx="4815840" cy="5248656"/>
+          </a:xfrm>
+        </p:spPr>
+        <p:txBody>
+          <a:bodyPr>
+            <a:normAutofit/>
+          </a:bodyPr>
+          <a:lstStyle>
+            <a:lvl1pPr>
+              <a:defRPr sz="1900">
+                <a:solidFill>
+                  <a:schemeClr val="tx1"/>
+                </a:solidFill>
+              </a:defRPr>
+            </a:lvl1pPr>
+            <a:lvl2pPr>
+              <a:defRPr sz="1600">
+                <a:solidFill>
+                  <a:schemeClr val="tx1"/>
+                </a:solidFill>
+              </a:defRPr>
+            </a:lvl2pPr>
+            <a:lvl3pPr>
+              <a:defRPr sz="1600">
+                <a:solidFill>
+                  <a:schemeClr val="tx1"/>
+                </a:solidFill>
+              </a:defRPr>
+            </a:lvl3pPr>
+            <a:lvl4pPr>
+              <a:defRPr sz="1600">
+                <a:solidFill>
+                  <a:schemeClr val="tx1"/>
+                </a:solidFill>
+              </a:defRPr>
+            </a:lvl4pPr>
+            <a:lvl5pPr>
+              <a:defRPr sz="1600">
+                <a:solidFill>
+                  <a:schemeClr val="tx1"/>
+                </a:solidFill>
+              </a:defRPr>
+            </a:lvl5pPr>
+            <a:lvl6pPr>
+              <a:defRPr sz="1600"/>
+            </a:lvl6pPr>
+            <a:lvl7pPr>
+              <a:defRPr sz="1600"/>
+            </a:lvl7pPr>
+            <a:lvl8pPr>
+              <a:defRPr sz="1600"/>
+            </a:lvl8pPr>
+            <a:lvl9pPr>
+              <a:defRPr sz="1600"/>
+            </a:lvl9pPr>
+          </a:lstStyle>
+          <a:p>
+            <a:pPr lvl="0"/>
+            <a:r>
+              <a:rPr lang="en-US"/>
+              <a:t>Click to edit Master text styles</a:t>
+            </a:r>
+          </a:p>
+          <a:p>
+            <a:pPr lvl="1"/>
+            <a:r>
+              <a:rPr lang="en-US"/>
+              <a:t>Second level</a:t>
+            </a:r>
+          </a:p>
+          <a:p>
+            <a:pPr lvl="2"/>
+            <a:r>
+              <a:rPr lang="en-US"/>
+              <a:t>Third level</a:t>
+            </a:r>
+          </a:p>
+          <a:p>
+            <a:pPr lvl="3"/>
+            <a:r>
+              <a:rPr lang="en-US"/>
+              <a:t>Fourth level</a:t>
+            </a:r>
+          </a:p>
+          <a:p>
+            <a:pPr lvl="4"/>
+            <a:r>
+              <a:rPr lang="en-US"/>
+              <a:t>Fifth level</a:t>
+            </a:r>
+            <a:endParaRPr lang="en-US" dirty="0"/>
+          </a:p>
+        </p:txBody>
+      </p:sp>
+      <p:sp>
+        <p:nvSpPr>
+          <p:cNvPr id="4" name="Text Placeholder 3"/>
+          <p:cNvSpPr>
+            <a:spLocks noGrp="1"/>
+          </p:cNvSpPr>
+          <p:nvPr>
+            <p:ph type="body" sz="half" idx="2"/>
+          </p:nvPr>
+        </p:nvSpPr>
+        <p:spPr>
+          <a:xfrm>
+            <a:off x="1115568" y="3549918"/>
+            <a:ext cx="3794760" cy="2194036"/>
+          </a:xfrm>
+        </p:spPr>
+        <p:txBody>
+          <a:bodyPr anchor="t" anchorCtr="1">
+            <a:normAutofit/>
+          </a:bodyPr>
+          <a:lstStyle>
+            <a:lvl1pPr marL="0" indent="0" algn="ctr">
+              <a:buNone/>
+              <a:defRPr sz="1500">
+                <a:solidFill>
+                  <a:schemeClr val="tx1"/>
+                </a:solidFill>
+              </a:defRPr>
+            </a:lvl1pPr>
+            <a:lvl2pPr marL="457200" indent="0">
+              <a:buNone/>
+              <a:defRPr sz="1400"/>
+            </a:lvl2pPr>
+            <a:lvl3pPr marL="914400" indent="0">
+              <a:buNone/>
+              <a:defRPr sz="1200"/>
+            </a:lvl3pPr>
+            <a:lvl4pPr marL="1371600" indent="0">
+              <a:buNone/>
+              <a:defRPr sz="1000"/>
+            </a:lvl4pPr>
+            <a:lvl5pPr marL="1828800" indent="0">
+              <a:buNone/>
+              <a:defRPr sz="1000"/>
+            </a:lvl5pPr>
+            <a:lvl6pPr marL="2286000" indent="0">
+              <a:buNone/>
+              <a:defRPr sz="1000"/>
+            </a:lvl6pPr>
+            <a:lvl7pPr marL="2743200" indent="0">
+              <a:buNone/>
+              <a:defRPr sz="1000"/>
+            </a:lvl7pPr>
+            <a:lvl8pPr marL="3200400" indent="0">
+              <a:buNone/>
+              <a:defRPr sz="1000"/>
+            </a:lvl8pPr>
+            <a:lvl9pPr marL="3657600" indent="0">
+              <a:buNone/>
+              <a:defRPr sz="1000"/>
+            </a:lvl9pPr>
+          </a:lstStyle>
+          <a:p>
+            <a:pPr lvl="0"/>
+            <a:r>
+              <a:rPr lang="en-US"/>
+              <a:t>Click to edit Master text styles</a:t>
+            </a:r>
+          </a:p>
+        </p:txBody>
+      </p:sp>
+      <p:sp>
+        <p:nvSpPr>
+          <p:cNvPr id="9" name="Date Placeholder 8"/>
           <p:cNvSpPr>
             <a:spLocks noGrp="1"/>
           </p:cNvSpPr>
@@ -2253,7 +2232,7 @@
           <a:p>
             <a:fld id="{A244D7B1-FEC8-414F-9653-CF4E963279F3}" type="datetimeFigureOut">
               <a:rPr lang="en-US" smtClean="0"/>
-              <a:t>10/21/2024</a:t>
+              <a:t>10/24/24</a:t>
             </a:fld>
             <a:endParaRPr lang="en-US"/>
           </a:p>
@@ -2261,7 +2240,7 @@
       </p:sp>
       <p:sp>
         <p:nvSpPr>
-          <p:cNvPr id="8" name="Footer Placeholder 7"/>
+          <p:cNvPr id="10" name="Footer Placeholder 9"/>
           <p:cNvSpPr>
             <a:spLocks noGrp="1"/>
           </p:cNvSpPr>
@@ -2269,14 +2248,21 @@
             <p:ph type="ftr" sz="quarter" idx="11"/>
           </p:nvPr>
         </p:nvSpPr>
-        <p:spPr/>
+        <p:spPr>
+          <a:xfrm>
+            <a:off x="804672" y="6236208"/>
+            <a:ext cx="5124797" cy="320040"/>
+          </a:xfrm>
+        </p:spPr>
         <p:txBody>
           <a:bodyPr/>
           <a:lstStyle>
             <a:lvl1pPr>
               <a:defRPr>
                 <a:solidFill>
-                  <a:srgbClr val="FFFFFF"/>
+                  <a:schemeClr val="tx1">
+                    <a:alpha val="70000"/>
+                  </a:schemeClr>
                 </a:solidFill>
               </a:defRPr>
             </a:lvl1pPr>
@@ -2288,7 +2274,7 @@
       </p:sp>
       <p:sp>
         <p:nvSpPr>
-          <p:cNvPr id="9" name="Slide Number Placeholder 8"/>
+          <p:cNvPr id="11" name="Slide Number Placeholder 10"/>
           <p:cNvSpPr>
             <a:spLocks noGrp="1"/>
           </p:cNvSpPr>
@@ -2312,376 +2298,7 @@
     </p:spTree>
     <p:extLst>
       <p:ext uri="{BB962C8B-B14F-4D97-AF65-F5344CB8AC3E}">
-        <p14:creationId xmlns:p14="http://schemas.microsoft.com/office/powerpoint/2010/main" val="3749636278"/>
-      </p:ext>
-    </p:extLst>
-  </p:cSld>
-  <p:clrMapOvr>
-    <a:masterClrMapping/>
-  </p:clrMapOvr>
-</p:sldLayout>
-</file>
-
-<file path=ppt/slideLayouts/slideLayout8.xml><?xml version="1.0" encoding="utf-8"?>
-<p:sldLayout xmlns:a="http://schemas.openxmlformats.org/drawingml/2006/main" xmlns:r="http://schemas.openxmlformats.org/officeDocument/2006/relationships" xmlns:p="http://schemas.openxmlformats.org/presentationml/2006/main" showMasterSp="0" type="objTx" preserve="1">
-  <p:cSld name="Content with Caption">
-    <p:spTree>
-      <p:nvGrpSpPr>
-        <p:cNvPr id="1" name=""/>
-        <p:cNvGrpSpPr/>
-        <p:nvPr/>
-      </p:nvGrpSpPr>
-      <p:grpSpPr>
-        <a:xfrm>
-          <a:off x="0" y="0"/>
-          <a:ext cx="0" cy="0"/>
-          <a:chOff x="0" y="0"/>
-          <a:chExt cx="0" cy="0"/>
-        </a:xfrm>
-      </p:grpSpPr>
-      <p:sp>
-        <p:nvSpPr>
-          <p:cNvPr id="8" name="Rectangle 7"/>
-          <p:cNvSpPr/>
-          <p:nvPr/>
-        </p:nvSpPr>
-        <p:spPr>
-          <a:xfrm>
-            <a:off x="16" y="0"/>
-            <a:ext cx="4050791" cy="6858000"/>
-          </a:xfrm>
-          <a:prstGeom prst="rect">
-            <a:avLst/>
-          </a:prstGeom>
-          <a:solidFill>
-            <a:schemeClr val="accent4">
-              <a:lumMod val="75000"/>
-            </a:schemeClr>
-          </a:solidFill>
-          <a:ln>
-            <a:noFill/>
-          </a:ln>
-        </p:spPr>
-        <p:style>
-          <a:lnRef idx="2">
-            <a:schemeClr val="accent1">
-              <a:shade val="50000"/>
-            </a:schemeClr>
-          </a:lnRef>
-          <a:fillRef idx="1">
-            <a:schemeClr val="accent1"/>
-          </a:fillRef>
-          <a:effectRef idx="0">
-            <a:schemeClr val="accent1"/>
-          </a:effectRef>
-          <a:fontRef idx="minor">
-            <a:schemeClr val="lt1"/>
-          </a:fontRef>
-        </p:style>
-      </p:sp>
-      <p:sp>
-        <p:nvSpPr>
-          <p:cNvPr id="9" name="Rectangle 8"/>
-          <p:cNvSpPr/>
-          <p:nvPr/>
-        </p:nvSpPr>
-        <p:spPr>
-          <a:xfrm>
-            <a:off x="4040071" y="0"/>
-            <a:ext cx="64008" cy="6858000"/>
-          </a:xfrm>
-          <a:prstGeom prst="rect">
-            <a:avLst/>
-          </a:prstGeom>
-          <a:solidFill>
-            <a:schemeClr val="accent4"/>
-          </a:solidFill>
-          <a:ln>
-            <a:noFill/>
-          </a:ln>
-        </p:spPr>
-        <p:style>
-          <a:lnRef idx="2">
-            <a:schemeClr val="accent1">
-              <a:shade val="50000"/>
-            </a:schemeClr>
-          </a:lnRef>
-          <a:fillRef idx="1">
-            <a:schemeClr val="accent1"/>
-          </a:fillRef>
-          <a:effectRef idx="0">
-            <a:schemeClr val="accent1"/>
-          </a:effectRef>
-          <a:fontRef idx="minor">
-            <a:schemeClr val="lt1"/>
-          </a:fontRef>
-        </p:style>
-      </p:sp>
-      <p:sp>
-        <p:nvSpPr>
-          <p:cNvPr id="2" name="Title 1"/>
-          <p:cNvSpPr>
-            <a:spLocks noGrp="1"/>
-          </p:cNvSpPr>
-          <p:nvPr>
-            <p:ph type="title"/>
-          </p:nvPr>
-        </p:nvSpPr>
-        <p:spPr>
-          <a:xfrm>
-            <a:off x="457200" y="594359"/>
-            <a:ext cx="3200400" cy="2286000"/>
-          </a:xfrm>
-        </p:spPr>
-        <p:txBody>
-          <a:bodyPr anchor="b">
-            <a:normAutofit/>
-          </a:bodyPr>
-          <a:lstStyle>
-            <a:lvl1pPr>
-              <a:defRPr sz="3600" b="0">
-                <a:solidFill>
-                  <a:srgbClr val="FFFFFF"/>
-                </a:solidFill>
-              </a:defRPr>
-            </a:lvl1pPr>
-          </a:lstStyle>
-          <a:p>
-            <a:r>
-              <a:rPr lang="en-US"/>
-              <a:t>Click to edit Master title style</a:t>
-            </a:r>
-            <a:endParaRPr lang="en-US" dirty="0"/>
-          </a:p>
-        </p:txBody>
-      </p:sp>
-      <p:sp>
-        <p:nvSpPr>
-          <p:cNvPr id="3" name="Content Placeholder 2"/>
-          <p:cNvSpPr>
-            <a:spLocks noGrp="1"/>
-          </p:cNvSpPr>
-          <p:nvPr>
-            <p:ph idx="1"/>
-          </p:nvPr>
-        </p:nvSpPr>
-        <p:spPr>
-          <a:xfrm>
-            <a:off x="4800600" y="731520"/>
-            <a:ext cx="6492240" cy="5257800"/>
-          </a:xfrm>
-        </p:spPr>
-        <p:txBody>
-          <a:bodyPr/>
-          <a:lstStyle/>
-          <a:p>
-            <a:pPr lvl="0"/>
-            <a:r>
-              <a:rPr lang="en-US"/>
-              <a:t>Click to edit Master text styles</a:t>
-            </a:r>
-          </a:p>
-          <a:p>
-            <a:pPr lvl="1"/>
-            <a:r>
-              <a:rPr lang="en-US"/>
-              <a:t>Second level</a:t>
-            </a:r>
-          </a:p>
-          <a:p>
-            <a:pPr lvl="2"/>
-            <a:r>
-              <a:rPr lang="en-US"/>
-              <a:t>Third level</a:t>
-            </a:r>
-          </a:p>
-          <a:p>
-            <a:pPr lvl="3"/>
-            <a:r>
-              <a:rPr lang="en-US"/>
-              <a:t>Fourth level</a:t>
-            </a:r>
-          </a:p>
-          <a:p>
-            <a:pPr lvl="4"/>
-            <a:r>
-              <a:rPr lang="en-US"/>
-              <a:t>Fifth level</a:t>
-            </a:r>
-            <a:endParaRPr lang="en-US" dirty="0"/>
-          </a:p>
-        </p:txBody>
-      </p:sp>
-      <p:sp>
-        <p:nvSpPr>
-          <p:cNvPr id="4" name="Text Placeholder 3"/>
-          <p:cNvSpPr>
-            <a:spLocks noGrp="1"/>
-          </p:cNvSpPr>
-          <p:nvPr>
-            <p:ph type="body" sz="half" idx="2"/>
-          </p:nvPr>
-        </p:nvSpPr>
-        <p:spPr>
-          <a:xfrm>
-            <a:off x="457200" y="2926080"/>
-            <a:ext cx="3200400" cy="3379124"/>
-          </a:xfrm>
-        </p:spPr>
-        <p:txBody>
-          <a:bodyPr lIns="91440" rIns="91440">
-            <a:normAutofit/>
-          </a:bodyPr>
-          <a:lstStyle>
-            <a:lvl1pPr marL="0" indent="0">
-              <a:buNone/>
-              <a:defRPr sz="1500">
-                <a:solidFill>
-                  <a:srgbClr val="FFFFFF"/>
-                </a:solidFill>
-              </a:defRPr>
-            </a:lvl1pPr>
-            <a:lvl2pPr marL="457200" indent="0">
-              <a:buNone/>
-              <a:defRPr sz="1200"/>
-            </a:lvl2pPr>
-            <a:lvl3pPr marL="914400" indent="0">
-              <a:buNone/>
-              <a:defRPr sz="1000"/>
-            </a:lvl3pPr>
-            <a:lvl4pPr marL="1371600" indent="0">
-              <a:buNone/>
-              <a:defRPr sz="900"/>
-            </a:lvl4pPr>
-            <a:lvl5pPr marL="1828800" indent="0">
-              <a:buNone/>
-              <a:defRPr sz="900"/>
-            </a:lvl5pPr>
-            <a:lvl6pPr marL="2286000" indent="0">
-              <a:buNone/>
-              <a:defRPr sz="900"/>
-            </a:lvl6pPr>
-            <a:lvl7pPr marL="2743200" indent="0">
-              <a:buNone/>
-              <a:defRPr sz="900"/>
-            </a:lvl7pPr>
-            <a:lvl8pPr marL="3200400" indent="0">
-              <a:buNone/>
-              <a:defRPr sz="900"/>
-            </a:lvl8pPr>
-            <a:lvl9pPr marL="3657600" indent="0">
-              <a:buNone/>
-              <a:defRPr sz="900"/>
-            </a:lvl9pPr>
-          </a:lstStyle>
-          <a:p>
-            <a:pPr lvl="0"/>
-            <a:r>
-              <a:rPr lang="en-US"/>
-              <a:t>Click to edit Master text styles</a:t>
-            </a:r>
-          </a:p>
-        </p:txBody>
-      </p:sp>
-      <p:sp>
-        <p:nvSpPr>
-          <p:cNvPr id="5" name="Date Placeholder 4"/>
-          <p:cNvSpPr>
-            <a:spLocks noGrp="1"/>
-          </p:cNvSpPr>
-          <p:nvPr>
-            <p:ph type="dt" sz="half" idx="10"/>
-          </p:nvPr>
-        </p:nvSpPr>
-        <p:spPr>
-          <a:xfrm>
-            <a:off x="465512" y="6459785"/>
-            <a:ext cx="2618510" cy="365125"/>
-          </a:xfrm>
-        </p:spPr>
-        <p:txBody>
-          <a:bodyPr/>
-          <a:lstStyle>
-            <a:lvl1pPr algn="l">
-              <a:defRPr/>
-            </a:lvl1pPr>
-          </a:lstStyle>
-          <a:p>
-            <a:fld id="{A244D7B1-FEC8-414F-9653-CF4E963279F3}" type="datetimeFigureOut">
-              <a:rPr lang="en-US" smtClean="0"/>
-              <a:t>10/21/2024</a:t>
-            </a:fld>
-            <a:endParaRPr lang="en-US"/>
-          </a:p>
-        </p:txBody>
-      </p:sp>
-      <p:sp>
-        <p:nvSpPr>
-          <p:cNvPr id="6" name="Footer Placeholder 5"/>
-          <p:cNvSpPr>
-            <a:spLocks noGrp="1"/>
-          </p:cNvSpPr>
-          <p:nvPr>
-            <p:ph type="ftr" sz="quarter" idx="11"/>
-          </p:nvPr>
-        </p:nvSpPr>
-        <p:spPr>
-          <a:xfrm>
-            <a:off x="4800600" y="6459785"/>
-            <a:ext cx="4648200" cy="365125"/>
-          </a:xfrm>
-        </p:spPr>
-        <p:txBody>
-          <a:bodyPr/>
-          <a:lstStyle>
-            <a:lvl1pPr algn="l">
-              <a:defRPr>
-                <a:solidFill>
-                  <a:schemeClr val="tx2"/>
-                </a:solidFill>
-              </a:defRPr>
-            </a:lvl1pPr>
-          </a:lstStyle>
-          <a:p>
-            <a:endParaRPr lang="en-US"/>
-          </a:p>
-        </p:txBody>
-      </p:sp>
-      <p:sp>
-        <p:nvSpPr>
-          <p:cNvPr id="7" name="Slide Number Placeholder 6"/>
-          <p:cNvSpPr>
-            <a:spLocks noGrp="1"/>
-          </p:cNvSpPr>
-          <p:nvPr>
-            <p:ph type="sldNum" sz="quarter" idx="12"/>
-          </p:nvPr>
-        </p:nvSpPr>
-        <p:spPr/>
-        <p:txBody>
-          <a:bodyPr/>
-          <a:lstStyle>
-            <a:lvl1pPr>
-              <a:defRPr>
-                <a:solidFill>
-                  <a:schemeClr val="tx2"/>
-                </a:solidFill>
-              </a:defRPr>
-            </a:lvl1pPr>
-          </a:lstStyle>
-          <a:p>
-            <a:fld id="{D1C05E67-5FF3-49FF-8EB7-9C86F647523E}" type="slidenum">
-              <a:rPr lang="en-US" smtClean="0"/>
-              <a:t>‹#›</a:t>
-            </a:fld>
-            <a:endParaRPr lang="en-US"/>
-          </a:p>
-        </p:txBody>
-      </p:sp>
-    </p:spTree>
-    <p:extLst>
-      <p:ext uri="{BB962C8B-B14F-4D97-AF65-F5344CB8AC3E}">
-        <p14:creationId xmlns:p14="http://schemas.microsoft.com/office/powerpoint/2010/main" val="1416939063"/>
+        <p14:creationId xmlns:p14="http://schemas.microsoft.com/office/powerpoint/2010/main" val="1481929260"/>
       </p:ext>
     </p:extLst>
   </p:cSld>
@@ -2692,7 +2309,7 @@
 </file>
 
 <file path=ppt/slideLayouts/slideLayout9.xml><?xml version="1.0" encoding="utf-8"?>
-<p:sldLayout xmlns:a="http://schemas.openxmlformats.org/drawingml/2006/main" xmlns:r="http://schemas.openxmlformats.org/officeDocument/2006/relationships" xmlns:p="http://schemas.openxmlformats.org/presentationml/2006/main" showMasterSp="0" type="picTx" preserve="1">
+<p:sldLayout xmlns:a="http://schemas.openxmlformats.org/drawingml/2006/main" xmlns:r="http://schemas.openxmlformats.org/officeDocument/2006/relationships" xmlns:p="http://schemas.openxmlformats.org/presentationml/2006/main" type="picTx" preserve="1">
   <p:cSld name="Picture with Caption">
     <p:spTree>
       <p:nvGrpSpPr>
@@ -2710,107 +2327,37 @@
       </p:grpSpPr>
       <p:sp>
         <p:nvSpPr>
-          <p:cNvPr id="8" name="Rectangle 7"/>
-          <p:cNvSpPr/>
-          <p:nvPr/>
+          <p:cNvPr id="2" name="Title 1"/>
+          <p:cNvSpPr>
+            <a:spLocks noGrp="1"/>
+          </p:cNvSpPr>
+          <p:nvPr>
+            <p:ph type="title"/>
+          </p:nvPr>
         </p:nvSpPr>
         <p:spPr>
           <a:xfrm>
-            <a:off x="0" y="4953000"/>
-            <a:ext cx="12188825" cy="1905000"/>
+            <a:off x="808523" y="2243828"/>
+            <a:ext cx="4494998" cy="1134640"/>
           </a:xfrm>
-          <a:prstGeom prst="rect">
-            <a:avLst/>
-          </a:prstGeom>
           <a:solidFill>
-            <a:schemeClr val="accent4">
-              <a:lumMod val="75000"/>
-            </a:schemeClr>
+            <a:srgbClr val="FFFFFF"/>
           </a:solidFill>
           <a:ln>
-            <a:noFill/>
+            <a:solidFill>
+              <a:srgbClr val="404040"/>
+            </a:solidFill>
           </a:ln>
         </p:spPr>
-        <p:style>
-          <a:lnRef idx="2">
-            <a:schemeClr val="accent1">
-              <a:shade val="50000"/>
-            </a:schemeClr>
-          </a:lnRef>
-          <a:fillRef idx="1">
-            <a:schemeClr val="accent1"/>
-          </a:fillRef>
-          <a:effectRef idx="0">
-            <a:schemeClr val="accent1"/>
-          </a:effectRef>
-          <a:fontRef idx="minor">
-            <a:schemeClr val="lt1"/>
-          </a:fontRef>
-        </p:style>
-      </p:sp>
-      <p:sp>
-        <p:nvSpPr>
-          <p:cNvPr id="9" name="Rectangle 8"/>
-          <p:cNvSpPr/>
-          <p:nvPr/>
-        </p:nvSpPr>
-        <p:spPr>
-          <a:xfrm>
-            <a:off x="15" y="4915076"/>
-            <a:ext cx="12188825" cy="64008"/>
-          </a:xfrm>
-          <a:prstGeom prst="rect">
-            <a:avLst/>
-          </a:prstGeom>
-          <a:solidFill>
-            <a:schemeClr val="accent4"/>
-          </a:solidFill>
-          <a:ln>
-            <a:noFill/>
-          </a:ln>
-        </p:spPr>
-        <p:style>
-          <a:lnRef idx="2">
-            <a:schemeClr val="accent1">
-              <a:shade val="50000"/>
-            </a:schemeClr>
-          </a:lnRef>
-          <a:fillRef idx="1">
-            <a:schemeClr val="accent1"/>
-          </a:fillRef>
-          <a:effectRef idx="0">
-            <a:schemeClr val="accent1"/>
-          </a:effectRef>
-          <a:fontRef idx="minor">
-            <a:schemeClr val="lt1"/>
-          </a:fontRef>
-        </p:style>
-      </p:sp>
-      <p:sp>
-        <p:nvSpPr>
-          <p:cNvPr id="2" name="Title 1"/>
-          <p:cNvSpPr>
-            <a:spLocks noGrp="1"/>
-          </p:cNvSpPr>
-          <p:nvPr>
-            <p:ph type="title"/>
-          </p:nvPr>
-        </p:nvSpPr>
-        <p:spPr>
-          <a:xfrm>
-            <a:off x="1097280" y="5074920"/>
-            <a:ext cx="10113645" cy="822960"/>
-          </a:xfrm>
-        </p:spPr>
-        <p:txBody>
-          <a:bodyPr lIns="91440" tIns="0" rIns="91440" bIns="0" anchor="b">
+        <p:txBody>
+          <a:bodyPr anchor="ctr" anchorCtr="1">
             <a:noAutofit/>
           </a:bodyPr>
           <a:lstStyle>
             <a:lvl1pPr>
-              <a:defRPr sz="3600" b="0">
+              <a:defRPr sz="2200">
                 <a:solidFill>
-                  <a:srgbClr val="FFFFFF"/>
+                  <a:srgbClr val="262626"/>
                 </a:solidFill>
               </a:defRPr>
             </a:lvl1pPr>
@@ -2836,133 +2383,133 @@
         </p:nvSpPr>
         <p:spPr>
           <a:xfrm>
-            <a:off x="15" y="0"/>
-            <a:ext cx="12191985" cy="4915076"/>
+            <a:off x="6095999" y="0"/>
+            <a:ext cx="6102097" cy="6858000"/>
           </a:xfrm>
           <a:solidFill>
-            <a:schemeClr val="bg2">
-              <a:lumMod val="90000"/>
+            <a:schemeClr val="bg1">
+              <a:lumMod val="85000"/>
             </a:schemeClr>
           </a:solidFill>
         </p:spPr>
         <p:txBody>
-          <a:bodyPr lIns="457200" tIns="457200" anchor="t"/>
+          <a:bodyPr anchor="t"/>
           <a:lstStyle>
             <a:lvl1pPr marL="0" indent="0">
               <a:buNone/>
-              <a:defRPr sz="3200"/>
-            </a:lvl1pPr>
-            <a:lvl2pPr marL="457200" indent="0">
-              <a:buNone/>
-              <a:defRPr sz="2800"/>
-            </a:lvl2pPr>
-            <a:lvl3pPr marL="914400" indent="0">
-              <a:buNone/>
-              <a:defRPr sz="2400"/>
-            </a:lvl3pPr>
-            <a:lvl4pPr marL="1371600" indent="0">
-              <a:buNone/>
-              <a:defRPr sz="2000"/>
-            </a:lvl4pPr>
-            <a:lvl5pPr marL="1828800" indent="0">
-              <a:buNone/>
-              <a:defRPr sz="2000"/>
-            </a:lvl5pPr>
-            <a:lvl6pPr marL="2286000" indent="0">
-              <a:buNone/>
-              <a:defRPr sz="2000"/>
-            </a:lvl6pPr>
-            <a:lvl7pPr marL="2743200" indent="0">
-              <a:buNone/>
-              <a:defRPr sz="2000"/>
-            </a:lvl7pPr>
-            <a:lvl8pPr marL="3200400" indent="0">
-              <a:buNone/>
-              <a:defRPr sz="2000"/>
-            </a:lvl8pPr>
-            <a:lvl9pPr marL="3657600" indent="0">
-              <a:buNone/>
-              <a:defRPr sz="2000"/>
-            </a:lvl9pPr>
-          </a:lstStyle>
-          <a:p>
-            <a:r>
-              <a:rPr lang="en-US"/>
-              <a:t>Click icon to add picture</a:t>
-            </a:r>
-            <a:endParaRPr lang="en-US" dirty="0"/>
-          </a:p>
-        </p:txBody>
-      </p:sp>
-      <p:sp>
-        <p:nvSpPr>
-          <p:cNvPr id="4" name="Text Placeholder 3"/>
-          <p:cNvSpPr>
-            <a:spLocks noGrp="1"/>
-          </p:cNvSpPr>
-          <p:nvPr>
-            <p:ph type="body" sz="half" idx="2"/>
-          </p:nvPr>
-        </p:nvSpPr>
-        <p:spPr>
-          <a:xfrm>
-            <a:off x="1097280" y="5907024"/>
-            <a:ext cx="10113264" cy="594360"/>
-          </a:xfrm>
-        </p:spPr>
-        <p:txBody>
-          <a:bodyPr lIns="91440" tIns="0" rIns="91440" bIns="0">
-            <a:normAutofit/>
-          </a:bodyPr>
-          <a:lstStyle>
-            <a:lvl1pPr marL="0" indent="0">
-              <a:spcBef>
-                <a:spcPts val="0"/>
-              </a:spcBef>
-              <a:spcAft>
-                <a:spcPts val="600"/>
-              </a:spcAft>
-              <a:buNone/>
-              <a:defRPr sz="1500">
+              <a:defRPr sz="3200">
                 <a:solidFill>
-                  <a:srgbClr val="FFFFFF"/>
+                  <a:schemeClr val="bg1">
+                    <a:lumMod val="50000"/>
+                  </a:schemeClr>
                 </a:solidFill>
               </a:defRPr>
             </a:lvl1pPr>
             <a:lvl2pPr marL="457200" indent="0">
               <a:buNone/>
-              <a:defRPr sz="1200"/>
+              <a:defRPr sz="2800"/>
             </a:lvl2pPr>
             <a:lvl3pPr marL="914400" indent="0">
               <a:buNone/>
-              <a:defRPr sz="1000"/>
+              <a:defRPr sz="2400"/>
             </a:lvl3pPr>
             <a:lvl4pPr marL="1371600" indent="0">
               <a:buNone/>
-              <a:defRPr sz="900"/>
+              <a:defRPr sz="2000"/>
             </a:lvl4pPr>
             <a:lvl5pPr marL="1828800" indent="0">
               <a:buNone/>
-              <a:defRPr sz="900"/>
+              <a:defRPr sz="2000"/>
             </a:lvl5pPr>
             <a:lvl6pPr marL="2286000" indent="0">
               <a:buNone/>
-              <a:defRPr sz="900"/>
+              <a:defRPr sz="2000"/>
             </a:lvl6pPr>
             <a:lvl7pPr marL="2743200" indent="0">
               <a:buNone/>
-              <a:defRPr sz="900"/>
+              <a:defRPr sz="2000"/>
             </a:lvl7pPr>
             <a:lvl8pPr marL="3200400" indent="0">
               <a:buNone/>
-              <a:defRPr sz="900"/>
+              <a:defRPr sz="2000"/>
             </a:lvl8pPr>
             <a:lvl9pPr marL="3657600" indent="0">
               <a:buNone/>
-              <a:defRPr sz="900"/>
+              <a:defRPr sz="2000"/>
             </a:lvl9pPr>
           </a:lstStyle>
           <a:p>
+            <a:r>
+              <a:rPr lang="en-US"/>
+              <a:t>Click icon to add picture</a:t>
+            </a:r>
+            <a:endParaRPr lang="en-US" dirty="0"/>
+          </a:p>
+        </p:txBody>
+      </p:sp>
+      <p:sp>
+        <p:nvSpPr>
+          <p:cNvPr id="4" name="Text Placeholder 3"/>
+          <p:cNvSpPr>
+            <a:spLocks noGrp="1"/>
+          </p:cNvSpPr>
+          <p:nvPr>
+            <p:ph type="body" sz="half" idx="2"/>
+          </p:nvPr>
+        </p:nvSpPr>
+        <p:spPr>
+          <a:xfrm>
+            <a:off x="1115568" y="3549918"/>
+            <a:ext cx="3794760" cy="2194037"/>
+          </a:xfrm>
+        </p:spPr>
+        <p:txBody>
+          <a:bodyPr anchor="t" anchorCtr="1">
+            <a:normAutofit/>
+          </a:bodyPr>
+          <a:lstStyle>
+            <a:lvl1pPr marL="0" indent="0" algn="ctr">
+              <a:buNone/>
+              <a:defRPr sz="1500">
+                <a:solidFill>
+                  <a:schemeClr val="tx1"/>
+                </a:solidFill>
+              </a:defRPr>
+            </a:lvl1pPr>
+            <a:lvl2pPr marL="457200" indent="0">
+              <a:buNone/>
+              <a:defRPr sz="1400"/>
+            </a:lvl2pPr>
+            <a:lvl3pPr marL="914400" indent="0">
+              <a:buNone/>
+              <a:defRPr sz="1200"/>
+            </a:lvl3pPr>
+            <a:lvl4pPr marL="1371600" indent="0">
+              <a:buNone/>
+              <a:defRPr sz="1000"/>
+            </a:lvl4pPr>
+            <a:lvl5pPr marL="1828800" indent="0">
+              <a:buNone/>
+              <a:defRPr sz="1000"/>
+            </a:lvl5pPr>
+            <a:lvl6pPr marL="2286000" indent="0">
+              <a:buNone/>
+              <a:defRPr sz="1000"/>
+            </a:lvl6pPr>
+            <a:lvl7pPr marL="2743200" indent="0">
+              <a:buNone/>
+              <a:defRPr sz="1000"/>
+            </a:lvl7pPr>
+            <a:lvl8pPr marL="3200400" indent="0">
+              <a:buNone/>
+              <a:defRPr sz="1000"/>
+            </a:lvl8pPr>
+            <a:lvl9pPr marL="3657600" indent="0">
+              <a:buNone/>
+              <a:defRPr sz="1000"/>
+            </a:lvl9pPr>
+          </a:lstStyle>
+          <a:p>
             <a:pPr lvl="0"/>
             <a:r>
               <a:rPr lang="en-US"/>
@@ -2973,7 +2520,7 @@
       </p:sp>
       <p:sp>
         <p:nvSpPr>
-          <p:cNvPr id="5" name="Date Placeholder 4"/>
+          <p:cNvPr id="8" name="Date Placeholder 7"/>
           <p:cNvSpPr>
             <a:spLocks noGrp="1"/>
           </p:cNvSpPr>
@@ -2984,11 +2531,26 @@
         <p:spPr/>
         <p:txBody>
           <a:bodyPr/>
-          <a:lstStyle/>
+          <a:lstStyle>
+            <a:lvl1pPr>
+              <a:defRPr>
+                <a:solidFill>
+                  <a:srgbClr val="FFFFFF"/>
+                </a:solidFill>
+                <a:effectLst>
+                  <a:outerShdw blurRad="50800" dist="38100" dir="2700000" algn="tl" rotWithShape="0">
+                    <a:prstClr val="black">
+                      <a:alpha val="43000"/>
+                    </a:prstClr>
+                  </a:outerShdw>
+                </a:effectLst>
+              </a:defRPr>
+            </a:lvl1pPr>
+          </a:lstStyle>
           <a:p>
             <a:fld id="{A244D7B1-FEC8-414F-9653-CF4E963279F3}" type="datetimeFigureOut">
               <a:rPr lang="en-US" smtClean="0"/>
-              <a:t>10/21/2024</a:t>
+              <a:t>10/24/24</a:t>
             </a:fld>
             <a:endParaRPr lang="en-US"/>
           </a:p>
@@ -2996,7 +2558,7 @@
       </p:sp>
       <p:sp>
         <p:nvSpPr>
-          <p:cNvPr id="6" name="Footer Placeholder 5"/>
+          <p:cNvPr id="9" name="Footer Placeholder 8"/>
           <p:cNvSpPr>
             <a:spLocks noGrp="1"/>
           </p:cNvSpPr>
@@ -3004,18 +2566,33 @@
             <p:ph type="ftr" sz="quarter" idx="11"/>
           </p:nvPr>
         </p:nvSpPr>
-        <p:spPr/>
-        <p:txBody>
-          <a:bodyPr/>
-          <a:lstStyle/>
-          <a:p>
-            <a:endParaRPr lang="en-US"/>
-          </a:p>
-        </p:txBody>
-      </p:sp>
-      <p:sp>
-        <p:nvSpPr>
-          <p:cNvPr id="7" name="Slide Number Placeholder 6"/>
+        <p:spPr>
+          <a:xfrm>
+            <a:off x="804672" y="6236208"/>
+            <a:ext cx="5124797" cy="320040"/>
+          </a:xfrm>
+        </p:spPr>
+        <p:txBody>
+          <a:bodyPr/>
+          <a:lstStyle>
+            <a:lvl1pPr>
+              <a:defRPr>
+                <a:solidFill>
+                  <a:schemeClr val="tx1">
+                    <a:alpha val="70000"/>
+                  </a:schemeClr>
+                </a:solidFill>
+              </a:defRPr>
+            </a:lvl1pPr>
+          </a:lstStyle>
+          <a:p>
+            <a:endParaRPr lang="en-US"/>
+          </a:p>
+        </p:txBody>
+      </p:sp>
+      <p:sp>
+        <p:nvSpPr>
+          <p:cNvPr id="10" name="Slide Number Placeholder 9"/>
           <p:cNvSpPr>
             <a:spLocks noGrp="1"/>
           </p:cNvSpPr>
@@ -3039,7 +2616,7 @@
     </p:spTree>
     <p:extLst>
       <p:ext uri="{BB962C8B-B14F-4D97-AF65-F5344CB8AC3E}">
-        <p14:creationId xmlns:p14="http://schemas.microsoft.com/office/powerpoint/2010/main" val="956316075"/>
+        <p14:creationId xmlns:p14="http://schemas.microsoft.com/office/powerpoint/2010/main" val="3962203597"/>
       </p:ext>
     </p:extLst>
   </p:cSld>
@@ -3053,9 +2630,14 @@
 <p:sldMaster xmlns:a="http://schemas.openxmlformats.org/drawingml/2006/main" xmlns:r="http://schemas.openxmlformats.org/officeDocument/2006/relationships" xmlns:p="http://schemas.openxmlformats.org/presentationml/2006/main">
   <p:cSld>
     <p:bg>
-      <p:bgRef idx="1001">
-        <a:schemeClr val="bg2"/>
-      </p:bgRef>
+      <p:bgPr>
+        <a:solidFill>
+          <a:schemeClr val="bg1">
+            <a:lumMod val="95000"/>
+          </a:schemeClr>
+        </a:solidFill>
+        <a:effectLst/>
+      </p:bgPr>
     </p:bg>
     <p:spTree>
       <p:nvGrpSpPr>
@@ -3073,110 +2655,106 @@
       </p:grpSpPr>
       <p:sp>
         <p:nvSpPr>
-          <p:cNvPr id="7" name="Rectangle 6"/>
-          <p:cNvSpPr/>
-          <p:nvPr/>
+          <p:cNvPr id="2" name="Title Placeholder 1"/>
+          <p:cNvSpPr>
+            <a:spLocks noGrp="1"/>
+          </p:cNvSpPr>
+          <p:nvPr>
+            <p:ph type="title"/>
+          </p:nvPr>
         </p:nvSpPr>
         <p:spPr>
           <a:xfrm>
-            <a:off x="1" y="6400800"/>
-            <a:ext cx="12192000" cy="457200"/>
+            <a:off x="2231136" y="964692"/>
+            <a:ext cx="7729728" cy="1188720"/>
           </a:xfrm>
           <a:prstGeom prst="rect">
             <a:avLst/>
           </a:prstGeom>
           <a:solidFill>
-            <a:schemeClr val="accent4">
-              <a:lumMod val="75000"/>
-            </a:schemeClr>
+            <a:schemeClr val="bg1"/>
           </a:solidFill>
-          <a:ln>
-            <a:noFill/>
+          <a:ln w="31750" cap="sq">
+            <a:solidFill>
+              <a:schemeClr val="tx1">
+                <a:lumMod val="75000"/>
+                <a:lumOff val="25000"/>
+              </a:schemeClr>
+            </a:solidFill>
+            <a:miter lim="800000"/>
           </a:ln>
         </p:spPr>
-        <p:style>
-          <a:lnRef idx="2">
-            <a:schemeClr val="accent1">
-              <a:shade val="50000"/>
-            </a:schemeClr>
-          </a:lnRef>
-          <a:fillRef idx="1">
-            <a:schemeClr val="accent1"/>
-          </a:fillRef>
-          <a:effectRef idx="0">
-            <a:schemeClr val="accent1"/>
-          </a:effectRef>
-          <a:fontRef idx="minor">
-            <a:schemeClr val="lt1"/>
-          </a:fontRef>
-        </p:style>
-      </p:sp>
-      <p:sp>
-        <p:nvSpPr>
-          <p:cNvPr id="9" name="Rectangle 8"/>
-          <p:cNvSpPr/>
-          <p:nvPr/>
+        <p:txBody>
+          <a:bodyPr vert="horz" lIns="182880" tIns="182880" rIns="182880" bIns="182880" rtlCol="0" anchor="ctr">
+            <a:normAutofit/>
+          </a:bodyPr>
+          <a:lstStyle/>
+          <a:p>
+            <a:r>
+              <a:rPr lang="en-US"/>
+              <a:t>Click to edit Master title style</a:t>
+            </a:r>
+            <a:endParaRPr lang="en-US" dirty="0"/>
+          </a:p>
+        </p:txBody>
+      </p:sp>
+      <p:sp>
+        <p:nvSpPr>
+          <p:cNvPr id="3" name="Text Placeholder 2"/>
+          <p:cNvSpPr>
+            <a:spLocks noGrp="1"/>
+          </p:cNvSpPr>
+          <p:nvPr>
+            <p:ph type="body" idx="1"/>
+          </p:nvPr>
         </p:nvSpPr>
         <p:spPr>
           <a:xfrm>
-            <a:off x="15" y="6334316"/>
-            <a:ext cx="12191985" cy="66484"/>
-          </a:xfrm>
-          <a:prstGeom prst="rect">
-            <a:avLst/>
-          </a:prstGeom>
-          <a:solidFill>
-            <a:schemeClr val="accent4"/>
-          </a:solidFill>
-          <a:ln>
-            <a:noFill/>
-          </a:ln>
-        </p:spPr>
-        <p:style>
-          <a:lnRef idx="2">
-            <a:schemeClr val="accent1">
-              <a:shade val="50000"/>
-            </a:schemeClr>
-          </a:lnRef>
-          <a:fillRef idx="1">
-            <a:schemeClr val="accent1"/>
-          </a:fillRef>
-          <a:effectRef idx="0">
-            <a:schemeClr val="accent1"/>
-          </a:effectRef>
-          <a:fontRef idx="minor">
-            <a:schemeClr val="lt1"/>
-          </a:fontRef>
-        </p:style>
-      </p:sp>
-      <p:sp>
-        <p:nvSpPr>
-          <p:cNvPr id="2" name="Title Placeholder 1"/>
-          <p:cNvSpPr>
-            <a:spLocks noGrp="1"/>
-          </p:cNvSpPr>
-          <p:nvPr>
-            <p:ph type="title"/>
-          </p:nvPr>
-        </p:nvSpPr>
-        <p:spPr>
-          <a:xfrm>
-            <a:off x="1097280" y="286603"/>
-            <a:ext cx="10058400" cy="1450757"/>
+            <a:off x="2231136" y="2638044"/>
+            <a:ext cx="7729728" cy="3101983"/>
           </a:xfrm>
           <a:prstGeom prst="rect">
             <a:avLst/>
           </a:prstGeom>
         </p:spPr>
         <p:txBody>
-          <a:bodyPr vert="horz" lIns="91440" tIns="45720" rIns="91440" bIns="45720" rtlCol="0" anchor="b">
+          <a:bodyPr vert="horz" lIns="91440" tIns="45720" rIns="91440" bIns="45720" rtlCol="0">
             <a:normAutofit/>
           </a:bodyPr>
           <a:lstStyle/>
           <a:p>
-            <a:r>
-              <a:rPr lang="en-US"/>
-              <a:t>Click to edit Master title style</a:t>
+            <a:pPr lvl="0"/>
+            <a:r>
+              <a:rPr lang="en-US"/>
+              <a:t>Click to edit Master text styles</a:t>
+            </a:r>
+          </a:p>
+          <a:p>
+            <a:pPr lvl="1"/>
+            <a:r>
+              <a:rPr lang="en-US"/>
+              <a:t>Second level</a:t>
+            </a:r>
+          </a:p>
+          <a:p>
+            <a:pPr lvl="2"/>
+            <a:r>
+              <a:rPr lang="en-US"/>
+              <a:t>Third level</a:t>
+            </a:r>
+          </a:p>
+          <a:p>
+            <a:pPr lvl="3"/>
+            <a:r>
+              <a:rPr lang="en-US"/>
+              <a:t>Fourth level</a:t>
+            </a:r>
+          </a:p>
+          <a:p>
+            <a:pPr lvl="4"/>
+            <a:r>
+              <a:rPr lang="en-US"/>
+              <a:t>Fifth level</a:t>
             </a:r>
             <a:endParaRPr lang="en-US" dirty="0"/>
           </a:p>
@@ -3184,80 +2762,59 @@
       </p:sp>
       <p:sp>
         <p:nvSpPr>
-          <p:cNvPr id="3" name="Text Placeholder 2"/>
-          <p:cNvSpPr>
-            <a:spLocks noGrp="1"/>
-          </p:cNvSpPr>
-          <p:nvPr>
-            <p:ph type="body" idx="1"/>
+          <p:cNvPr id="4" name="Date Placeholder 3"/>
+          <p:cNvSpPr>
+            <a:spLocks noGrp="1"/>
+          </p:cNvSpPr>
+          <p:nvPr>
+            <p:ph type="dt" sz="half" idx="2"/>
           </p:nvPr>
         </p:nvSpPr>
         <p:spPr>
           <a:xfrm>
-            <a:off x="1097280" y="1845734"/>
-            <a:ext cx="10058400" cy="4023360"/>
+            <a:off x="7821429" y="6238816"/>
+            <a:ext cx="2753746" cy="323968"/>
           </a:xfrm>
           <a:prstGeom prst="rect">
             <a:avLst/>
           </a:prstGeom>
         </p:spPr>
         <p:txBody>
-          <a:bodyPr vert="horz" lIns="0" tIns="45720" rIns="0" bIns="45720" rtlCol="0">
-            <a:normAutofit/>
-          </a:bodyPr>
-          <a:lstStyle/>
-          <a:p>
-            <a:pPr lvl="0"/>
-            <a:r>
-              <a:rPr lang="en-US"/>
-              <a:t>Click to edit Master text styles</a:t>
-            </a:r>
-          </a:p>
-          <a:p>
-            <a:pPr lvl="1"/>
-            <a:r>
-              <a:rPr lang="en-US"/>
-              <a:t>Second level</a:t>
-            </a:r>
-          </a:p>
-          <a:p>
-            <a:pPr lvl="2"/>
-            <a:r>
-              <a:rPr lang="en-US"/>
-              <a:t>Third level</a:t>
-            </a:r>
-          </a:p>
-          <a:p>
-            <a:pPr lvl="3"/>
-            <a:r>
-              <a:rPr lang="en-US"/>
-              <a:t>Fourth level</a:t>
-            </a:r>
-          </a:p>
-          <a:p>
-            <a:pPr lvl="4"/>
-            <a:r>
-              <a:rPr lang="en-US"/>
-              <a:t>Fifth level</a:t>
-            </a:r>
-            <a:endParaRPr lang="en-US" dirty="0"/>
-          </a:p>
-        </p:txBody>
-      </p:sp>
-      <p:sp>
-        <p:nvSpPr>
-          <p:cNvPr id="4" name="Date Placeholder 3"/>
-          <p:cNvSpPr>
-            <a:spLocks noGrp="1"/>
-          </p:cNvSpPr>
-          <p:nvPr>
-            <p:ph type="dt" sz="half" idx="2"/>
+          <a:bodyPr vert="horz" lIns="91440" tIns="45720" rIns="91440" bIns="45720" rtlCol="0" anchor="ctr"/>
+          <a:lstStyle>
+            <a:lvl1pPr algn="r">
+              <a:defRPr sz="1050">
+                <a:solidFill>
+                  <a:schemeClr val="tx1">
+                    <a:alpha val="70000"/>
+                  </a:schemeClr>
+                </a:solidFill>
+              </a:defRPr>
+            </a:lvl1pPr>
+          </a:lstStyle>
+          <a:p>
+            <a:fld id="{A244D7B1-FEC8-414F-9653-CF4E963279F3}" type="datetimeFigureOut">
+              <a:rPr lang="en-US" smtClean="0"/>
+              <a:t>10/24/24</a:t>
+            </a:fld>
+            <a:endParaRPr lang="en-US"/>
+          </a:p>
+        </p:txBody>
+      </p:sp>
+      <p:sp>
+        <p:nvSpPr>
+          <p:cNvPr id="5" name="Footer Placeholder 4"/>
+          <p:cNvSpPr>
+            <a:spLocks noGrp="1"/>
+          </p:cNvSpPr>
+          <p:nvPr>
+            <p:ph type="ftr" sz="quarter" idx="3"/>
           </p:nvPr>
         </p:nvSpPr>
         <p:spPr>
           <a:xfrm>
-            <a:off x="1097280" y="6459785"/>
-            <a:ext cx="2472271" cy="365125"/>
+            <a:off x="1600200" y="6236208"/>
+            <a:ext cx="5901189" cy="320040"/>
           </a:xfrm>
           <a:prstGeom prst="rect">
             <a:avLst/>
@@ -3267,7 +2824,51 @@
           <a:bodyPr vert="horz" lIns="91440" tIns="45720" rIns="91440" bIns="45720" rtlCol="0" anchor="ctr"/>
           <a:lstStyle>
             <a:lvl1pPr algn="l">
-              <a:defRPr sz="900">
+              <a:defRPr sz="1050">
+                <a:solidFill>
+                  <a:schemeClr val="tx1">
+                    <a:alpha val="70000"/>
+                  </a:schemeClr>
+                </a:solidFill>
+              </a:defRPr>
+            </a:lvl1pPr>
+          </a:lstStyle>
+          <a:p>
+            <a:endParaRPr lang="en-US"/>
+          </a:p>
+        </p:txBody>
+      </p:sp>
+      <p:sp>
+        <p:nvSpPr>
+          <p:cNvPr id="6" name="Slide Number Placeholder 5"/>
+          <p:cNvSpPr>
+            <a:spLocks noGrp="1"/>
+          </p:cNvSpPr>
+          <p:nvPr>
+            <p:ph type="sldNum" sz="quarter" idx="4"/>
+          </p:nvPr>
+        </p:nvSpPr>
+        <p:spPr>
+          <a:xfrm>
+            <a:off x="10758922" y="6217920"/>
+            <a:ext cx="365760" cy="365760"/>
+          </a:xfrm>
+          <a:prstGeom prst="ellipse">
+            <a:avLst/>
+          </a:prstGeom>
+          <a:solidFill>
+            <a:srgbClr val="1D1D1D">
+              <a:alpha val="70000"/>
+            </a:srgbClr>
+          </a:solidFill>
+        </p:spPr>
+        <p:txBody>
+          <a:bodyPr vert="horz" lIns="18288" tIns="45720" rIns="18288" bIns="45720" rtlCol="0" anchor="ctr">
+            <a:noAutofit/>
+          </a:bodyPr>
+          <a:lstStyle>
+            <a:lvl1pPr algn="ctr">
+              <a:defRPr sz="1100" spc="0" baseline="0">
                 <a:solidFill>
                   <a:srgbClr val="FFFFFF"/>
                 </a:solidFill>
@@ -3275,80 +2876,6 @@
             </a:lvl1pPr>
           </a:lstStyle>
           <a:p>
-            <a:fld id="{A244D7B1-FEC8-414F-9653-CF4E963279F3}" type="datetimeFigureOut">
-              <a:rPr lang="en-US" smtClean="0"/>
-              <a:t>10/21/2024</a:t>
-            </a:fld>
-            <a:endParaRPr lang="en-US"/>
-          </a:p>
-        </p:txBody>
-      </p:sp>
-      <p:sp>
-        <p:nvSpPr>
-          <p:cNvPr id="5" name="Footer Placeholder 4"/>
-          <p:cNvSpPr>
-            <a:spLocks noGrp="1"/>
-          </p:cNvSpPr>
-          <p:nvPr>
-            <p:ph type="ftr" sz="quarter" idx="3"/>
-          </p:nvPr>
-        </p:nvSpPr>
-        <p:spPr>
-          <a:xfrm>
-            <a:off x="3686185" y="6459785"/>
-            <a:ext cx="4822804" cy="365125"/>
-          </a:xfrm>
-          <a:prstGeom prst="rect">
-            <a:avLst/>
-          </a:prstGeom>
-        </p:spPr>
-        <p:txBody>
-          <a:bodyPr vert="horz" lIns="91440" tIns="45720" rIns="91440" bIns="45720" rtlCol="0" anchor="ctr"/>
-          <a:lstStyle>
-            <a:lvl1pPr algn="ctr">
-              <a:defRPr sz="900" cap="all" baseline="0">
-                <a:solidFill>
-                  <a:srgbClr val="FFFFFF"/>
-                </a:solidFill>
-              </a:defRPr>
-            </a:lvl1pPr>
-          </a:lstStyle>
-          <a:p>
-            <a:endParaRPr lang="en-US"/>
-          </a:p>
-        </p:txBody>
-      </p:sp>
-      <p:sp>
-        <p:nvSpPr>
-          <p:cNvPr id="6" name="Slide Number Placeholder 5"/>
-          <p:cNvSpPr>
-            <a:spLocks noGrp="1"/>
-          </p:cNvSpPr>
-          <p:nvPr>
-            <p:ph type="sldNum" sz="quarter" idx="4"/>
-          </p:nvPr>
-        </p:nvSpPr>
-        <p:spPr>
-          <a:xfrm>
-            <a:off x="9900458" y="6459785"/>
-            <a:ext cx="1312025" cy="365125"/>
-          </a:xfrm>
-          <a:prstGeom prst="rect">
-            <a:avLst/>
-          </a:prstGeom>
-        </p:spPr>
-        <p:txBody>
-          <a:bodyPr vert="horz" lIns="91440" tIns="45720" rIns="91440" bIns="45720" rtlCol="0" anchor="ctr"/>
-          <a:lstStyle>
-            <a:lvl1pPr algn="r">
-              <a:defRPr sz="1050">
-                <a:solidFill>
-                  <a:srgbClr val="FFFFFF"/>
-                </a:solidFill>
-              </a:defRPr>
-            </a:lvl1pPr>
-          </a:lstStyle>
-          <a:p>
             <a:fld id="{D1C05E67-5FF3-49FF-8EB7-9C86F647523E}" type="slidenum">
               <a:rPr lang="en-US" smtClean="0"/>
               <a:t>‹#›</a:t>
@@ -3357,80 +2884,42 @@
           </a:p>
         </p:txBody>
       </p:sp>
-      <p:cxnSp>
-        <p:nvCxnSpPr>
-          <p:cNvPr id="10" name="Straight Connector 9"/>
-          <p:cNvCxnSpPr/>
-          <p:nvPr/>
-        </p:nvCxnSpPr>
-        <p:spPr>
-          <a:xfrm>
-            <a:off x="1193532" y="1737845"/>
-            <a:ext cx="9966960" cy="0"/>
-          </a:xfrm>
-          <a:prstGeom prst="line">
-            <a:avLst/>
-          </a:prstGeom>
-          <a:ln w="6350">
-            <a:solidFill>
-              <a:schemeClr val="tx1">
-                <a:lumMod val="50000"/>
-                <a:lumOff val="50000"/>
-              </a:schemeClr>
-            </a:solidFill>
-          </a:ln>
-        </p:spPr>
-        <p:style>
-          <a:lnRef idx="1">
-            <a:schemeClr val="accent1"/>
-          </a:lnRef>
-          <a:fillRef idx="0">
-            <a:schemeClr val="accent1"/>
-          </a:fillRef>
-          <a:effectRef idx="0">
-            <a:schemeClr val="accent1"/>
-          </a:effectRef>
-          <a:fontRef idx="minor">
-            <a:schemeClr val="tx1"/>
-          </a:fontRef>
-        </p:style>
-      </p:cxnSp>
     </p:spTree>
     <p:extLst>
       <p:ext uri="{BB962C8B-B14F-4D97-AF65-F5344CB8AC3E}">
-        <p14:creationId xmlns:p14="http://schemas.microsoft.com/office/powerpoint/2010/main" val="1421693216"/>
+        <p14:creationId xmlns:p14="http://schemas.microsoft.com/office/powerpoint/2010/main" val="1737975139"/>
       </p:ext>
     </p:extLst>
   </p:cSld>
   <p:clrMap bg1="lt1" tx1="dk1" bg2="lt2" tx2="dk2" accent1="accent1" accent2="accent2" accent3="accent3" accent4="accent4" accent5="accent5" accent6="accent6" hlink="hlink" folHlink="folHlink"/>
   <p:sldLayoutIdLst>
-    <p:sldLayoutId id="2147483673" r:id="rId1"/>
-    <p:sldLayoutId id="2147483674" r:id="rId2"/>
-    <p:sldLayoutId id="2147483675" r:id="rId3"/>
-    <p:sldLayoutId id="2147483676" r:id="rId4"/>
-    <p:sldLayoutId id="2147483677" r:id="rId5"/>
-    <p:sldLayoutId id="2147483678" r:id="rId6"/>
-    <p:sldLayoutId id="2147483679" r:id="rId7"/>
-    <p:sldLayoutId id="2147483680" r:id="rId8"/>
-    <p:sldLayoutId id="2147483681" r:id="rId9"/>
-    <p:sldLayoutId id="2147483682" r:id="rId10"/>
-    <p:sldLayoutId id="2147483683" r:id="rId11"/>
+    <p:sldLayoutId id="2147483697" r:id="rId1"/>
+    <p:sldLayoutId id="2147483698" r:id="rId2"/>
+    <p:sldLayoutId id="2147483699" r:id="rId3"/>
+    <p:sldLayoutId id="2147483700" r:id="rId4"/>
+    <p:sldLayoutId id="2147483701" r:id="rId5"/>
+    <p:sldLayoutId id="2147483702" r:id="rId6"/>
+    <p:sldLayoutId id="2147483703" r:id="rId7"/>
+    <p:sldLayoutId id="2147483704" r:id="rId8"/>
+    <p:sldLayoutId id="2147483705" r:id="rId9"/>
+    <p:sldLayoutId id="2147483706" r:id="rId10"/>
+    <p:sldLayoutId id="2147483707" r:id="rId11"/>
   </p:sldLayoutIdLst>
   <p:txStyles>
     <p:titleStyle>
-      <a:lvl1pPr algn="l" defTabSz="914400" rtl="0" eaLnBrk="1" latinLnBrk="0" hangingPunct="1">
+      <a:lvl1pPr algn="ctr" defTabSz="914400" rtl="0" eaLnBrk="1" latinLnBrk="0" hangingPunct="1">
         <a:lnSpc>
-          <a:spcPct val="85000"/>
+          <a:spcPct val="90000"/>
         </a:lnSpc>
         <a:spcBef>
           <a:spcPct val="0"/>
         </a:spcBef>
         <a:buNone/>
-        <a:defRPr sz="4800" kern="1200" spc="-50" baseline="0">
+        <a:defRPr sz="2800" kern="1200" cap="all" spc="200" baseline="0">
           <a:solidFill>
             <a:schemeClr val="tx1">
-              <a:lumMod val="75000"/>
-              <a:lumOff val="25000"/>
+              <a:lumMod val="85000"/>
+              <a:lumOff val="15000"/>
             </a:schemeClr>
           </a:solidFill>
           <a:latin typeface="+mj-lt"/>
@@ -3440,27 +2929,23 @@
       </a:lvl1pPr>
     </p:titleStyle>
     <p:bodyStyle>
-      <a:lvl1pPr marL="91440" indent="-91440" algn="l" defTabSz="914400" rtl="0" eaLnBrk="1" latinLnBrk="0" hangingPunct="1">
+      <a:lvl1pPr marL="228600" indent="-228600" algn="l" defTabSz="914400" rtl="0" eaLnBrk="1" latinLnBrk="0" hangingPunct="1">
         <a:lnSpc>
-          <a:spcPct val="90000"/>
+          <a:spcPct val="100000"/>
         </a:lnSpc>
         <a:spcBef>
-          <a:spcPts val="1200"/>
+          <a:spcPts val="1000"/>
         </a:spcBef>
-        <a:spcAft>
-          <a:spcPts val="200"/>
-        </a:spcAft>
         <a:buClr>
-          <a:schemeClr val="accent1"/>
+          <a:schemeClr val="accent2"/>
         </a:buClr>
-        <a:buSzPct val="100000"/>
-        <a:buFont typeface="Calibri" panose="020F0502020204030204" pitchFamily="34" charset="0"/>
-        <a:buChar char=" "/>
-        <a:defRPr sz="2000" kern="1200">
+        <a:buFont typeface="Arial" panose="020B0604020202020204" pitchFamily="34" charset="0"/>
+        <a:buChar char="•"/>
+        <a:defRPr sz="1800" kern="1200">
           <a:solidFill>
             <a:schemeClr val="tx1">
-              <a:lumMod val="75000"/>
-              <a:lumOff val="25000"/>
+              <a:lumMod val="85000"/>
+              <a:lumOff val="15000"/>
             </a:schemeClr>
           </a:solidFill>
           <a:latin typeface="+mn-lt"/>
@@ -3468,26 +2953,23 @@
           <a:cs typeface="+mn-cs"/>
         </a:defRPr>
       </a:lvl1pPr>
-      <a:lvl2pPr marL="384048" indent="-182880" algn="l" defTabSz="914400" rtl="0" eaLnBrk="1" latinLnBrk="0" hangingPunct="1">
+      <a:lvl2pPr marL="457200" indent="-228600" algn="l" defTabSz="914400" rtl="0" eaLnBrk="1" latinLnBrk="0" hangingPunct="1">
         <a:lnSpc>
-          <a:spcPct val="90000"/>
+          <a:spcPct val="100000"/>
         </a:lnSpc>
         <a:spcBef>
-          <a:spcPts val="200"/>
+          <a:spcPts val="1000"/>
         </a:spcBef>
-        <a:spcAft>
-          <a:spcPts val="400"/>
-        </a:spcAft>
         <a:buClr>
-          <a:schemeClr val="accent1"/>
+          <a:schemeClr val="accent2"/>
         </a:buClr>
-        <a:buFont typeface="Calibri" pitchFamily="34" charset="0"/>
-        <a:buChar char="◦"/>
-        <a:defRPr sz="1800" kern="1200">
+        <a:buFont typeface="Arial" panose="020B0604020202020204" pitchFamily="34" charset="0"/>
+        <a:buChar char="•"/>
+        <a:defRPr sz="1600" kern="1200">
           <a:solidFill>
             <a:schemeClr val="tx1">
-              <a:lumMod val="75000"/>
-              <a:lumOff val="25000"/>
+              <a:lumMod val="85000"/>
+              <a:lumOff val="15000"/>
             </a:schemeClr>
           </a:solidFill>
           <a:latin typeface="+mn-lt"/>
@@ -3495,26 +2977,23 @@
           <a:cs typeface="+mn-cs"/>
         </a:defRPr>
       </a:lvl2pPr>
-      <a:lvl3pPr marL="566928" indent="-182880" algn="l" defTabSz="914400" rtl="0" eaLnBrk="1" latinLnBrk="0" hangingPunct="1">
+      <a:lvl3pPr marL="685800" indent="-228600" algn="l" defTabSz="914400" rtl="0" eaLnBrk="1" latinLnBrk="0" hangingPunct="1">
         <a:lnSpc>
-          <a:spcPct val="90000"/>
+          <a:spcPct val="100000"/>
         </a:lnSpc>
         <a:spcBef>
-          <a:spcPts val="200"/>
+          <a:spcPts val="1000"/>
         </a:spcBef>
-        <a:spcAft>
-          <a:spcPts val="400"/>
-        </a:spcAft>
         <a:buClr>
-          <a:schemeClr val="accent1"/>
+          <a:schemeClr val="accent2"/>
         </a:buClr>
-        <a:buFont typeface="Calibri" pitchFamily="34" charset="0"/>
-        <a:buChar char="◦"/>
-        <a:defRPr sz="1400" kern="1200">
+        <a:buFont typeface="Arial" panose="020B0604020202020204" pitchFamily="34" charset="0"/>
+        <a:buChar char="•"/>
+        <a:defRPr sz="1600" kern="1200">
           <a:solidFill>
             <a:schemeClr val="tx1">
-              <a:lumMod val="75000"/>
-              <a:lumOff val="25000"/>
+              <a:lumMod val="85000"/>
+              <a:lumOff val="15000"/>
             </a:schemeClr>
           </a:solidFill>
           <a:latin typeface="+mn-lt"/>
@@ -3522,26 +3001,23 @@
           <a:cs typeface="+mn-cs"/>
         </a:defRPr>
       </a:lvl3pPr>
-      <a:lvl4pPr marL="749808" indent="-182880" algn="l" defTabSz="914400" rtl="0" eaLnBrk="1" latinLnBrk="0" hangingPunct="1">
+      <a:lvl4pPr marL="914400" indent="-228600" algn="l" defTabSz="914400" rtl="0" eaLnBrk="1" latinLnBrk="0" hangingPunct="1">
         <a:lnSpc>
-          <a:spcPct val="90000"/>
+          <a:spcPct val="100000"/>
         </a:lnSpc>
         <a:spcBef>
-          <a:spcPts val="200"/>
+          <a:spcPts val="1000"/>
         </a:spcBef>
-        <a:spcAft>
-          <a:spcPts val="400"/>
-        </a:spcAft>
         <a:buClr>
-          <a:schemeClr val="accent1"/>
+          <a:schemeClr val="accent2"/>
         </a:buClr>
-        <a:buFont typeface="Calibri" pitchFamily="34" charset="0"/>
-        <a:buChar char="◦"/>
-        <a:defRPr sz="1400" kern="1200">
+        <a:buFont typeface="Arial" panose="020B0604020202020204" pitchFamily="34" charset="0"/>
+        <a:buChar char="•"/>
+        <a:defRPr sz="1600" kern="1200">
           <a:solidFill>
             <a:schemeClr val="tx1">
-              <a:lumMod val="75000"/>
-              <a:lumOff val="25000"/>
+              <a:lumMod val="85000"/>
+              <a:lumOff val="15000"/>
             </a:schemeClr>
           </a:solidFill>
           <a:latin typeface="+mn-lt"/>
@@ -3549,26 +3025,23 @@
           <a:cs typeface="+mn-cs"/>
         </a:defRPr>
       </a:lvl4pPr>
-      <a:lvl5pPr marL="932688" indent="-182880" algn="l" defTabSz="914400" rtl="0" eaLnBrk="1" latinLnBrk="0" hangingPunct="1">
+      <a:lvl5pPr marL="1143000" indent="-228600" algn="l" defTabSz="914400" rtl="0" eaLnBrk="1" latinLnBrk="0" hangingPunct="1">
         <a:lnSpc>
-          <a:spcPct val="90000"/>
+          <a:spcPct val="100000"/>
         </a:lnSpc>
         <a:spcBef>
-          <a:spcPts val="200"/>
+          <a:spcPts val="1000"/>
         </a:spcBef>
-        <a:spcAft>
-          <a:spcPts val="400"/>
-        </a:spcAft>
         <a:buClr>
-          <a:schemeClr val="accent1"/>
+          <a:schemeClr val="accent2"/>
         </a:buClr>
-        <a:buFont typeface="Calibri" pitchFamily="34" charset="0"/>
-        <a:buChar char="◦"/>
-        <a:defRPr sz="1400" kern="1200">
+        <a:buFont typeface="Arial" panose="020B0604020202020204" pitchFamily="34" charset="0"/>
+        <a:buChar char="•"/>
+        <a:defRPr sz="1600" kern="1200">
           <a:solidFill>
             <a:schemeClr val="tx1">
-              <a:lumMod val="75000"/>
-              <a:lumOff val="25000"/>
+              <a:lumMod val="85000"/>
+              <a:lumOff val="15000"/>
             </a:schemeClr>
           </a:solidFill>
           <a:latin typeface="+mn-lt"/>
@@ -3576,108 +3049,84 @@
           <a:cs typeface="+mn-cs"/>
         </a:defRPr>
       </a:lvl5pPr>
-      <a:lvl6pPr marL="1100000" indent="-228600" algn="l" defTabSz="914400" rtl="0" eaLnBrk="1" latinLnBrk="0" hangingPunct="1">
+      <a:lvl6pPr marL="1312863" indent="-228600" algn="l" defTabSz="914400" rtl="0" eaLnBrk="1" latinLnBrk="0" hangingPunct="1">
         <a:lnSpc>
-          <a:spcPct val="90000"/>
+          <a:spcPct val="100000"/>
         </a:lnSpc>
         <a:spcBef>
-          <a:spcPts val="200"/>
+          <a:spcPts val="1000"/>
         </a:spcBef>
-        <a:spcAft>
-          <a:spcPts val="400"/>
-        </a:spcAft>
         <a:buClr>
-          <a:schemeClr val="accent1"/>
+          <a:schemeClr val="accent2"/>
         </a:buClr>
-        <a:buFont typeface="Calibri" pitchFamily="34" charset="0"/>
-        <a:buChar char="◦"/>
-        <a:defRPr sz="1400" kern="1200">
+        <a:buFont typeface="Arial" panose="020B0604020202020204" pitchFamily="34" charset="0"/>
+        <a:buChar char="•"/>
+        <a:defRPr sz="1600" kern="1200">
           <a:solidFill>
-            <a:schemeClr val="tx1">
-              <a:lumMod val="75000"/>
-              <a:lumOff val="25000"/>
-            </a:schemeClr>
+            <a:schemeClr val="tx1"/>
           </a:solidFill>
           <a:latin typeface="+mn-lt"/>
           <a:ea typeface="+mn-ea"/>
           <a:cs typeface="+mn-cs"/>
         </a:defRPr>
       </a:lvl6pPr>
-      <a:lvl7pPr marL="1300000" indent="-228600" algn="l" defTabSz="914400" rtl="0" eaLnBrk="1" latinLnBrk="0" hangingPunct="1">
+      <a:lvl7pPr marL="1484313" indent="-228600" algn="l" defTabSz="914400" rtl="0" eaLnBrk="1" latinLnBrk="0" hangingPunct="1">
         <a:lnSpc>
-          <a:spcPct val="90000"/>
+          <a:spcPct val="100000"/>
         </a:lnSpc>
         <a:spcBef>
-          <a:spcPts val="200"/>
+          <a:spcPts val="1000"/>
         </a:spcBef>
-        <a:spcAft>
-          <a:spcPts val="400"/>
-        </a:spcAft>
         <a:buClr>
-          <a:schemeClr val="accent1"/>
+          <a:schemeClr val="accent2"/>
         </a:buClr>
-        <a:buFont typeface="Calibri" pitchFamily="34" charset="0"/>
-        <a:buChar char="◦"/>
-        <a:defRPr sz="1400" kern="1200">
+        <a:buFont typeface="Arial" panose="020B0604020202020204" pitchFamily="34" charset="0"/>
+        <a:buChar char="•"/>
+        <a:defRPr sz="1600" kern="1200">
           <a:solidFill>
-            <a:schemeClr val="tx1">
-              <a:lumMod val="75000"/>
-              <a:lumOff val="25000"/>
-            </a:schemeClr>
+            <a:schemeClr val="tx1"/>
           </a:solidFill>
           <a:latin typeface="+mn-lt"/>
           <a:ea typeface="+mn-ea"/>
           <a:cs typeface="+mn-cs"/>
         </a:defRPr>
       </a:lvl7pPr>
-      <a:lvl8pPr marL="1500000" indent="-228600" algn="l" defTabSz="914400" rtl="0" eaLnBrk="1" latinLnBrk="0" hangingPunct="1">
+      <a:lvl8pPr marL="1657350" indent="-228600" algn="l" defTabSz="914400" rtl="0" eaLnBrk="1" latinLnBrk="0" hangingPunct="1">
         <a:lnSpc>
-          <a:spcPct val="90000"/>
+          <a:spcPct val="100000"/>
         </a:lnSpc>
         <a:spcBef>
-          <a:spcPts val="200"/>
+          <a:spcPts val="1000"/>
         </a:spcBef>
-        <a:spcAft>
-          <a:spcPts val="400"/>
-        </a:spcAft>
         <a:buClr>
-          <a:schemeClr val="accent1"/>
+          <a:schemeClr val="accent2"/>
         </a:buClr>
-        <a:buFont typeface="Calibri" pitchFamily="34" charset="0"/>
-        <a:buChar char="◦"/>
-        <a:defRPr sz="1400" kern="1200">
+        <a:buFont typeface="Arial" panose="020B0604020202020204" pitchFamily="34" charset="0"/>
+        <a:buChar char="•"/>
+        <a:defRPr sz="1600" kern="1200" baseline="0">
           <a:solidFill>
-            <a:schemeClr val="tx1">
-              <a:lumMod val="75000"/>
-              <a:lumOff val="25000"/>
-            </a:schemeClr>
+            <a:schemeClr val="tx1"/>
           </a:solidFill>
           <a:latin typeface="+mn-lt"/>
           <a:ea typeface="+mn-ea"/>
           <a:cs typeface="+mn-cs"/>
         </a:defRPr>
       </a:lvl8pPr>
-      <a:lvl9pPr marL="1700000" indent="-228600" algn="l" defTabSz="914400" rtl="0" eaLnBrk="1" latinLnBrk="0" hangingPunct="1">
+      <a:lvl9pPr marL="1882775" indent="-228600" algn="l" defTabSz="914400" rtl="0" eaLnBrk="1" latinLnBrk="0" hangingPunct="1">
         <a:lnSpc>
-          <a:spcPct val="90000"/>
+          <a:spcPct val="100000"/>
         </a:lnSpc>
         <a:spcBef>
-          <a:spcPts val="200"/>
+          <a:spcPts val="1000"/>
         </a:spcBef>
-        <a:spcAft>
-          <a:spcPts val="400"/>
-        </a:spcAft>
         <a:buClr>
-          <a:schemeClr val="accent1"/>
+          <a:schemeClr val="accent2"/>
         </a:buClr>
-        <a:buFont typeface="Calibri" pitchFamily="34" charset="0"/>
-        <a:buChar char="◦"/>
-        <a:defRPr sz="1400" kern="1200">
+        <a:buFont typeface="Arial" panose="020B0604020202020204" pitchFamily="34" charset="0"/>
+        <a:buChar char="•"/>
+        <a:defRPr sz="1600" kern="1200" baseline="0">
           <a:solidFill>
-            <a:schemeClr val="tx1">
-              <a:lumMod val="75000"/>
-              <a:lumOff val="25000"/>
-            </a:schemeClr>
+            <a:schemeClr val="tx1"/>
           </a:solidFill>
           <a:latin typeface="+mn-lt"/>
           <a:ea typeface="+mn-ea"/>
@@ -3822,7 +3271,10 @@
           <a:bodyPr/>
           <a:lstStyle/>
           <a:p>
-            <a:endParaRPr lang="en-US"/>
+            <a:r>
+              <a:rPr lang="en-US" dirty="0"/>
+              <a:t>Setting Up the Environment</a:t>
+            </a:r>
           </a:p>
         </p:txBody>
       </p:sp>
@@ -3847,7 +3299,10 @@
           <a:bodyPr/>
           <a:lstStyle/>
           <a:p>
-            <a:endParaRPr lang="en-US"/>
+            <a:r>
+              <a:rPr lang="en-US" dirty="0"/>
+              <a:t>9:30 AM - 10:30 AM</a:t>
+            </a:r>
           </a:p>
         </p:txBody>
       </p:sp>
@@ -3864,10 +3319,427 @@
 </p:sld>
 </file>
 
+<file path=ppt/slides/slide2.xml><?xml version="1.0" encoding="utf-8"?>
+<p:sld xmlns:a="http://schemas.openxmlformats.org/drawingml/2006/main" xmlns:r="http://schemas.openxmlformats.org/officeDocument/2006/relationships" xmlns:p="http://schemas.openxmlformats.org/presentationml/2006/main">
+  <p:cSld>
+    <p:spTree>
+      <p:nvGrpSpPr>
+        <p:cNvPr id="1" name=""/>
+        <p:cNvGrpSpPr/>
+        <p:nvPr/>
+      </p:nvGrpSpPr>
+      <p:grpSpPr>
+        <a:xfrm>
+          <a:off x="0" y="0"/>
+          <a:ext cx="0" cy="0"/>
+          <a:chOff x="0" y="0"/>
+          <a:chExt cx="0" cy="0"/>
+        </a:xfrm>
+      </p:grpSpPr>
+      <p:sp>
+        <p:nvSpPr>
+          <p:cNvPr id="2" name="Title 1">
+            <a:extLst>
+              <a:ext uri="{FF2B5EF4-FFF2-40B4-BE49-F238E27FC236}">
+                <a16:creationId xmlns:a16="http://schemas.microsoft.com/office/drawing/2014/main" id="{219CFC9A-F6D7-D65A-C9D8-7DCD777ED69F}"/>
+              </a:ext>
+            </a:extLst>
+          </p:cNvPr>
+          <p:cNvSpPr>
+            <a:spLocks noGrp="1"/>
+          </p:cNvSpPr>
+          <p:nvPr>
+            <p:ph type="title"/>
+          </p:nvPr>
+        </p:nvSpPr>
+        <p:spPr/>
+        <p:txBody>
+          <a:bodyPr/>
+          <a:lstStyle/>
+          <a:p>
+            <a:r>
+              <a:rPr lang="en-US" dirty="0"/>
+              <a:t>Installing Terraform on Different Platforms</a:t>
+            </a:r>
+          </a:p>
+        </p:txBody>
+      </p:sp>
+      <p:sp>
+        <p:nvSpPr>
+          <p:cNvPr id="3" name="Content Placeholder 2">
+            <a:extLst>
+              <a:ext uri="{FF2B5EF4-FFF2-40B4-BE49-F238E27FC236}">
+                <a16:creationId xmlns:a16="http://schemas.microsoft.com/office/drawing/2014/main" id="{600E35E4-F4AD-7E3E-651F-2C74B34B52AF}"/>
+              </a:ext>
+            </a:extLst>
+          </p:cNvPr>
+          <p:cNvSpPr>
+            <a:spLocks noGrp="1"/>
+          </p:cNvSpPr>
+          <p:nvPr>
+            <p:ph idx="1"/>
+          </p:nvPr>
+        </p:nvSpPr>
+        <p:spPr/>
+        <p:txBody>
+          <a:bodyPr/>
+          <a:lstStyle/>
+          <a:p>
+            <a:endParaRPr lang="en-US"/>
+          </a:p>
+        </p:txBody>
+      </p:sp>
+    </p:spTree>
+    <p:extLst>
+      <p:ext uri="{BB962C8B-B14F-4D97-AF65-F5344CB8AC3E}">
+        <p14:creationId xmlns:p14="http://schemas.microsoft.com/office/powerpoint/2010/main" val="2953493323"/>
+      </p:ext>
+    </p:extLst>
+  </p:cSld>
+  <p:clrMapOvr>
+    <a:masterClrMapping/>
+  </p:clrMapOvr>
+</p:sld>
+</file>
+
+<file path=ppt/slides/slide3.xml><?xml version="1.0" encoding="utf-8"?>
+<p:sld xmlns:a="http://schemas.openxmlformats.org/drawingml/2006/main" xmlns:r="http://schemas.openxmlformats.org/officeDocument/2006/relationships" xmlns:p="http://schemas.openxmlformats.org/presentationml/2006/main">
+  <p:cSld>
+    <p:spTree>
+      <p:nvGrpSpPr>
+        <p:cNvPr id="1" name=""/>
+        <p:cNvGrpSpPr/>
+        <p:nvPr/>
+      </p:nvGrpSpPr>
+      <p:grpSpPr>
+        <a:xfrm>
+          <a:off x="0" y="0"/>
+          <a:ext cx="0" cy="0"/>
+          <a:chOff x="0" y="0"/>
+          <a:chExt cx="0" cy="0"/>
+        </a:xfrm>
+      </p:grpSpPr>
+      <p:sp>
+        <p:nvSpPr>
+          <p:cNvPr id="2" name="Title 1">
+            <a:extLst>
+              <a:ext uri="{FF2B5EF4-FFF2-40B4-BE49-F238E27FC236}">
+                <a16:creationId xmlns:a16="http://schemas.microsoft.com/office/drawing/2014/main" id="{2CF8F193-8275-A6A4-01B2-5CA87C18A7C7}"/>
+              </a:ext>
+            </a:extLst>
+          </p:cNvPr>
+          <p:cNvSpPr>
+            <a:spLocks noGrp="1"/>
+          </p:cNvSpPr>
+          <p:nvPr>
+            <p:ph type="title"/>
+          </p:nvPr>
+        </p:nvSpPr>
+        <p:spPr/>
+        <p:txBody>
+          <a:bodyPr/>
+          <a:lstStyle/>
+          <a:p>
+            <a:r>
+              <a:rPr lang="en-US" dirty="0"/>
+              <a:t>Setting Up the Development Environment</a:t>
+            </a:r>
+          </a:p>
+        </p:txBody>
+      </p:sp>
+      <p:sp>
+        <p:nvSpPr>
+          <p:cNvPr id="3" name="Content Placeholder 2">
+            <a:extLst>
+              <a:ext uri="{FF2B5EF4-FFF2-40B4-BE49-F238E27FC236}">
+                <a16:creationId xmlns:a16="http://schemas.microsoft.com/office/drawing/2014/main" id="{62171679-583E-6316-BBE3-6194123998C4}"/>
+              </a:ext>
+            </a:extLst>
+          </p:cNvPr>
+          <p:cNvSpPr>
+            <a:spLocks noGrp="1"/>
+          </p:cNvSpPr>
+          <p:nvPr>
+            <p:ph idx="1"/>
+          </p:nvPr>
+        </p:nvSpPr>
+        <p:spPr/>
+        <p:txBody>
+          <a:bodyPr/>
+          <a:lstStyle/>
+          <a:p>
+            <a:endParaRPr lang="en-US"/>
+          </a:p>
+        </p:txBody>
+      </p:sp>
+    </p:spTree>
+    <p:extLst>
+      <p:ext uri="{BB962C8B-B14F-4D97-AF65-F5344CB8AC3E}">
+        <p14:creationId xmlns:p14="http://schemas.microsoft.com/office/powerpoint/2010/main" val="4078419292"/>
+      </p:ext>
+    </p:extLst>
+  </p:cSld>
+  <p:clrMapOvr>
+    <a:masterClrMapping/>
+  </p:clrMapOvr>
+</p:sld>
+</file>
+
+<file path=ppt/slides/slide4.xml><?xml version="1.0" encoding="utf-8"?>
+<p:sld xmlns:a="http://schemas.openxmlformats.org/drawingml/2006/main" xmlns:r="http://schemas.openxmlformats.org/officeDocument/2006/relationships" xmlns:p="http://schemas.openxmlformats.org/presentationml/2006/main">
+  <p:cSld>
+    <p:spTree>
+      <p:nvGrpSpPr>
+        <p:cNvPr id="1" name=""/>
+        <p:cNvGrpSpPr/>
+        <p:nvPr/>
+      </p:nvGrpSpPr>
+      <p:grpSpPr>
+        <a:xfrm>
+          <a:off x="0" y="0"/>
+          <a:ext cx="0" cy="0"/>
+          <a:chOff x="0" y="0"/>
+          <a:chExt cx="0" cy="0"/>
+        </a:xfrm>
+      </p:grpSpPr>
+      <p:sp>
+        <p:nvSpPr>
+          <p:cNvPr id="2" name="Title 1">
+            <a:extLst>
+              <a:ext uri="{FF2B5EF4-FFF2-40B4-BE49-F238E27FC236}">
+                <a16:creationId xmlns:a16="http://schemas.microsoft.com/office/drawing/2014/main" id="{EBBFD7D4-2F75-3858-2402-7C6C0B95D854}"/>
+              </a:ext>
+            </a:extLst>
+          </p:cNvPr>
+          <p:cNvSpPr>
+            <a:spLocks noGrp="1"/>
+          </p:cNvSpPr>
+          <p:nvPr>
+            <p:ph type="title"/>
+          </p:nvPr>
+        </p:nvSpPr>
+        <p:spPr/>
+        <p:txBody>
+          <a:bodyPr/>
+          <a:lstStyle/>
+          <a:p>
+            <a:r>
+              <a:rPr lang="en-US" dirty="0"/>
+              <a:t>Initializing a Terraform Project</a:t>
+            </a:r>
+          </a:p>
+        </p:txBody>
+      </p:sp>
+      <p:sp>
+        <p:nvSpPr>
+          <p:cNvPr id="3" name="Content Placeholder 2">
+            <a:extLst>
+              <a:ext uri="{FF2B5EF4-FFF2-40B4-BE49-F238E27FC236}">
+                <a16:creationId xmlns:a16="http://schemas.microsoft.com/office/drawing/2014/main" id="{C7207CEE-AE5F-B74F-98B4-20E6975DDA24}"/>
+              </a:ext>
+            </a:extLst>
+          </p:cNvPr>
+          <p:cNvSpPr>
+            <a:spLocks noGrp="1"/>
+          </p:cNvSpPr>
+          <p:nvPr>
+            <p:ph idx="1"/>
+          </p:nvPr>
+        </p:nvSpPr>
+        <p:spPr/>
+        <p:txBody>
+          <a:bodyPr/>
+          <a:lstStyle/>
+          <a:p>
+            <a:endParaRPr lang="en-US"/>
+          </a:p>
+        </p:txBody>
+      </p:sp>
+    </p:spTree>
+    <p:extLst>
+      <p:ext uri="{BB962C8B-B14F-4D97-AF65-F5344CB8AC3E}">
+        <p14:creationId xmlns:p14="http://schemas.microsoft.com/office/powerpoint/2010/main" val="15509339"/>
+      </p:ext>
+    </p:extLst>
+  </p:cSld>
+  <p:clrMapOvr>
+    <a:masterClrMapping/>
+  </p:clrMapOvr>
+</p:sld>
+</file>
+
+<file path=ppt/slides/slide5.xml><?xml version="1.0" encoding="utf-8"?>
+<p:sld xmlns:a="http://schemas.openxmlformats.org/drawingml/2006/main" xmlns:r="http://schemas.openxmlformats.org/officeDocument/2006/relationships" xmlns:p="http://schemas.openxmlformats.org/presentationml/2006/main">
+  <p:cSld>
+    <p:spTree>
+      <p:nvGrpSpPr>
+        <p:cNvPr id="1" name=""/>
+        <p:cNvGrpSpPr/>
+        <p:nvPr/>
+      </p:nvGrpSpPr>
+      <p:grpSpPr>
+        <a:xfrm>
+          <a:off x="0" y="0"/>
+          <a:ext cx="0" cy="0"/>
+          <a:chOff x="0" y="0"/>
+          <a:chExt cx="0" cy="0"/>
+        </a:xfrm>
+      </p:grpSpPr>
+      <p:sp>
+        <p:nvSpPr>
+          <p:cNvPr id="2" name="Title 1">
+            <a:extLst>
+              <a:ext uri="{FF2B5EF4-FFF2-40B4-BE49-F238E27FC236}">
+                <a16:creationId xmlns:a16="http://schemas.microsoft.com/office/drawing/2014/main" id="{0596C5AA-5969-34CF-18BB-1A7E8A0ED445}"/>
+              </a:ext>
+            </a:extLst>
+          </p:cNvPr>
+          <p:cNvSpPr>
+            <a:spLocks noGrp="1"/>
+          </p:cNvSpPr>
+          <p:nvPr>
+            <p:ph type="title"/>
+          </p:nvPr>
+        </p:nvSpPr>
+        <p:spPr/>
+        <p:txBody>
+          <a:bodyPr/>
+          <a:lstStyle/>
+          <a:p>
+            <a:r>
+              <a:rPr lang="en-US" dirty="0"/>
+              <a:t>Exercise: Installing Terraform and Initializing a New Project</a:t>
+            </a:r>
+          </a:p>
+        </p:txBody>
+      </p:sp>
+      <p:sp>
+        <p:nvSpPr>
+          <p:cNvPr id="3" name="Content Placeholder 2">
+            <a:extLst>
+              <a:ext uri="{FF2B5EF4-FFF2-40B4-BE49-F238E27FC236}">
+                <a16:creationId xmlns:a16="http://schemas.microsoft.com/office/drawing/2014/main" id="{D90AE6A3-6633-E6B7-4678-956C57249BE1}"/>
+              </a:ext>
+            </a:extLst>
+          </p:cNvPr>
+          <p:cNvSpPr>
+            <a:spLocks noGrp="1"/>
+          </p:cNvSpPr>
+          <p:nvPr>
+            <p:ph idx="1"/>
+          </p:nvPr>
+        </p:nvSpPr>
+        <p:spPr/>
+        <p:txBody>
+          <a:bodyPr/>
+          <a:lstStyle/>
+          <a:p>
+            <a:endParaRPr lang="en-US"/>
+          </a:p>
+        </p:txBody>
+      </p:sp>
+    </p:spTree>
+    <p:extLst>
+      <p:ext uri="{BB962C8B-B14F-4D97-AF65-F5344CB8AC3E}">
+        <p14:creationId xmlns:p14="http://schemas.microsoft.com/office/powerpoint/2010/main" val="3589051225"/>
+      </p:ext>
+    </p:extLst>
+  </p:cSld>
+  <p:clrMapOvr>
+    <a:masterClrMapping/>
+  </p:clrMapOvr>
+</p:sld>
+</file>
+
+<file path=ppt/slides/slide6.xml><?xml version="1.0" encoding="utf-8"?>
+<p:sld xmlns:a="http://schemas.openxmlformats.org/drawingml/2006/main" xmlns:r="http://schemas.openxmlformats.org/officeDocument/2006/relationships" xmlns:p="http://schemas.openxmlformats.org/presentationml/2006/main">
+  <p:cSld>
+    <p:spTree>
+      <p:nvGrpSpPr>
+        <p:cNvPr id="1" name=""/>
+        <p:cNvGrpSpPr/>
+        <p:nvPr/>
+      </p:nvGrpSpPr>
+      <p:grpSpPr>
+        <a:xfrm>
+          <a:off x="0" y="0"/>
+          <a:ext cx="0" cy="0"/>
+          <a:chOff x="0" y="0"/>
+          <a:chExt cx="0" cy="0"/>
+        </a:xfrm>
+      </p:grpSpPr>
+      <p:sp>
+        <p:nvSpPr>
+          <p:cNvPr id="2" name="Title 1">
+            <a:extLst>
+              <a:ext uri="{FF2B5EF4-FFF2-40B4-BE49-F238E27FC236}">
+                <a16:creationId xmlns:a16="http://schemas.microsoft.com/office/drawing/2014/main" id="{393A5CDE-ED72-37DA-D476-912CB2099041}"/>
+              </a:ext>
+            </a:extLst>
+          </p:cNvPr>
+          <p:cNvSpPr>
+            <a:spLocks noGrp="1"/>
+          </p:cNvSpPr>
+          <p:nvPr>
+            <p:ph type="title"/>
+          </p:nvPr>
+        </p:nvSpPr>
+        <p:spPr/>
+        <p:txBody>
+          <a:bodyPr>
+            <a:normAutofit fontScale="90000"/>
+          </a:bodyPr>
+          <a:lstStyle/>
+          <a:p>
+            <a:r>
+              <a:rPr lang="en-US" dirty="0"/>
+              <a:t>Bonus Exercise: Writing a Basic Terraform Configuration and Running Plan</a:t>
+            </a:r>
+          </a:p>
+        </p:txBody>
+      </p:sp>
+      <p:sp>
+        <p:nvSpPr>
+          <p:cNvPr id="3" name="Content Placeholder 2">
+            <a:extLst>
+              <a:ext uri="{FF2B5EF4-FFF2-40B4-BE49-F238E27FC236}">
+                <a16:creationId xmlns:a16="http://schemas.microsoft.com/office/drawing/2014/main" id="{5D57B15C-AACE-F486-BF04-962672EC579C}"/>
+              </a:ext>
+            </a:extLst>
+          </p:cNvPr>
+          <p:cNvSpPr>
+            <a:spLocks noGrp="1"/>
+          </p:cNvSpPr>
+          <p:nvPr>
+            <p:ph idx="1"/>
+          </p:nvPr>
+        </p:nvSpPr>
+        <p:spPr/>
+        <p:txBody>
+          <a:bodyPr/>
+          <a:lstStyle/>
+          <a:p>
+            <a:endParaRPr lang="en-US"/>
+          </a:p>
+        </p:txBody>
+      </p:sp>
+    </p:spTree>
+    <p:extLst>
+      <p:ext uri="{BB962C8B-B14F-4D97-AF65-F5344CB8AC3E}">
+        <p14:creationId xmlns:p14="http://schemas.microsoft.com/office/powerpoint/2010/main" val="1682296905"/>
+      </p:ext>
+    </p:extLst>
+  </p:cSld>
+  <p:clrMapOvr>
+    <a:masterClrMapping/>
+  </p:clrMapOvr>
+</p:sld>
+</file>
+
 <file path=ppt/theme/theme1.xml><?xml version="1.0" encoding="utf-8"?>
-<a:theme xmlns:a="http://schemas.openxmlformats.org/drawingml/2006/main" name="Retrospect">
+<a:theme xmlns:a="http://schemas.openxmlformats.org/drawingml/2006/main" name="Parcel">
   <a:themeElements>
-    <a:clrScheme name="Retrospect">
+    <a:clrScheme name="Grayscale">
       <a:dk1>
         <a:sysClr val="windowText" lastClr="000000"/>
       </a:dk1>
@@ -3875,81 +3747,48 @@
         <a:sysClr val="window" lastClr="FFFFFF"/>
       </a:lt1>
       <a:dk2>
-        <a:srgbClr val="514949"/>
+        <a:srgbClr val="000000"/>
       </a:dk2>
       <a:lt2>
-        <a:srgbClr val="E1E1DB"/>
+        <a:srgbClr val="F8F8F8"/>
       </a:lt2>
       <a:accent1>
-        <a:srgbClr val="9DBFBE"/>
+        <a:srgbClr val="DDDDDD"/>
       </a:accent1>
       <a:accent2>
-        <a:srgbClr val="DB8631"/>
+        <a:srgbClr val="B2B2B2"/>
       </a:accent2>
       <a:accent3>
-        <a:srgbClr val="E3CC5A"/>
+        <a:srgbClr val="969696"/>
       </a:accent3>
       <a:accent4>
-        <a:srgbClr val="ACADA8"/>
+        <a:srgbClr val="808080"/>
       </a:accent4>
       <a:accent5>
-        <a:srgbClr val="927C61"/>
+        <a:srgbClr val="5F5F5F"/>
       </a:accent5>
       <a:accent6>
-        <a:srgbClr val="B3B435"/>
+        <a:srgbClr val="4D4D4D"/>
       </a:accent6>
       <a:hlink>
-        <a:srgbClr val="0000FF"/>
+        <a:srgbClr val="5F5F5F"/>
       </a:hlink>
       <a:folHlink>
-        <a:srgbClr val="800080"/>
+        <a:srgbClr val="919191"/>
       </a:folHlink>
     </a:clrScheme>
-    <a:fontScheme name="Retrospect">
+    <a:fontScheme name="Parcel">
       <a:majorFont>
-        <a:latin typeface="Calibri Light" panose="020F0302020204030204"/>
+        <a:latin typeface="Gill Sans MT" panose="020B0502020104020203"/>
         <a:ea typeface=""/>
         <a:cs typeface=""/>
-        <a:font script="Jpan" typeface="ＭＳ Ｐゴシック"/>
-        <a:font script="Hang" typeface="맑은 고딕"/>
-        <a:font script="Hans" typeface="宋体"/>
-        <a:font script="Hant" typeface="新細明體"/>
-        <a:font script="Arab" typeface="Times New Roman"/>
-        <a:font script="Hebr" typeface="Times New Roman"/>
-        <a:font script="Thai" typeface="Angsana New"/>
-        <a:font script="Ethi" typeface="Nyala"/>
-        <a:font script="Beng" typeface="Vrinda"/>
-        <a:font script="Gujr" typeface="Shruti"/>
-        <a:font script="Khmr" typeface="MoolBoran"/>
-        <a:font script="Knda" typeface="Tunga"/>
-        <a:font script="Guru" typeface="Raavi"/>
-        <a:font script="Cans" typeface="Euphemia"/>
-        <a:font script="Cher" typeface="Plantagenet Cherokee"/>
-        <a:font script="Yiii" typeface="Microsoft Yi Baiti"/>
-        <a:font script="Tibt" typeface="Microsoft Himalaya"/>
-        <a:font script="Thaa" typeface="MV Boli"/>
-        <a:font script="Deva" typeface="Mangal"/>
-        <a:font script="Telu" typeface="Gautami"/>
-        <a:font script="Taml" typeface="Latha"/>
-        <a:font script="Syrc" typeface="Estrangelo Edessa"/>
-        <a:font script="Orya" typeface="Kalinga"/>
-        <a:font script="Mlym" typeface="Kartika"/>
-        <a:font script="Laoo" typeface="DokChampa"/>
-        <a:font script="Sinh" typeface="Iskoola Pota"/>
-        <a:font script="Mong" typeface="Mongolian Baiti"/>
-        <a:font script="Viet" typeface="Times New Roman"/>
-        <a:font script="Uigh" typeface="Microsoft Uighur"/>
-        <a:font script="Geor" typeface="Sylfaen"/>
-      </a:majorFont>
-      <a:minorFont>
-        <a:latin typeface="Calibri" panose="020F0502020204030204"/>
-        <a:ea typeface=""/>
-        <a:cs typeface=""/>
-        <a:font script="Jpan" typeface="ＭＳ Ｐゴシック"/>
-        <a:font script="Hang" typeface="맑은 고딕"/>
-        <a:font script="Hans" typeface="宋体"/>
-        <a:font script="Hant" typeface="新細明體"/>
-        <a:font script="Arab" typeface="Arial"/>
+        <a:font script="Grek" typeface="Corbel"/>
+        <a:font script="Cyrl" typeface="Corbel"/>
+        <a:font script="Jpan" typeface="HGｺﾞｼｯｸE"/>
+        <a:font script="Hang" typeface="휴먼매직체"/>
+        <a:font script="Hans" typeface="华文中宋"/>
+        <a:font script="Hant" typeface="微軟正黑體"/>
+        <a:font script="Arab" typeface="Majalla UI"/>
         <a:font script="Hebr" typeface="Arial"/>
         <a:font script="Thai" typeface="Cordia New"/>
         <a:font script="Ethi" typeface="Nyala"/>
@@ -3972,12 +3811,49 @@
         <a:font script="Laoo" typeface="DokChampa"/>
         <a:font script="Sinh" typeface="Iskoola Pota"/>
         <a:font script="Mong" typeface="Mongolian Baiti"/>
-        <a:font script="Viet" typeface="Arial"/>
+        <a:font script="Viet" typeface="Tahoma"/>
+        <a:font script="Uigh" typeface="Microsoft Uighur"/>
+        <a:font script="Geor" typeface="Sylfaen"/>
+      </a:majorFont>
+      <a:minorFont>
+        <a:latin typeface="Gill Sans MT" panose="020B0502020104020203"/>
+        <a:ea typeface=""/>
+        <a:cs typeface=""/>
+        <a:font script="Grek" typeface="Corbel"/>
+        <a:font script="Cyrl" typeface="Corbel"/>
+        <a:font script="Jpan" typeface="HGｺﾞｼｯｸE"/>
+        <a:font script="Hang" typeface="휴먼매직체"/>
+        <a:font script="Hans" typeface="华文中宋"/>
+        <a:font script="Hant" typeface="微軟正黑體"/>
+        <a:font script="Arab" typeface="Majalla UI"/>
+        <a:font script="Hebr" typeface="Arial"/>
+        <a:font script="Thai" typeface="Cordia New"/>
+        <a:font script="Ethi" typeface="Nyala"/>
+        <a:font script="Beng" typeface="Vrinda"/>
+        <a:font script="Gujr" typeface="Shruti"/>
+        <a:font script="Khmr" typeface="DaunPenh"/>
+        <a:font script="Knda" typeface="Tunga"/>
+        <a:font script="Guru" typeface="Raavi"/>
+        <a:font script="Cans" typeface="Euphemia"/>
+        <a:font script="Cher" typeface="Plantagenet Cherokee"/>
+        <a:font script="Yiii" typeface="Microsoft Yi Baiti"/>
+        <a:font script="Tibt" typeface="Microsoft Himalaya"/>
+        <a:font script="Thaa" typeface="MV Boli"/>
+        <a:font script="Deva" typeface="Mangal"/>
+        <a:font script="Telu" typeface="Gautami"/>
+        <a:font script="Taml" typeface="Latha"/>
+        <a:font script="Syrc" typeface="Estrangelo Edessa"/>
+        <a:font script="Orya" typeface="Kalinga"/>
+        <a:font script="Mlym" typeface="Kartika"/>
+        <a:font script="Laoo" typeface="DokChampa"/>
+        <a:font script="Sinh" typeface="Iskoola Pota"/>
+        <a:font script="Mong" typeface="Mongolian Baiti"/>
+        <a:font script="Viet" typeface="Tahoma"/>
         <a:font script="Uigh" typeface="Microsoft Uighur"/>
         <a:font script="Geor" typeface="Sylfaen"/>
       </a:minorFont>
     </a:fontScheme>
-    <a:fmtScheme name="Retrospect">
+    <a:fmtScheme name="Parcel">
       <a:fillStyleLst>
         <a:solidFill>
           <a:schemeClr val="phClr"/>
@@ -3986,77 +3862,62 @@
           <a:gsLst>
             <a:gs pos="0">
               <a:schemeClr val="phClr">
-                <a:tint val="65000"/>
-                <a:shade val="92000"/>
-                <a:satMod val="130000"/>
-              </a:schemeClr>
-            </a:gs>
-            <a:gs pos="45000">
-              <a:schemeClr val="phClr">
-                <a:tint val="60000"/>
-                <a:shade val="99000"/>
-                <a:satMod val="120000"/>
+                <a:tint val="80000"/>
+                <a:satMod val="107000"/>
+                <a:lumMod val="103000"/>
               </a:schemeClr>
             </a:gs>
             <a:gs pos="100000">
               <a:schemeClr val="phClr">
-                <a:tint val="55000"/>
-                <a:satMod val="140000"/>
+                <a:tint val="82000"/>
+                <a:satMod val="109000"/>
+                <a:lumMod val="103000"/>
               </a:schemeClr>
             </a:gs>
           </a:gsLst>
-          <a:path path="circle">
-            <a:fillToRect l="100000" t="100000" r="100000" b="100000"/>
-          </a:path>
+          <a:lin ang="5400000" scaled="0"/>
         </a:gradFill>
         <a:gradFill rotWithShape="1">
           <a:gsLst>
             <a:gs pos="0">
               <a:schemeClr val="phClr">
-                <a:shade val="85000"/>
-                <a:satMod val="130000"/>
+                <a:tint val="97000"/>
+                <a:satMod val="100000"/>
+                <a:lumMod val="102000"/>
               </a:schemeClr>
             </a:gs>
-            <a:gs pos="34000">
+            <a:gs pos="50000">
               <a:schemeClr val="phClr">
-                <a:shade val="87000"/>
-                <a:satMod val="125000"/>
-              </a:schemeClr>
-            </a:gs>
-            <a:gs pos="70000">
-              <a:schemeClr val="phClr">
-                <a:tint val="100000"/>
-                <a:shade val="90000"/>
-                <a:satMod val="130000"/>
+                <a:shade val="100000"/>
+                <a:satMod val="103000"/>
+                <a:lumMod val="100000"/>
               </a:schemeClr>
             </a:gs>
             <a:gs pos="100000">
               <a:schemeClr val="phClr">
-                <a:tint val="100000"/>
-                <a:shade val="100000"/>
+                <a:shade val="93000"/>
                 <a:satMod val="110000"/>
+                <a:lumMod val="99000"/>
               </a:schemeClr>
             </a:gs>
           </a:gsLst>
-          <a:path path="circle">
-            <a:fillToRect l="100000" t="100000" r="100000" b="100000"/>
-          </a:path>
+          <a:lin ang="5400000" scaled="0"/>
         </a:gradFill>
       </a:fillStyleLst>
       <a:lnStyleLst>
+        <a:ln w="6350" cap="flat" cmpd="sng" algn="ctr">
+          <a:solidFill>
+            <a:schemeClr val="phClr"/>
+          </a:solidFill>
+          <a:prstDash val="solid"/>
+        </a:ln>
         <a:ln w="12700" cap="flat" cmpd="sng" algn="ctr">
           <a:solidFill>
             <a:schemeClr val="phClr"/>
           </a:solidFill>
           <a:prstDash val="solid"/>
         </a:ln>
-        <a:ln w="15875" cap="flat" cmpd="sng" algn="ctr">
-          <a:solidFill>
-            <a:schemeClr val="phClr"/>
-          </a:solidFill>
-          <a:prstDash val="solid"/>
-        </a:ln>
-        <a:ln w="25400" cap="flat" cmpd="sng" algn="ctr">
+        <a:ln w="31750" cap="flat" cmpd="sng" algn="ctr">
           <a:solidFill>
             <a:schemeClr val="phClr"/>
           </a:solidFill>
@@ -4068,19 +3929,13 @@
           <a:effectLst/>
         </a:effectStyle>
         <a:effectStyle>
-          <a:effectLst>
-            <a:outerShdw blurRad="38100" dist="25400" dir="2700000" algn="br" rotWithShape="0">
-              <a:srgbClr val="000000">
-                <a:alpha val="60000"/>
-              </a:srgbClr>
-            </a:outerShdw>
-          </a:effectLst>
+          <a:effectLst/>
         </a:effectStyle>
         <a:effectStyle>
           <a:effectLst>
-            <a:outerShdw blurRad="44450" dist="25400" dir="2700000" algn="br" rotWithShape="0">
+            <a:outerShdw blurRad="55880" dist="15240" dir="5400000" algn="ctr" rotWithShape="0">
               <a:srgbClr val="000000">
-                <a:alpha val="60000"/>
+                <a:alpha val="45000"/>
               </a:srgbClr>
             </a:outerShdw>
           </a:effectLst>
@@ -4088,12 +3943,10 @@
             <a:camera prst="orthographicFront">
               <a:rot lat="0" lon="0" rev="0"/>
             </a:camera>
-            <a:lightRig rig="threePt" dir="t">
-              <a:rot lat="0" lon="0" rev="19800000"/>
-            </a:lightRig>
+            <a:lightRig rig="brightRoom" dir="tl"/>
           </a:scene3d>
-          <a:sp3d prstMaterial="flat">
-            <a:bevelT w="25400" h="31750"/>
+          <a:sp3d prstMaterial="dkEdge">
+            <a:bevelT w="0" h="0"/>
           </a:sp3d>
         </a:effectStyle>
       </a:effectStyleLst>
@@ -4103,36 +3956,32 @@
         </a:solidFill>
         <a:solidFill>
           <a:schemeClr val="phClr">
-            <a:tint val="90000"/>
-            <a:shade val="97000"/>
-            <a:satMod val="130000"/>
+            <a:tint val="95000"/>
+            <a:satMod val="170000"/>
           </a:schemeClr>
         </a:solidFill>
         <a:gradFill rotWithShape="1">
           <a:gsLst>
             <a:gs pos="0">
               <a:schemeClr val="phClr">
-                <a:tint val="96000"/>
-                <a:shade val="99000"/>
-                <a:satMod val="140000"/>
-              </a:schemeClr>
-            </a:gs>
-            <a:gs pos="65000">
-              <a:schemeClr val="phClr">
-                <a:tint val="100000"/>
-                <a:shade val="80000"/>
-                <a:satMod val="130000"/>
+                <a:tint val="97000"/>
+                <a:shade val="100000"/>
+                <a:satMod val="185000"/>
+                <a:lumMod val="120000"/>
               </a:schemeClr>
             </a:gs>
             <a:gs pos="100000">
               <a:schemeClr val="phClr">
-                <a:tint val="100000"/>
-                <a:shade val="48000"/>
-                <a:satMod val="120000"/>
+                <a:tint val="96000"/>
+                <a:shade val="95000"/>
+                <a:satMod val="215000"/>
+                <a:lumMod val="80000"/>
               </a:schemeClr>
             </a:gs>
           </a:gsLst>
-          <a:lin ang="16200000" scaled="0"/>
+          <a:path path="circle">
+            <a:fillToRect l="50000" t="55000" r="125000" b="100000"/>
+          </a:path>
         </a:gradFill>
       </a:bgFillStyleLst>
     </a:fmtScheme>
@@ -4141,7 +3990,7 @@
   <a:extraClrSchemeLst/>
   <a:extLst>
     <a:ext uri="{05A4C25C-085E-4340-85A3-A5531E510DB2}">
-      <thm15:themeFamily xmlns:thm15="http://schemas.microsoft.com/office/thememl/2012/main" name="Retrospect" id="{5F128B03-DCCA-4EEB-AB3B-CF2899314A46}" vid="{243AF7DC-D15B-41C0-AE81-23980D1B9FC4}"/>
+      <thm15:themeFamily xmlns:thm15="http://schemas.microsoft.com/office/thememl/2012/main" name="Parcel" id="{8BEC4385-4EB9-4D53-BFB5-0EA123736B6D}" vid="{71C241A9-A460-4AD1-916F-25308628A5BC}"/>
     </a:ext>
   </a:extLst>
 </a:theme>

--- a/slides/1-Setting Up the Environment.pptx
+++ b/slides/1-Setting Up the Environment.pptx
@@ -5,7 +5,7 @@
     <p:sldMasterId id="2147483708" r:id="rId1"/>
   </p:sldMasterIdLst>
   <p:notesMasterIdLst>
-    <p:notesMasterId r:id="rId11"/>
+    <p:notesMasterId r:id="rId12"/>
   </p:notesMasterIdLst>
   <p:sldIdLst>
     <p:sldId id="256" r:id="rId2"/>
@@ -15,8 +15,9 @@
     <p:sldId id="262" r:id="rId6"/>
     <p:sldId id="258" r:id="rId7"/>
     <p:sldId id="259" r:id="rId8"/>
-    <p:sldId id="260" r:id="rId9"/>
-    <p:sldId id="266" r:id="rId10"/>
+    <p:sldId id="267" r:id="rId9"/>
+    <p:sldId id="260" r:id="rId10"/>
+    <p:sldId id="266" r:id="rId11"/>
   </p:sldIdLst>
   <p:sldSz cx="12192000" cy="6858000"/>
   <p:notesSz cx="6858000" cy="9144000"/>
@@ -5980,8 +5981,6 @@
     <dgm:cxn modelId="{D6C16D3B-5DCF-534E-99E0-DC7F9DADA13C}" type="presOf" srcId="{6E72CEE2-0477-44D0-9E22-5CE6B0B69C12}" destId="{B90C3CB1-9858-F845-820A-DA5725D786C9}" srcOrd="0" destOrd="0" presId="urn:microsoft.com/office/officeart/2016/7/layout/VerticalSolidActionList"/>
     <dgm:cxn modelId="{DEEFC844-2F43-4903-8375-6D24B900BB7B}" srcId="{5A594A40-BE74-4477-9853-5F0104170F80}" destId="{156D531B-1B10-4846-B4D3-5EFD6A909D02}" srcOrd="1" destOrd="0" parTransId="{17B138EC-D880-4A82-98B8-97993C186B29}" sibTransId="{73054F19-8ECB-4C20-B000-461139586214}"/>
     <dgm:cxn modelId="{52C42345-57EB-4352-A7E7-CEC9835083DD}" srcId="{57FD3534-C67D-4708-B5EA-A2CA947DD8F7}" destId="{E9ED9BBE-A0CA-4138-8DF6-910B7AFB654A}" srcOrd="3" destOrd="0" parTransId="{557C59E1-62C7-4C92-983D-830B4AB0D8F9}" sibTransId="{071454A0-BFC2-4B4B-B5D0-F9A1B749F98F}"/>
-    <dgm:cxn modelId="{FC84B551-3686-4172-AF53-35FBFE323990}" srcId="{9BB56C3B-D9E1-4391-9732-F74076A91D01}" destId="{33319D89-FCF8-41DD-B30C-A1DA5CDF6081}" srcOrd="0" destOrd="0" parTransId="{89B1F18B-BD01-4A1C-9750-251BDF8B3B29}" sibTransId="{587AAA7F-AADC-4D02-BAED-8D5E35B4F03B}"/>
-    <dgm:cxn modelId="{5DAEDC59-670D-544B-A704-F9BB0D78E305}" type="presOf" srcId="{B3DEEC1B-43A9-4BBD-8C38-119D00890313}" destId="{B259AA3C-5557-3841-A1AE-6D4084E26F04}" srcOrd="0" destOrd="1" presId="urn:microsoft.com/office/officeart/2016/7/layout/VerticalSolidActionList"/>
     <dgm:cxn modelId="{3D48B865-D51E-824D-BD2C-9F738D2C40F6}" type="presOf" srcId="{33319D89-FCF8-41DD-B30C-A1DA5CDF6081}" destId="{92EAB457-E39A-334F-96ED-E44D0970D25C}" srcOrd="0" destOrd="0" presId="urn:microsoft.com/office/officeart/2016/7/layout/VerticalSolidActionList"/>
     <dgm:cxn modelId="{E9EAC767-83CA-43C8-8654-1C1B9F26A8E8}" srcId="{E26C6458-52E6-476C-AE48-D89BF629D86A}" destId="{AC27E3DC-3C3A-475F-B9BB-486A4D808E03}" srcOrd="3" destOrd="0" parTransId="{A41C6676-724E-4C3E-BC82-AFB54F773559}" sibTransId="{B1864D4F-22FB-467C-A320-9D66420085E9}"/>
     <dgm:cxn modelId="{092CED67-899B-4E0B-84B3-88D7D9CAEF9C}" srcId="{E26C6458-52E6-476C-AE48-D89BF629D86A}" destId="{1BAEAB79-757F-4FC0-AEF7-038BB418BC56}" srcOrd="2" destOrd="0" parTransId="{742A2883-5958-465D-BA11-69FE4C3C2646}" sibTransId="{94440AC8-0188-4241-BF0D-BB05449C7488}"/>
@@ -5989,7 +5988,9 @@
     <dgm:cxn modelId="{938D8D6B-2DF8-443D-A5DD-F91E79DD0C53}" srcId="{6E72CEE2-0477-44D0-9E22-5CE6B0B69C12}" destId="{E26C6458-52E6-476C-AE48-D89BF629D86A}" srcOrd="0" destOrd="0" parTransId="{BA9B7774-B1D0-430D-B36F-39142FBB2455}" sibTransId="{A7BB7EA3-B520-441A-8B49-AAB282E524BB}"/>
     <dgm:cxn modelId="{C789926F-72BF-4226-A66B-590DCDE4E4CC}" srcId="{9BB56C3B-D9E1-4391-9732-F74076A91D01}" destId="{DE4A7A26-D524-4EF2-A7B1-D4C5634F7797}" srcOrd="2" destOrd="0" parTransId="{38877B48-DBA7-4644-9636-E5DC1F1C2FFC}" sibTransId="{5A3971CD-40CE-4B25-8257-2A18E0EC7D3D}"/>
     <dgm:cxn modelId="{D5F06271-DE3A-47FF-B518-ED8B38653269}" srcId="{5A594A40-BE74-4477-9853-5F0104170F80}" destId="{8CC0719D-2A8B-4732-8F6C-1FB0BDB00D9F}" srcOrd="0" destOrd="0" parTransId="{E4612BC3-3078-49CC-8F21-DFEFBE90753F}" sibTransId="{FA00144A-FC21-43D5-B160-5686042C1CE1}"/>
+    <dgm:cxn modelId="{FC84B551-3686-4172-AF53-35FBFE323990}" srcId="{9BB56C3B-D9E1-4391-9732-F74076A91D01}" destId="{33319D89-FCF8-41DD-B30C-A1DA5CDF6081}" srcOrd="0" destOrd="0" parTransId="{89B1F18B-BD01-4A1C-9750-251BDF8B3B29}" sibTransId="{587AAA7F-AADC-4D02-BAED-8D5E35B4F03B}"/>
     <dgm:cxn modelId="{116BFA74-4EB3-6540-A99D-3241CB8DFEA5}" type="presOf" srcId="{57FD3534-C67D-4708-B5EA-A2CA947DD8F7}" destId="{6944DFDC-7583-A54F-8EBA-008FF11CE9C0}" srcOrd="0" destOrd="0" presId="urn:microsoft.com/office/officeart/2016/7/layout/VerticalSolidActionList"/>
+    <dgm:cxn modelId="{5DAEDC59-670D-544B-A704-F9BB0D78E305}" type="presOf" srcId="{B3DEEC1B-43A9-4BBD-8C38-119D00890313}" destId="{B259AA3C-5557-3841-A1AE-6D4084E26F04}" srcOrd="0" destOrd="1" presId="urn:microsoft.com/office/officeart/2016/7/layout/VerticalSolidActionList"/>
     <dgm:cxn modelId="{02A46F7B-F1F0-45FD-B0DA-A8BF5B6D59B2}" srcId="{E26C6458-52E6-476C-AE48-D89BF629D86A}" destId="{9ADA9F2A-C066-48F9-938A-5BF5759F0071}" srcOrd="0" destOrd="0" parTransId="{F98EF460-3985-489C-8227-85AFE0DE8F67}" sibTransId="{B043C0F5-E637-466C-8242-923795625A1E}"/>
     <dgm:cxn modelId="{BDB06691-06E3-4AE3-A2C0-3AD5C369CB9C}" srcId="{DE4A7A26-D524-4EF2-A7B1-D4C5634F7797}" destId="{57FD3534-C67D-4708-B5EA-A2CA947DD8F7}" srcOrd="0" destOrd="0" parTransId="{115334EE-3E22-4D1E-8502-726D51DFEE3A}" sibTransId="{C99157BF-37F8-4EC1-976E-CB7295F13B74}"/>
     <dgm:cxn modelId="{A31AB493-259E-CA49-930A-9983F445ECD4}" type="presOf" srcId="{68F9707A-979B-4E83-8E3E-9927A0301DCD}" destId="{6944DFDC-7583-A54F-8EBA-008FF11CE9C0}" srcOrd="0" destOrd="5" presId="urn:microsoft.com/office/officeart/2016/7/layout/VerticalSolidActionList"/>
@@ -6499,10 +6500,10 @@
     <dgm:cxn modelId="{83132300-3D67-CB43-B54C-91B04D26BEE3}" type="presOf" srcId="{067F6451-6544-AD4B-AA81-3CCBAD49CB44}" destId="{7BB41575-4599-3348-A956-55708EEA68D0}" srcOrd="0" destOrd="1" presId="urn:microsoft.com/office/officeart/2016/7/layout/VerticalSolidActionList"/>
     <dgm:cxn modelId="{A15D490B-D5D7-A74C-BA2A-DECD916FD7E0}" type="presOf" srcId="{2107550E-5D86-4FD1-A2BF-D8266138BF95}" destId="{FCAA40CF-F01F-F747-849A-34D006DF4B2F}" srcOrd="0" destOrd="0" presId="urn:microsoft.com/office/officeart/2016/7/layout/VerticalSolidActionList"/>
     <dgm:cxn modelId="{7D9C6B16-72C2-4DEA-B5E6-C9BD2E042141}" srcId="{2107550E-5D86-4FD1-A2BF-D8266138BF95}" destId="{5DC45F96-32C3-4125-B376-90F17E0DC5BA}" srcOrd="0" destOrd="0" parTransId="{25A505A4-D86F-4AE6-8371-4E1C38B84CCF}" sibTransId="{30EF9A0B-8089-4E45-8CBF-0DFE7E4CAC90}"/>
-    <dgm:cxn modelId="{31028349-E631-8541-922E-C277D75731E1}" type="presOf" srcId="{B271C7B3-8802-431E-9301-DF9097D27894}" destId="{165785A2-7E3C-BB43-9519-A90D6DB9E045}" srcOrd="0" destOrd="1" presId="urn:microsoft.com/office/officeart/2016/7/layout/VerticalSolidActionList"/>
     <dgm:cxn modelId="{C8782E5D-C39A-3A48-A610-F0A48DE4695B}" srcId="{7A85D807-2869-44D8-B696-7A9F88A0A222}" destId="{E16BE1D5-A7E3-EE4F-984F-87F6B7773D83}" srcOrd="1" destOrd="0" parTransId="{AC59C6F3-032A-A845-A0D5-C25964393213}" sibTransId="{B5AAA734-7638-2345-9176-EAA1D224018E}"/>
     <dgm:cxn modelId="{C69E385E-507F-4F48-9579-752918F9D55A}" type="presOf" srcId="{BA25CCA2-3497-466E-9DB1-257523422369}" destId="{165785A2-7E3C-BB43-9519-A90D6DB9E045}" srcOrd="0" destOrd="2" presId="urn:microsoft.com/office/officeart/2016/7/layout/VerticalSolidActionList"/>
     <dgm:cxn modelId="{043FD265-11DC-4431-913E-16F27D3384F5}" srcId="{7A85D807-2869-44D8-B696-7A9F88A0A222}" destId="{59A98CE1-8BE6-4AA2-8B1F-5AEEEBE643B8}" srcOrd="0" destOrd="0" parTransId="{2B618CFF-5437-4999-8527-607CCA117233}" sibTransId="{C2E7D98E-BD4D-4E6B-8942-B176C96901C4}"/>
+    <dgm:cxn modelId="{31028349-E631-8541-922E-C277D75731E1}" type="presOf" srcId="{B271C7B3-8802-431E-9301-DF9097D27894}" destId="{165785A2-7E3C-BB43-9519-A90D6DB9E045}" srcOrd="0" destOrd="1" presId="urn:microsoft.com/office/officeart/2016/7/layout/VerticalSolidActionList"/>
     <dgm:cxn modelId="{3C989A78-5368-064A-8B22-E24CAAFBCFCF}" type="presOf" srcId="{E94B6DD7-B843-4564-AAF9-469DA677D204}" destId="{BE10371F-26AB-2C41-B704-33AF30C6B9A2}" srcOrd="0" destOrd="0" presId="urn:microsoft.com/office/officeart/2016/7/layout/VerticalSolidActionList"/>
     <dgm:cxn modelId="{AE0B227F-1ABA-4B47-89DB-37F4692BA6B7}" srcId="{E94B6DD7-B843-4564-AAF9-469DA677D204}" destId="{3C1739F6-6233-4692-A729-1C9461CB86CD}" srcOrd="2" destOrd="0" parTransId="{00F0F21D-C59E-4550-92DF-409BD969B8F5}" sibTransId="{F99CA02F-46ED-4C70-9997-F4DDD94E0189}"/>
     <dgm:cxn modelId="{0219018C-EEC4-478C-9B3A-25D950BBB081}" srcId="{E94B6DD7-B843-4564-AAF9-469DA677D204}" destId="{2107550E-5D86-4FD1-A2BF-D8266138BF95}" srcOrd="0" destOrd="0" parTransId="{C0E0B970-2EDC-49E8-984C-94DF66449C95}" sibTransId="{EE47B323-D240-4BCE-B31A-B270DBD51A2C}"/>
@@ -7183,14 +7184,14 @@
     <dgm:cxn modelId="{210A9A0A-B9FE-7C47-9121-643BD6C3ED9F}" type="presOf" srcId="{EB6BA4DC-6123-4DE7-8A35-6D94288D2720}" destId="{7EC0ED8C-5904-6C4E-A926-8C021762E236}" srcOrd="0" destOrd="1" presId="urn:microsoft.com/office/officeart/2016/7/layout/VerticalSolidActionList"/>
     <dgm:cxn modelId="{27702428-0D74-41A3-B116-7CB42752314D}" srcId="{23289555-3535-4F4B-94FD-713700C63D60}" destId="{71AFEFC2-5D1F-431C-9604-A4694D9C3A34}" srcOrd="0" destOrd="0" parTransId="{5DE7B29A-040A-4A0F-B4B2-60CD37227866}" sibTransId="{43DC652B-8D9A-4A3F-BC81-2A8B65C516D0}"/>
     <dgm:cxn modelId="{D902DE34-7321-45A5-84B6-E098CC692BEF}" srcId="{23289555-3535-4F4B-94FD-713700C63D60}" destId="{B85DD76C-6C00-413D-A8B2-0EF5CED13D3D}" srcOrd="1" destOrd="0" parTransId="{B2BA0E16-ECDF-4673-BD1E-D55CAE556C65}" sibTransId="{B21C62E4-49E7-46F3-A4AF-1686A2EA012F}"/>
-    <dgm:cxn modelId="{56C7A04A-9960-4E15-8763-894C34FA5C75}" srcId="{B85DD76C-6C00-413D-A8B2-0EF5CED13D3D}" destId="{EEE1D3DC-63F1-493A-8E63-1F509BB46275}" srcOrd="0" destOrd="0" parTransId="{19ACF387-9059-4F5B-8119-77058A3BF5AA}" sibTransId="{A77B1CC5-5968-4324-9BFB-37DA30E38E5E}"/>
-    <dgm:cxn modelId="{E972E359-4F43-1544-923C-E72F76ED3372}" type="presOf" srcId="{79BBC15A-35C4-4A5E-80F2-9FEB1C24334B}" destId="{002EBC43-F29B-E848-B2F6-F41E15978E1C}" srcOrd="0" destOrd="0" presId="urn:microsoft.com/office/officeart/2016/7/layout/VerticalSolidActionList"/>
     <dgm:cxn modelId="{3E2B2D61-4973-47EC-AB42-7C814D987303}" srcId="{79BBC15A-35C4-4A5E-80F2-9FEB1C24334B}" destId="{4FEA8D75-0144-492B-9E25-ED33A3E169BD}" srcOrd="2" destOrd="0" parTransId="{6059212C-682D-46D8-BDF2-6CD21093C7ED}" sibTransId="{85C1526D-ACEC-4E36-A95E-C188AFFE51C8}"/>
     <dgm:cxn modelId="{D6A94E66-F16E-4957-885B-71B2FB0285F2}" srcId="{79BBC15A-35C4-4A5E-80F2-9FEB1C24334B}" destId="{BC09A616-366C-4A88-8E73-7A7F4BF1CC59}" srcOrd="0" destOrd="0" parTransId="{4C3A67A0-64A0-4E7D-9234-8E0DEE6A0CC7}" sibTransId="{5B44DDF7-BF6F-4737-AEEA-F2C808A4BA47}"/>
     <dgm:cxn modelId="{3045CF67-1E58-DD4A-8C45-BAAC7A1EB53F}" type="presOf" srcId="{1160A655-40A0-F845-AFF2-4604FA5198F2}" destId="{650827AD-5C1B-B040-9193-AEF8DE7EDDA0}" srcOrd="0" destOrd="1" presId="urn:microsoft.com/office/officeart/2016/7/layout/VerticalSolidActionList"/>
+    <dgm:cxn modelId="{56C7A04A-9960-4E15-8763-894C34FA5C75}" srcId="{B85DD76C-6C00-413D-A8B2-0EF5CED13D3D}" destId="{EEE1D3DC-63F1-493A-8E63-1F509BB46275}" srcOrd="0" destOrd="0" parTransId="{19ACF387-9059-4F5B-8119-77058A3BF5AA}" sibTransId="{A77B1CC5-5968-4324-9BFB-37DA30E38E5E}"/>
     <dgm:cxn modelId="{395EBF6D-7955-7942-B5F9-2E4EA0794FC2}" type="presOf" srcId="{EEE1D3DC-63F1-493A-8E63-1F509BB46275}" destId="{A02BAD33-14E7-2046-9CC0-93A4A6558C9B}" srcOrd="0" destOrd="0" presId="urn:microsoft.com/office/officeart/2016/7/layout/VerticalSolidActionList"/>
     <dgm:cxn modelId="{F0B27778-2CAD-463D-BAD6-4027B76CDA0D}" srcId="{23289555-3535-4F4B-94FD-713700C63D60}" destId="{79BBC15A-35C4-4A5E-80F2-9FEB1C24334B}" srcOrd="2" destOrd="0" parTransId="{A045FBC6-5502-49A0-BB71-7CF428F74BB7}" sibTransId="{5504E70F-0CD9-4E6E-B6A4-D51AB6C0E47B}"/>
     <dgm:cxn modelId="{2A2C4879-BF20-2B43-9152-1C6C41AF3DE5}" type="presOf" srcId="{B85DD76C-6C00-413D-A8B2-0EF5CED13D3D}" destId="{4692BFF0-0567-B742-9928-FD98E94D1A5F}" srcOrd="0" destOrd="0" presId="urn:microsoft.com/office/officeart/2016/7/layout/VerticalSolidActionList"/>
+    <dgm:cxn modelId="{E972E359-4F43-1544-923C-E72F76ED3372}" type="presOf" srcId="{79BBC15A-35C4-4A5E-80F2-9FEB1C24334B}" destId="{002EBC43-F29B-E848-B2F6-F41E15978E1C}" srcOrd="0" destOrd="0" presId="urn:microsoft.com/office/officeart/2016/7/layout/VerticalSolidActionList"/>
     <dgm:cxn modelId="{3BB1297C-6351-454E-98AB-36B0422F21E8}" type="presOf" srcId="{45D76F1E-511E-4818-B98D-32A536427DC5}" destId="{A02BAD33-14E7-2046-9CC0-93A4A6558C9B}" srcOrd="0" destOrd="1" presId="urn:microsoft.com/office/officeart/2016/7/layout/VerticalSolidActionList"/>
     <dgm:cxn modelId="{6B488F82-A9D9-9A48-A9C8-4BE863CCE606}" type="presOf" srcId="{BC09A616-366C-4A88-8E73-7A7F4BF1CC59}" destId="{650827AD-5C1B-B040-9193-AEF8DE7EDDA0}" srcOrd="0" destOrd="0" presId="urn:microsoft.com/office/officeart/2016/7/layout/VerticalSolidActionList"/>
     <dgm:cxn modelId="{537A7987-2868-41FA-A4F4-F99FDD48FFA8}" srcId="{71AFEFC2-5D1F-431C-9604-A4694D9C3A34}" destId="{704A03BB-1EC8-439E-9FF2-00A46255708F}" srcOrd="0" destOrd="0" parTransId="{0A569658-78F3-49AE-BE55-A744DBF685F6}" sibTransId="{00F8FC8B-5D63-41F0-B370-7014D7B606F7}"/>
@@ -7982,18 +7983,18 @@
     <dgm:cxn modelId="{A4302D29-F0D0-7A4A-836F-C3EA8C5CEEF4}" type="presOf" srcId="{9366F6A8-E4AC-469C-BD3F-9C3004058FDD}" destId="{B5AFB090-1F36-CA45-938D-C6D8CFA4AD0C}" srcOrd="0" destOrd="0" presId="urn:microsoft.com/office/officeart/2016/7/layout/VerticalDownArrowProcess"/>
     <dgm:cxn modelId="{6DA2CD37-2800-4FD1-B6FE-3AE45A28F304}" srcId="{818F219C-7CD7-4CF6-8F58-5833DF30B296}" destId="{8F61A3D2-416D-4661-B87A-5D4AAEB31720}" srcOrd="0" destOrd="0" parTransId="{04D5D9C3-A914-4D65-B5B4-9355D25EEC2B}" sibTransId="{4CF8DC96-3B21-4BE1-9087-921B3ED28035}"/>
     <dgm:cxn modelId="{4652713E-E6E6-4FB3-ACC7-6E2CCD33093B}" srcId="{9366F6A8-E4AC-469C-BD3F-9C3004058FDD}" destId="{20C2E4A7-A0E5-48A4-A2A3-3B8437528D12}" srcOrd="2" destOrd="0" parTransId="{B0997933-008C-4278-8DCE-DA63880A39A4}" sibTransId="{B96C51AD-8D5C-443C-B2CE-CE3A0AEEF4F8}"/>
-    <dgm:cxn modelId="{18E15947-A8CF-3846-9E9B-4C0AA404E0B8}" type="presOf" srcId="{8DAC5310-B6A9-4114-BB68-A5F2D95557B8}" destId="{56139284-D975-7740-9B9E-E3BB130FAF37}" srcOrd="0" destOrd="1" presId="urn:microsoft.com/office/officeart/2016/7/layout/VerticalDownArrowProcess"/>
-    <dgm:cxn modelId="{7FEB2A4B-83DD-4D70-9F48-5EC27C6BC352}" srcId="{596B0AE2-9304-421A-AE82-3DAADCBBDFFC}" destId="{F70A43B2-2D70-4FAE-9A09-8DB39E721442}" srcOrd="2" destOrd="0" parTransId="{2D1CAB00-288D-46D5-BEDB-12DB497C8B93}" sibTransId="{006DFBF0-5F59-4EF7-BE09-DC44329B0430}"/>
-    <dgm:cxn modelId="{68DA9254-FFAD-504B-89A3-20F37DA192F4}" type="presOf" srcId="{4EDB3F90-4A64-4025-8E20-37C30E0DAB52}" destId="{10DCE3CC-C6A3-9A48-9D01-9978C87F4158}" srcOrd="0" destOrd="1" presId="urn:microsoft.com/office/officeart/2016/7/layout/VerticalDownArrowProcess"/>
-    <dgm:cxn modelId="{13BC7B57-3B07-DD4F-9569-D120B5C6961F}" type="presOf" srcId="{20C2E4A7-A0E5-48A4-A2A3-3B8437528D12}" destId="{57E73B7C-37D7-2E4C-9A12-C1E202590101}" srcOrd="0" destOrd="2" presId="urn:microsoft.com/office/officeart/2016/7/layout/VerticalDownArrowProcess"/>
-    <dgm:cxn modelId="{0D668859-9EA4-4ABD-844D-BC04914C51AB}" srcId="{486D2264-62EE-4B6F-8B8F-B68129E0DF9C}" destId="{596B0AE2-9304-421A-AE82-3DAADCBBDFFC}" srcOrd="2" destOrd="0" parTransId="{4FBD7C88-3F09-4905-A532-DE9A00D2F06A}" sibTransId="{30085F6F-D126-449E-AE10-1E5DCFAA6074}"/>
     <dgm:cxn modelId="{FD210562-A5E9-9F4A-AE4B-2BA772800B2A}" type="presOf" srcId="{596B0AE2-9304-421A-AE82-3DAADCBBDFFC}" destId="{4B51B68D-DCE5-C44E-9606-F21363BB3703}" srcOrd="1" destOrd="0" presId="urn:microsoft.com/office/officeart/2016/7/layout/VerticalDownArrowProcess"/>
     <dgm:cxn modelId="{DEE47963-2D9E-4B85-86E7-DC7486200E2D}" srcId="{A6C8E8ED-7A43-4F61-B125-C160FC9096D1}" destId="{5F250E43-0321-44E9-AC28-1B9B0D6724D0}" srcOrd="0" destOrd="0" parTransId="{B96E5D8A-091E-4CC7-B6D7-E72DC183DBFD}" sibTransId="{F79FF53F-8F87-4C8A-A094-9ADBA663D212}"/>
     <dgm:cxn modelId="{7E88DE65-110F-4B88-8A91-E2277AEC6963}" srcId="{486D2264-62EE-4B6F-8B8F-B68129E0DF9C}" destId="{A6C8E8ED-7A43-4F61-B125-C160FC9096D1}" srcOrd="1" destOrd="0" parTransId="{FD1E7A88-4DA2-42AC-8ADA-2F79799C765B}" sibTransId="{1FEF28A8-5F60-4551-9941-92D759E78543}"/>
     <dgm:cxn modelId="{C27C4967-8505-924B-9315-635EB24C44DB}" type="presOf" srcId="{E3B41278-9C96-40E0-87C4-CEC5C8A47162}" destId="{9F20CE5A-CDE1-B24C-A25F-9766FCBF7E86}" srcOrd="0" destOrd="1" presId="urn:microsoft.com/office/officeart/2016/7/layout/VerticalDownArrowProcess"/>
+    <dgm:cxn modelId="{18E15947-A8CF-3846-9E9B-4C0AA404E0B8}" type="presOf" srcId="{8DAC5310-B6A9-4114-BB68-A5F2D95557B8}" destId="{56139284-D975-7740-9B9E-E3BB130FAF37}" srcOrd="0" destOrd="1" presId="urn:microsoft.com/office/officeart/2016/7/layout/VerticalDownArrowProcess"/>
+    <dgm:cxn modelId="{7FEB2A4B-83DD-4D70-9F48-5EC27C6BC352}" srcId="{596B0AE2-9304-421A-AE82-3DAADCBBDFFC}" destId="{F70A43B2-2D70-4FAE-9A09-8DB39E721442}" srcOrd="2" destOrd="0" parTransId="{2D1CAB00-288D-46D5-BEDB-12DB497C8B93}" sibTransId="{006DFBF0-5F59-4EF7-BE09-DC44329B0430}"/>
     <dgm:cxn modelId="{A97F8670-F5E8-6F43-A63E-6F3C3DEE556D}" type="presOf" srcId="{A6C8E8ED-7A43-4F61-B125-C160FC9096D1}" destId="{F432E064-812D-AE40-88F0-6927F18E8908}" srcOrd="0" destOrd="0" presId="urn:microsoft.com/office/officeart/2016/7/layout/VerticalDownArrowProcess"/>
     <dgm:cxn modelId="{FE2DF570-A531-4688-8970-E62637E55280}" srcId="{9366F6A8-E4AC-469C-BD3F-9C3004058FDD}" destId="{5C22CA37-E60A-440F-B086-BBC8F335B0D3}" srcOrd="0" destOrd="0" parTransId="{D7D6D232-01E4-4B66-9C69-B884280F2E23}" sibTransId="{A101F57A-DC4B-4E2C-AAFF-0CBEDA47F5B1}"/>
     <dgm:cxn modelId="{5CAFEB72-BC09-9241-B618-CF164C0D8F09}" type="presOf" srcId="{1854B2E5-8442-4C8D-A868-FF72D8208451}" destId="{57E73B7C-37D7-2E4C-9A12-C1E202590101}" srcOrd="0" destOrd="1" presId="urn:microsoft.com/office/officeart/2016/7/layout/VerticalDownArrowProcess"/>
+    <dgm:cxn modelId="{68DA9254-FFAD-504B-89A3-20F37DA192F4}" type="presOf" srcId="{4EDB3F90-4A64-4025-8E20-37C30E0DAB52}" destId="{10DCE3CC-C6A3-9A48-9D01-9978C87F4158}" srcOrd="0" destOrd="1" presId="urn:microsoft.com/office/officeart/2016/7/layout/VerticalDownArrowProcess"/>
+    <dgm:cxn modelId="{13BC7B57-3B07-DD4F-9569-D120B5C6961F}" type="presOf" srcId="{20C2E4A7-A0E5-48A4-A2A3-3B8437528D12}" destId="{57E73B7C-37D7-2E4C-9A12-C1E202590101}" srcOrd="0" destOrd="2" presId="urn:microsoft.com/office/officeart/2016/7/layout/VerticalDownArrowProcess"/>
+    <dgm:cxn modelId="{0D668859-9EA4-4ABD-844D-BC04914C51AB}" srcId="{486D2264-62EE-4B6F-8B8F-B68129E0DF9C}" destId="{596B0AE2-9304-421A-AE82-3DAADCBBDFFC}" srcOrd="2" destOrd="0" parTransId="{4FBD7C88-3F09-4905-A532-DE9A00D2F06A}" sibTransId="{30085F6F-D126-449E-AE10-1E5DCFAA6074}"/>
     <dgm:cxn modelId="{1A10F47A-5EA8-7B43-A689-78E8CFF3FF06}" type="presOf" srcId="{5F250E43-0321-44E9-AC28-1B9B0D6724D0}" destId="{10DCE3CC-C6A3-9A48-9D01-9978C87F4158}" srcOrd="0" destOrd="0" presId="urn:microsoft.com/office/officeart/2016/7/layout/VerticalDownArrowProcess"/>
     <dgm:cxn modelId="{1B5CE27C-BA59-FC44-9718-5E775C448049}" type="presOf" srcId="{5C22CA37-E60A-440F-B086-BBC8F335B0D3}" destId="{57E73B7C-37D7-2E4C-9A12-C1E202590101}" srcOrd="0" destOrd="0" presId="urn:microsoft.com/office/officeart/2016/7/layout/VerticalDownArrowProcess"/>
     <dgm:cxn modelId="{5E6A6099-D238-6549-B8B1-FAD4386FACD5}" type="presOf" srcId="{818F219C-7CD7-4CF6-8F58-5833DF30B296}" destId="{CFDCFA59-C41F-2743-8060-BA4605C7D073}" srcOrd="0" destOrd="0" presId="urn:microsoft.com/office/officeart/2016/7/layout/VerticalDownArrowProcess"/>
@@ -9187,7 +9188,7 @@
           <a:schemeClr val="accent5">
             <a:tint val="40000"/>
             <a:alpha val="90000"/>
-            <a:hueOff val="2926865"/>
+            <a:hueOff val="2926864"/>
             <a:satOff val="9822"/>
             <a:lumOff val="1005"/>
             <a:alphaOff val="0"/>
@@ -9198,7 +9199,7 @@
             <a:schemeClr val="accent5">
               <a:tint val="40000"/>
               <a:alpha val="90000"/>
-              <a:hueOff val="2926865"/>
+              <a:hueOff val="2926864"/>
               <a:satOff val="9822"/>
               <a:lumOff val="1005"/>
               <a:alphaOff val="0"/>
@@ -9379,7 +9380,7 @@
           <a:schemeClr val="accent5">
             <a:tint val="40000"/>
             <a:alpha val="90000"/>
-            <a:hueOff val="5853731"/>
+            <a:hueOff val="5853729"/>
             <a:satOff val="19645"/>
             <a:lumOff val="2009"/>
             <a:alphaOff val="0"/>
@@ -9390,7 +9391,7 @@
             <a:schemeClr val="accent5">
               <a:tint val="40000"/>
               <a:alpha val="90000"/>
-              <a:hueOff val="5853731"/>
+              <a:hueOff val="5853729"/>
               <a:satOff val="19645"/>
               <a:lumOff val="2009"/>
               <a:alphaOff val="0"/>
@@ -9625,7 +9626,7 @@
           <a:schemeClr val="accent5">
             <a:tint val="40000"/>
             <a:alpha val="90000"/>
-            <a:hueOff val="8780596"/>
+            <a:hueOff val="8780593"/>
             <a:satOff val="29467"/>
             <a:lumOff val="3014"/>
             <a:alphaOff val="0"/>
@@ -9636,7 +9637,7 @@
             <a:schemeClr val="accent5">
               <a:tint val="40000"/>
               <a:alpha val="90000"/>
-              <a:hueOff val="8780596"/>
+              <a:hueOff val="8780593"/>
               <a:satOff val="29467"/>
               <a:lumOff val="3014"/>
               <a:alphaOff val="0"/>
@@ -10162,7 +10163,7 @@
         </a:prstGeom>
         <a:solidFill>
           <a:schemeClr val="accent2">
-            <a:hueOff val="-82826"/>
+            <a:hueOff val="-82827"/>
             <a:satOff val="-27168"/>
             <a:lumOff val="-9901"/>
             <a:alphaOff val="0"/>
@@ -10171,7 +10172,7 @@
         <a:ln w="34925" cap="flat" cmpd="sng" algn="in">
           <a:solidFill>
             <a:schemeClr val="accent2">
-              <a:hueOff val="-82826"/>
+              <a:hueOff val="-82827"/>
               <a:satOff val="-27168"/>
               <a:lumOff val="-9901"/>
               <a:alphaOff val="0"/>
@@ -10357,7 +10358,7 @@
         </a:prstGeom>
         <a:solidFill>
           <a:schemeClr val="accent2">
-            <a:hueOff val="-165653"/>
+            <a:hueOff val="-165654"/>
             <a:satOff val="-54335"/>
             <a:lumOff val="-19803"/>
             <a:alphaOff val="0"/>
@@ -10366,7 +10367,7 @@
         <a:ln w="34925" cap="flat" cmpd="sng" algn="in">
           <a:solidFill>
             <a:schemeClr val="accent2">
-              <a:hueOff val="-165653"/>
+              <a:hueOff val="-165654"/>
               <a:satOff val="-54335"/>
               <a:lumOff val="-19803"/>
               <a:alphaOff val="0"/>
@@ -10980,7 +10981,7 @@
         </a:prstGeom>
         <a:solidFill>
           <a:schemeClr val="accent2">
-            <a:hueOff val="-110435"/>
+            <a:hueOff val="-110436"/>
             <a:satOff val="-36223"/>
             <a:lumOff val="-13202"/>
             <a:alphaOff val="0"/>
@@ -10989,7 +10990,7 @@
         <a:ln w="34925" cap="flat" cmpd="sng" algn="in">
           <a:solidFill>
             <a:schemeClr val="accent2">
-              <a:hueOff val="-110435"/>
+              <a:hueOff val="-110436"/>
               <a:satOff val="-36223"/>
               <a:lumOff val="-13202"/>
               <a:alphaOff val="0"/>
@@ -11143,7 +11144,7 @@
         </a:prstGeom>
         <a:solidFill>
           <a:schemeClr val="accent2">
-            <a:hueOff val="-165653"/>
+            <a:hueOff val="-165654"/>
             <a:satOff val="-54335"/>
             <a:lumOff val="-19803"/>
             <a:alphaOff val="0"/>
@@ -11152,7 +11153,7 @@
         <a:ln w="34925" cap="flat" cmpd="sng" algn="in">
           <a:solidFill>
             <a:schemeClr val="accent2">
-              <a:hueOff val="-165653"/>
+              <a:hueOff val="-165654"/>
               <a:satOff val="-54335"/>
               <a:lumOff val="-19803"/>
               <a:alphaOff val="0"/>
@@ -13065,7 +13066,7 @@
         </a:prstGeom>
         <a:solidFill>
           <a:schemeClr val="accent2">
-            <a:hueOff val="-82826"/>
+            <a:hueOff val="-82827"/>
             <a:satOff val="-27168"/>
             <a:lumOff val="-9901"/>
             <a:alphaOff val="0"/>
@@ -13074,7 +13075,7 @@
         <a:ln w="34925" cap="flat" cmpd="sng" algn="in">
           <a:solidFill>
             <a:schemeClr val="accent2">
-              <a:hueOff val="-82826"/>
+              <a:hueOff val="-82827"/>
               <a:satOff val="-27168"/>
               <a:lumOff val="-9901"/>
               <a:alphaOff val="0"/>
@@ -13363,7 +13364,7 @@
         </a:prstGeom>
         <a:solidFill>
           <a:schemeClr val="accent2">
-            <a:hueOff val="-165653"/>
+            <a:hueOff val="-165654"/>
             <a:satOff val="-54335"/>
             <a:lumOff val="-19803"/>
             <a:alphaOff val="0"/>
@@ -13372,7 +13373,7 @@
         <a:ln w="34925" cap="flat" cmpd="sng" algn="in">
           <a:solidFill>
             <a:schemeClr val="accent2">
-              <a:hueOff val="-165653"/>
+              <a:hueOff val="-165654"/>
               <a:satOff val="-54335"/>
               <a:lumOff val="-19803"/>
               <a:alphaOff val="0"/>
@@ -21438,7 +21439,7 @@
           <a:p>
             <a:fld id="{5DC7FEA7-B2E8-E247-A911-16F0E02D9F01}" type="datetimeFigureOut">
               <a:rPr lang="en-US" smtClean="0"/>
-              <a:t>10/29/24</a:t>
+              <a:t>11/7/2024</a:t>
             </a:fld>
             <a:endParaRPr lang="en-US"/>
           </a:p>
@@ -21981,7 +21982,7 @@
           <a:p>
             <a:fld id="{A244D7B1-FEC8-414F-9653-CF4E963279F3}" type="datetimeFigureOut">
               <a:rPr lang="en-US" smtClean="0"/>
-              <a:t>10/29/24</a:t>
+              <a:t>11/7/2024</a:t>
             </a:fld>
             <a:endParaRPr lang="en-US"/>
           </a:p>
@@ -22311,7 +22312,7 @@
           <a:p>
             <a:fld id="{A244D7B1-FEC8-414F-9653-CF4E963279F3}" type="datetimeFigureOut">
               <a:rPr lang="en-US" smtClean="0"/>
-              <a:t>10/29/24</a:t>
+              <a:t>11/7/2024</a:t>
             </a:fld>
             <a:endParaRPr lang="en-US"/>
           </a:p>
@@ -22491,7 +22492,7 @@
           <a:p>
             <a:fld id="{A244D7B1-FEC8-414F-9653-CF4E963279F3}" type="datetimeFigureOut">
               <a:rPr lang="en-US" smtClean="0"/>
-              <a:t>10/29/24</a:t>
+              <a:t>11/7/2024</a:t>
             </a:fld>
             <a:endParaRPr lang="en-US"/>
           </a:p>
@@ -22661,7 +22662,7 @@
           <a:p>
             <a:fld id="{A244D7B1-FEC8-414F-9653-CF4E963279F3}" type="datetimeFigureOut">
               <a:rPr lang="en-US" smtClean="0"/>
-              <a:t>10/29/24</a:t>
+              <a:t>11/7/2024</a:t>
             </a:fld>
             <a:endParaRPr lang="en-US"/>
           </a:p>
@@ -22938,7 +22939,7 @@
           <a:p>
             <a:fld id="{A244D7B1-FEC8-414F-9653-CF4E963279F3}" type="datetimeFigureOut">
               <a:rPr lang="en-US" smtClean="0"/>
-              <a:t>10/29/24</a:t>
+              <a:t>11/7/2024</a:t>
             </a:fld>
             <a:endParaRPr lang="en-US"/>
           </a:p>
@@ -23332,7 +23333,7 @@
           <a:p>
             <a:fld id="{A244D7B1-FEC8-414F-9653-CF4E963279F3}" type="datetimeFigureOut">
               <a:rPr lang="en-US" smtClean="0"/>
-              <a:t>10/29/24</a:t>
+              <a:t>11/7/2024</a:t>
             </a:fld>
             <a:endParaRPr lang="en-US"/>
           </a:p>
@@ -23809,7 +23810,7 @@
           <a:p>
             <a:fld id="{A244D7B1-FEC8-414F-9653-CF4E963279F3}" type="datetimeFigureOut">
               <a:rPr lang="en-US" smtClean="0"/>
-              <a:t>10/29/24</a:t>
+              <a:t>11/7/2024</a:t>
             </a:fld>
             <a:endParaRPr lang="en-US"/>
           </a:p>
@@ -23927,7 +23928,7 @@
           <a:p>
             <a:fld id="{A244D7B1-FEC8-414F-9653-CF4E963279F3}" type="datetimeFigureOut">
               <a:rPr lang="en-US" smtClean="0"/>
-              <a:t>10/29/24</a:t>
+              <a:t>11/7/2024</a:t>
             </a:fld>
             <a:endParaRPr lang="en-US"/>
           </a:p>
@@ -24022,7 +24023,7 @@
           <a:p>
             <a:fld id="{A244D7B1-FEC8-414F-9653-CF4E963279F3}" type="datetimeFigureOut">
               <a:rPr lang="en-US" smtClean="0"/>
-              <a:t>10/29/24</a:t>
+              <a:t>11/7/2024</a:t>
             </a:fld>
             <a:endParaRPr lang="en-US"/>
           </a:p>
@@ -24368,7 +24369,7 @@
           <a:p>
             <a:fld id="{A244D7B1-FEC8-414F-9653-CF4E963279F3}" type="datetimeFigureOut">
               <a:rPr lang="en-US" smtClean="0"/>
-              <a:t>10/29/24</a:t>
+              <a:t>11/7/2024</a:t>
             </a:fld>
             <a:endParaRPr lang="en-US"/>
           </a:p>
@@ -24756,7 +24757,7 @@
           <a:p>
             <a:fld id="{A244D7B1-FEC8-414F-9653-CF4E963279F3}" type="datetimeFigureOut">
               <a:rPr lang="en-US" smtClean="0"/>
-              <a:t>10/29/24</a:t>
+              <a:t>11/7/2024</a:t>
             </a:fld>
             <a:endParaRPr lang="en-US"/>
           </a:p>
@@ -25034,7 +25035,7 @@
           <a:p>
             <a:fld id="{A244D7B1-FEC8-414F-9653-CF4E963279F3}" type="datetimeFigureOut">
               <a:rPr lang="en-US" smtClean="0"/>
-              <a:t>10/29/24</a:t>
+              <a:t>11/7/2024</a:t>
             </a:fld>
             <a:endParaRPr lang="en-US"/>
           </a:p>
@@ -25606,6 +25607,293 @@
     <p:extLst>
       <p:ext uri="{BB962C8B-B14F-4D97-AF65-F5344CB8AC3E}">
         <p14:creationId xmlns:p14="http://schemas.microsoft.com/office/powerpoint/2010/main" val="3036771178"/>
+      </p:ext>
+    </p:extLst>
+  </p:cSld>
+  <p:clrMapOvr>
+    <a:masterClrMapping/>
+  </p:clrMapOvr>
+</p:sld>
+</file>
+
+<file path=ppt/slides/slide10.xml><?xml version="1.0" encoding="utf-8"?>
+<p:sld xmlns:a="http://schemas.openxmlformats.org/drawingml/2006/main" xmlns:r="http://schemas.openxmlformats.org/officeDocument/2006/relationships" xmlns:p="http://schemas.openxmlformats.org/presentationml/2006/main">
+  <p:cSld>
+    <p:bg>
+      <p:bgPr>
+        <a:solidFill>
+          <a:schemeClr val="bg2"/>
+        </a:solidFill>
+        <a:effectLst/>
+      </p:bgPr>
+    </p:bg>
+    <p:spTree>
+      <p:nvGrpSpPr>
+        <p:cNvPr id="1" name="">
+          <a:extLst>
+            <a:ext uri="{FF2B5EF4-FFF2-40B4-BE49-F238E27FC236}">
+              <a16:creationId xmlns:a16="http://schemas.microsoft.com/office/drawing/2014/main" id="{AD7CF0F3-9668-DD46-AFB8-75ACDEACD211}"/>
+            </a:ext>
+          </a:extLst>
+        </p:cNvPr>
+        <p:cNvGrpSpPr/>
+        <p:nvPr/>
+      </p:nvGrpSpPr>
+      <p:grpSpPr>
+        <a:xfrm>
+          <a:off x="0" y="0"/>
+          <a:ext cx="0" cy="0"/>
+          <a:chOff x="0" y="0"/>
+          <a:chExt cx="0" cy="0"/>
+        </a:xfrm>
+      </p:grpSpPr>
+      <p:sp>
+        <p:nvSpPr>
+          <p:cNvPr id="12" name="Rectangle 11">
+            <a:extLst>
+              <a:ext uri="{FF2B5EF4-FFF2-40B4-BE49-F238E27FC236}">
+                <a16:creationId xmlns:a16="http://schemas.microsoft.com/office/drawing/2014/main" id="{A93D97C6-63EF-4CA6-B01D-25E2772DC9EF}"/>
+              </a:ext>
+              <a:ext uri="{C183D7F6-B498-43B3-948B-1728B52AA6E4}">
+                <adec:decorative xmlns:adec="http://schemas.microsoft.com/office/drawing/2017/decorative" val="1"/>
+              </a:ext>
+            </a:extLst>
+          </p:cNvPr>
+          <p:cNvSpPr>
+            <a:spLocks noGrp="1" noRot="1" noChangeAspect="1" noMove="1" noResize="1" noEditPoints="1" noAdjustHandles="1" noChangeArrowheads="1" noChangeShapeType="1" noTextEdit="1"/>
+          </p:cNvSpPr>
+          <p:nvPr>
+            <p:extLst>
+              <p:ext uri="{386F3935-93C4-4BCD-93E2-E3B085C9AB24}">
+                <p16:designElem xmlns:p16="http://schemas.microsoft.com/office/powerpoint/2015/main" val="1"/>
+              </p:ext>
+            </p:extLst>
+          </p:nvPr>
+        </p:nvSpPr>
+        <p:spPr>
+          <a:xfrm>
+            <a:off x="0" y="0"/>
+            <a:ext cx="12192000" cy="6858000"/>
+          </a:xfrm>
+          <a:prstGeom prst="rect">
+            <a:avLst/>
+          </a:prstGeom>
+          <a:solidFill>
+            <a:schemeClr val="bg2"/>
+          </a:solidFill>
+          <a:ln>
+            <a:noFill/>
+          </a:ln>
+        </p:spPr>
+        <p:style>
+          <a:lnRef idx="2">
+            <a:schemeClr val="accent1">
+              <a:shade val="50000"/>
+            </a:schemeClr>
+          </a:lnRef>
+          <a:fillRef idx="1">
+            <a:schemeClr val="accent1"/>
+          </a:fillRef>
+          <a:effectRef idx="0">
+            <a:schemeClr val="accent1"/>
+          </a:effectRef>
+          <a:fontRef idx="minor">
+            <a:schemeClr val="lt1"/>
+          </a:fontRef>
+        </p:style>
+        <p:txBody>
+          <a:bodyPr rtlCol="0" anchor="ctr"/>
+          <a:lstStyle/>
+          <a:p>
+            <a:pPr algn="ctr"/>
+            <a:endParaRPr lang="en-US"/>
+          </a:p>
+        </p:txBody>
+      </p:sp>
+      <p:sp>
+        <p:nvSpPr>
+          <p:cNvPr id="2" name="Title 1">
+            <a:extLst>
+              <a:ext uri="{FF2B5EF4-FFF2-40B4-BE49-F238E27FC236}">
+                <a16:creationId xmlns:a16="http://schemas.microsoft.com/office/drawing/2014/main" id="{C487FC23-74CA-98F9-6097-9DBF937034F2}"/>
+              </a:ext>
+            </a:extLst>
+          </p:cNvPr>
+          <p:cNvSpPr>
+            <a:spLocks noGrp="1"/>
+          </p:cNvSpPr>
+          <p:nvPr>
+            <p:ph type="title"/>
+          </p:nvPr>
+        </p:nvSpPr>
+        <p:spPr>
+          <a:xfrm>
+            <a:off x="5100824" y="685800"/>
+            <a:ext cx="6176776" cy="1485900"/>
+          </a:xfrm>
+        </p:spPr>
+        <p:txBody>
+          <a:bodyPr>
+            <a:normAutofit/>
+          </a:bodyPr>
+          <a:lstStyle/>
+          <a:p>
+            <a:r>
+              <a:rPr lang="en-US" sz="3400"/>
+              <a:t>Bonus Exercise: Writing a Basic Terraform Configuration and Running Plan</a:t>
+            </a:r>
+          </a:p>
+        </p:txBody>
+      </p:sp>
+      <p:pic>
+        <p:nvPicPr>
+          <p:cNvPr id="7" name="Graphic 6" descr="Wrench">
+            <a:extLst>
+              <a:ext uri="{FF2B5EF4-FFF2-40B4-BE49-F238E27FC236}">
+                <a16:creationId xmlns:a16="http://schemas.microsoft.com/office/drawing/2014/main" id="{61589604-021D-CEC8-6F14-3F409DC2BD40}"/>
+              </a:ext>
+            </a:extLst>
+          </p:cNvPr>
+          <p:cNvPicPr>
+            <a:picLocks noChangeAspect="1"/>
+          </p:cNvPicPr>
+          <p:nvPr/>
+        </p:nvPicPr>
+        <p:blipFill>
+          <a:blip r:embed="rId2">
+            <a:extLst>
+              <a:ext uri="{28A0092B-C50C-407E-A947-70E740481C1C}">
+                <a14:useLocalDpi xmlns:a14="http://schemas.microsoft.com/office/drawing/2010/main" val="0"/>
+              </a:ext>
+              <a:ext uri="{96DAC541-7B7A-43D3-8B79-37D633B846F1}">
+                <asvg:svgBlip xmlns:asvg="http://schemas.microsoft.com/office/drawing/2016/SVG/main" r:embed="rId3"/>
+              </a:ext>
+            </a:extLst>
+          </a:blip>
+          <a:stretch>
+            <a:fillRect/>
+          </a:stretch>
+        </p:blipFill>
+        <p:spPr>
+          <a:xfrm>
+            <a:off x="634276" y="1881930"/>
+            <a:ext cx="3093388" cy="3093388"/>
+          </a:xfrm>
+          <a:prstGeom prst="rect">
+            <a:avLst/>
+          </a:prstGeom>
+        </p:spPr>
+      </p:pic>
+      <p:sp>
+        <p:nvSpPr>
+          <p:cNvPr id="14" name="Rectangle 13">
+            <a:extLst>
+              <a:ext uri="{FF2B5EF4-FFF2-40B4-BE49-F238E27FC236}">
+                <a16:creationId xmlns:a16="http://schemas.microsoft.com/office/drawing/2014/main" id="{5DA4A40B-EDCE-42FC-B189-AEFB4F82E818}"/>
+              </a:ext>
+              <a:ext uri="{C183D7F6-B498-43B3-948B-1728B52AA6E4}">
+                <adec:decorative xmlns:adec="http://schemas.microsoft.com/office/drawing/2017/decorative" val="1"/>
+              </a:ext>
+            </a:extLst>
+          </p:cNvPr>
+          <p:cNvSpPr>
+            <a:spLocks noGrp="1" noRot="1" noChangeAspect="1" noMove="1" noResize="1" noEditPoints="1" noAdjustHandles="1" noChangeArrowheads="1" noChangeShapeType="1" noTextEdit="1"/>
+          </p:cNvSpPr>
+          <p:nvPr>
+            <p:extLst>
+              <p:ext uri="{386F3935-93C4-4BCD-93E2-E3B085C9AB24}">
+                <p16:designElem xmlns:p16="http://schemas.microsoft.com/office/powerpoint/2015/main" val="1"/>
+              </p:ext>
+            </p:extLst>
+          </p:nvPr>
+        </p:nvSpPr>
+        <p:spPr>
+          <a:xfrm>
+            <a:off x="4373545" y="376"/>
+            <a:ext cx="228600" cy="6858000"/>
+          </a:xfrm>
+          <a:prstGeom prst="rect">
+            <a:avLst/>
+          </a:prstGeom>
+          <a:solidFill>
+            <a:schemeClr val="tx2"/>
+          </a:solidFill>
+          <a:ln>
+            <a:noFill/>
+          </a:ln>
+        </p:spPr>
+        <p:style>
+          <a:lnRef idx="2">
+            <a:schemeClr val="accent1">
+              <a:shade val="50000"/>
+            </a:schemeClr>
+          </a:lnRef>
+          <a:fillRef idx="1">
+            <a:schemeClr val="accent1"/>
+          </a:fillRef>
+          <a:effectRef idx="0">
+            <a:schemeClr val="accent1"/>
+          </a:effectRef>
+          <a:fontRef idx="minor">
+            <a:schemeClr val="lt1"/>
+          </a:fontRef>
+        </p:style>
+        <p:txBody>
+          <a:bodyPr/>
+          <a:lstStyle/>
+          <a:p>
+            <a:endParaRPr lang="en-US"/>
+          </a:p>
+        </p:txBody>
+      </p:sp>
+      <p:sp>
+        <p:nvSpPr>
+          <p:cNvPr id="3" name="Content Placeholder 2">
+            <a:extLst>
+              <a:ext uri="{FF2B5EF4-FFF2-40B4-BE49-F238E27FC236}">
+                <a16:creationId xmlns:a16="http://schemas.microsoft.com/office/drawing/2014/main" id="{BF50C29A-B702-E758-FDE6-D51EDDD489EB}"/>
+              </a:ext>
+            </a:extLst>
+          </p:cNvPr>
+          <p:cNvSpPr>
+            <a:spLocks noGrp="1"/>
+          </p:cNvSpPr>
+          <p:nvPr>
+            <p:ph idx="1"/>
+          </p:nvPr>
+        </p:nvSpPr>
+        <p:spPr>
+          <a:xfrm>
+            <a:off x="5100824" y="2286000"/>
+            <a:ext cx="6176776" cy="3581400"/>
+          </a:xfrm>
+        </p:spPr>
+        <p:txBody>
+          <a:bodyPr>
+            <a:normAutofit/>
+          </a:bodyPr>
+          <a:lstStyle/>
+          <a:p>
+            <a:pPr marL="0" indent="0">
+              <a:buNone/>
+            </a:pPr>
+            <a:r>
+              <a:rPr lang="en-US"/>
+              <a:t>Exercise Objective:</a:t>
+            </a:r>
+          </a:p>
+          <a:p>
+            <a:r>
+              <a:rPr lang="en-US"/>
+              <a:t>Participants will write a basic Terraform configuration that defines an Azure resource (e.g., a Resource Group or Virtual Network) and then run terraform plan to preview the changes Terraform would make.</a:t>
+            </a:r>
+          </a:p>
+        </p:txBody>
+      </p:sp>
+    </p:spTree>
+    <p:extLst>
+      <p:ext uri="{BB962C8B-B14F-4D97-AF65-F5344CB8AC3E}">
+        <p14:creationId xmlns:p14="http://schemas.microsoft.com/office/powerpoint/2010/main" val="2701023975"/>
       </p:ext>
     </p:extLst>
   </p:cSld>
@@ -26513,6 +26801,203 @@
 <file path=ppt/slides/slide8.xml><?xml version="1.0" encoding="utf-8"?>
 <p:sld xmlns:a="http://schemas.openxmlformats.org/drawingml/2006/main" xmlns:r="http://schemas.openxmlformats.org/officeDocument/2006/relationships" xmlns:p="http://schemas.openxmlformats.org/presentationml/2006/main">
   <p:cSld>
+    <p:spTree>
+      <p:nvGrpSpPr>
+        <p:cNvPr id="1" name="">
+          <a:extLst>
+            <a:ext uri="{FF2B5EF4-FFF2-40B4-BE49-F238E27FC236}">
+              <a16:creationId xmlns:a16="http://schemas.microsoft.com/office/drawing/2014/main" id="{6BB319E2-81A2-8DC8-0C4E-F3D78B4441D7}"/>
+            </a:ext>
+          </a:extLst>
+        </p:cNvPr>
+        <p:cNvGrpSpPr/>
+        <p:nvPr/>
+      </p:nvGrpSpPr>
+      <p:grpSpPr>
+        <a:xfrm>
+          <a:off x="0" y="0"/>
+          <a:ext cx="0" cy="0"/>
+          <a:chOff x="0" y="0"/>
+          <a:chExt cx="0" cy="0"/>
+        </a:xfrm>
+      </p:grpSpPr>
+      <p:sp>
+        <p:nvSpPr>
+          <p:cNvPr id="2" name="Title 1">
+            <a:extLst>
+              <a:ext uri="{FF2B5EF4-FFF2-40B4-BE49-F238E27FC236}">
+                <a16:creationId xmlns:a16="http://schemas.microsoft.com/office/drawing/2014/main" id="{43F50855-9D87-0338-DF06-DE148A667EA9}"/>
+              </a:ext>
+            </a:extLst>
+          </p:cNvPr>
+          <p:cNvSpPr>
+            <a:spLocks noGrp="1"/>
+          </p:cNvSpPr>
+          <p:nvPr>
+            <p:ph type="title"/>
+          </p:nvPr>
+        </p:nvSpPr>
+        <p:spPr>
+          <a:xfrm>
+            <a:off x="5100824" y="685800"/>
+            <a:ext cx="6176776" cy="1485900"/>
+          </a:xfrm>
+        </p:spPr>
+        <p:txBody>
+          <a:bodyPr>
+            <a:normAutofit fontScale="90000"/>
+          </a:bodyPr>
+          <a:lstStyle/>
+          <a:p>
+            <a:r>
+              <a:rPr lang="en-US" sz="3700" dirty="0"/>
+              <a:t>Configure Terraform in Azure Cloud Shell with Azure PowerShell</a:t>
+            </a:r>
+          </a:p>
+        </p:txBody>
+      </p:sp>
+      <p:pic>
+        <p:nvPicPr>
+          <p:cNvPr id="7" name="Graphic 6" descr="Wrench">
+            <a:extLst>
+              <a:ext uri="{FF2B5EF4-FFF2-40B4-BE49-F238E27FC236}">
+                <a16:creationId xmlns:a16="http://schemas.microsoft.com/office/drawing/2014/main" id="{3157E068-3AE5-4CD4-A106-0E79E1C65B7C}"/>
+              </a:ext>
+            </a:extLst>
+          </p:cNvPr>
+          <p:cNvPicPr>
+            <a:picLocks noChangeAspect="1"/>
+          </p:cNvPicPr>
+          <p:nvPr/>
+        </p:nvPicPr>
+        <p:blipFill>
+          <a:blip r:embed="rId2">
+            <a:extLst>
+              <a:ext uri="{28A0092B-C50C-407E-A947-70E740481C1C}">
+                <a14:useLocalDpi xmlns:a14="http://schemas.microsoft.com/office/drawing/2010/main" val="0"/>
+              </a:ext>
+              <a:ext uri="{96DAC541-7B7A-43D3-8B79-37D633B846F1}">
+                <asvg:svgBlip xmlns:asvg="http://schemas.microsoft.com/office/drawing/2016/SVG/main" r:embed="rId3"/>
+              </a:ext>
+            </a:extLst>
+          </a:blip>
+          <a:stretch>
+            <a:fillRect/>
+          </a:stretch>
+        </p:blipFill>
+        <p:spPr>
+          <a:xfrm>
+            <a:off x="634276" y="1881930"/>
+            <a:ext cx="3093388" cy="3093388"/>
+          </a:xfrm>
+          <a:prstGeom prst="rect">
+            <a:avLst/>
+          </a:prstGeom>
+        </p:spPr>
+      </p:pic>
+      <p:sp>
+        <p:nvSpPr>
+          <p:cNvPr id="3" name="Content Placeholder 2">
+            <a:extLst>
+              <a:ext uri="{FF2B5EF4-FFF2-40B4-BE49-F238E27FC236}">
+                <a16:creationId xmlns:a16="http://schemas.microsoft.com/office/drawing/2014/main" id="{D84DF131-F121-B519-F334-3A757CE555CD}"/>
+              </a:ext>
+            </a:extLst>
+          </p:cNvPr>
+          <p:cNvSpPr>
+            <a:spLocks noGrp="1"/>
+          </p:cNvSpPr>
+          <p:nvPr>
+            <p:ph idx="1"/>
+          </p:nvPr>
+        </p:nvSpPr>
+        <p:spPr>
+          <a:xfrm>
+            <a:off x="5100824" y="2286000"/>
+            <a:ext cx="6176776" cy="3581400"/>
+          </a:xfrm>
+        </p:spPr>
+        <p:txBody>
+          <a:bodyPr>
+            <a:normAutofit/>
+          </a:bodyPr>
+          <a:lstStyle/>
+          <a:p>
+            <a:r>
+              <a:rPr lang="en-US" sz="1400" b="1" dirty="0"/>
+              <a:t>Objective</a:t>
+            </a:r>
+            <a:r>
+              <a:rPr lang="en-US" sz="1400" dirty="0"/>
+              <a:t>: Confirm that Terraform is set up on Azure subscription.</a:t>
+            </a:r>
+          </a:p>
+          <a:p>
+            <a:r>
+              <a:rPr lang="en-US" sz="1400" b="1" dirty="0"/>
+              <a:t>Steps</a:t>
+            </a:r>
+            <a:r>
+              <a:rPr lang="en-US" sz="1400" dirty="0"/>
+              <a:t>:</a:t>
+            </a:r>
+          </a:p>
+          <a:p>
+            <a:pPr lvl="1"/>
+            <a:r>
+              <a:rPr lang="en-US" sz="1400" dirty="0"/>
+              <a:t>Configure your environment</a:t>
+            </a:r>
+          </a:p>
+          <a:p>
+            <a:pPr lvl="1"/>
+            <a:r>
+              <a:rPr lang="en-US" sz="1400" dirty="0"/>
+              <a:t>Open Cloud Shell</a:t>
+            </a:r>
+          </a:p>
+          <a:p>
+            <a:pPr lvl="1"/>
+            <a:r>
+              <a:rPr lang="en-US" sz="1400" dirty="0"/>
+              <a:t>Get Version of Terraform</a:t>
+            </a:r>
+          </a:p>
+          <a:p>
+            <a:pPr lvl="1"/>
+            <a:r>
+              <a:rPr lang="en-US" sz="1400" dirty="0"/>
+              <a:t>Verify the default Azure subscription</a:t>
+            </a:r>
+          </a:p>
+          <a:p>
+            <a:r>
+              <a:rPr lang="en-US" sz="1400" b="1" dirty="0"/>
+              <a:t>Verification</a:t>
+            </a:r>
+            <a:r>
+              <a:rPr lang="en-US" sz="1400" dirty="0"/>
+              <a:t>: Ensure that the default Azure subscription has Terraform configured correctly.</a:t>
+            </a:r>
+          </a:p>
+        </p:txBody>
+      </p:sp>
+    </p:spTree>
+    <p:extLst>
+      <p:ext uri="{BB962C8B-B14F-4D97-AF65-F5344CB8AC3E}">
+        <p14:creationId xmlns:p14="http://schemas.microsoft.com/office/powerpoint/2010/main" val="2877939100"/>
+      </p:ext>
+    </p:extLst>
+  </p:cSld>
+  <p:clrMapOvr>
+    <a:masterClrMapping/>
+  </p:clrMapOvr>
+</p:sld>
+</file>
+
+<file path=ppt/slides/slide9.xml><?xml version="1.0" encoding="utf-8"?>
+<p:sld xmlns:a="http://schemas.openxmlformats.org/drawingml/2006/main" xmlns:r="http://schemas.openxmlformats.org/officeDocument/2006/relationships" xmlns:p="http://schemas.openxmlformats.org/presentationml/2006/main">
+  <p:cSld>
     <p:bg>
       <p:bgPr>
         <a:solidFill>
@@ -26838,293 +27323,6 @@
     <p:extLst>
       <p:ext uri="{BB962C8B-B14F-4D97-AF65-F5344CB8AC3E}">
         <p14:creationId xmlns:p14="http://schemas.microsoft.com/office/powerpoint/2010/main" val="3589051225"/>
-      </p:ext>
-    </p:extLst>
-  </p:cSld>
-  <p:clrMapOvr>
-    <a:masterClrMapping/>
-  </p:clrMapOvr>
-</p:sld>
-</file>
-
-<file path=ppt/slides/slide9.xml><?xml version="1.0" encoding="utf-8"?>
-<p:sld xmlns:a="http://schemas.openxmlformats.org/drawingml/2006/main" xmlns:r="http://schemas.openxmlformats.org/officeDocument/2006/relationships" xmlns:p="http://schemas.openxmlformats.org/presentationml/2006/main">
-  <p:cSld>
-    <p:bg>
-      <p:bgPr>
-        <a:solidFill>
-          <a:schemeClr val="bg2"/>
-        </a:solidFill>
-        <a:effectLst/>
-      </p:bgPr>
-    </p:bg>
-    <p:spTree>
-      <p:nvGrpSpPr>
-        <p:cNvPr id="1" name="">
-          <a:extLst>
-            <a:ext uri="{FF2B5EF4-FFF2-40B4-BE49-F238E27FC236}">
-              <a16:creationId xmlns:a16="http://schemas.microsoft.com/office/drawing/2014/main" id="{AD7CF0F3-9668-DD46-AFB8-75ACDEACD211}"/>
-            </a:ext>
-          </a:extLst>
-        </p:cNvPr>
-        <p:cNvGrpSpPr/>
-        <p:nvPr/>
-      </p:nvGrpSpPr>
-      <p:grpSpPr>
-        <a:xfrm>
-          <a:off x="0" y="0"/>
-          <a:ext cx="0" cy="0"/>
-          <a:chOff x="0" y="0"/>
-          <a:chExt cx="0" cy="0"/>
-        </a:xfrm>
-      </p:grpSpPr>
-      <p:sp>
-        <p:nvSpPr>
-          <p:cNvPr id="12" name="Rectangle 11">
-            <a:extLst>
-              <a:ext uri="{FF2B5EF4-FFF2-40B4-BE49-F238E27FC236}">
-                <a16:creationId xmlns:a16="http://schemas.microsoft.com/office/drawing/2014/main" id="{A93D97C6-63EF-4CA6-B01D-25E2772DC9EF}"/>
-              </a:ext>
-              <a:ext uri="{C183D7F6-B498-43B3-948B-1728B52AA6E4}">
-                <adec:decorative xmlns:adec="http://schemas.microsoft.com/office/drawing/2017/decorative" val="1"/>
-              </a:ext>
-            </a:extLst>
-          </p:cNvPr>
-          <p:cNvSpPr>
-            <a:spLocks noGrp="1" noRot="1" noChangeAspect="1" noMove="1" noResize="1" noEditPoints="1" noAdjustHandles="1" noChangeArrowheads="1" noChangeShapeType="1" noTextEdit="1"/>
-          </p:cNvSpPr>
-          <p:nvPr>
-            <p:extLst>
-              <p:ext uri="{386F3935-93C4-4BCD-93E2-E3B085C9AB24}">
-                <p16:designElem xmlns:p16="http://schemas.microsoft.com/office/powerpoint/2015/main" val="1"/>
-              </p:ext>
-            </p:extLst>
-          </p:nvPr>
-        </p:nvSpPr>
-        <p:spPr>
-          <a:xfrm>
-            <a:off x="0" y="0"/>
-            <a:ext cx="12192000" cy="6858000"/>
-          </a:xfrm>
-          <a:prstGeom prst="rect">
-            <a:avLst/>
-          </a:prstGeom>
-          <a:solidFill>
-            <a:schemeClr val="bg2"/>
-          </a:solidFill>
-          <a:ln>
-            <a:noFill/>
-          </a:ln>
-        </p:spPr>
-        <p:style>
-          <a:lnRef idx="2">
-            <a:schemeClr val="accent1">
-              <a:shade val="50000"/>
-            </a:schemeClr>
-          </a:lnRef>
-          <a:fillRef idx="1">
-            <a:schemeClr val="accent1"/>
-          </a:fillRef>
-          <a:effectRef idx="0">
-            <a:schemeClr val="accent1"/>
-          </a:effectRef>
-          <a:fontRef idx="minor">
-            <a:schemeClr val="lt1"/>
-          </a:fontRef>
-        </p:style>
-        <p:txBody>
-          <a:bodyPr rtlCol="0" anchor="ctr"/>
-          <a:lstStyle/>
-          <a:p>
-            <a:pPr algn="ctr"/>
-            <a:endParaRPr lang="en-US"/>
-          </a:p>
-        </p:txBody>
-      </p:sp>
-      <p:sp>
-        <p:nvSpPr>
-          <p:cNvPr id="2" name="Title 1">
-            <a:extLst>
-              <a:ext uri="{FF2B5EF4-FFF2-40B4-BE49-F238E27FC236}">
-                <a16:creationId xmlns:a16="http://schemas.microsoft.com/office/drawing/2014/main" id="{C487FC23-74CA-98F9-6097-9DBF937034F2}"/>
-              </a:ext>
-            </a:extLst>
-          </p:cNvPr>
-          <p:cNvSpPr>
-            <a:spLocks noGrp="1"/>
-          </p:cNvSpPr>
-          <p:nvPr>
-            <p:ph type="title"/>
-          </p:nvPr>
-        </p:nvSpPr>
-        <p:spPr>
-          <a:xfrm>
-            <a:off x="5100824" y="685800"/>
-            <a:ext cx="6176776" cy="1485900"/>
-          </a:xfrm>
-        </p:spPr>
-        <p:txBody>
-          <a:bodyPr>
-            <a:normAutofit/>
-          </a:bodyPr>
-          <a:lstStyle/>
-          <a:p>
-            <a:r>
-              <a:rPr lang="en-US" sz="3400"/>
-              <a:t>Bonus Exercise: Writing a Basic Terraform Configuration and Running Plan</a:t>
-            </a:r>
-          </a:p>
-        </p:txBody>
-      </p:sp>
-      <p:pic>
-        <p:nvPicPr>
-          <p:cNvPr id="7" name="Graphic 6" descr="Wrench">
-            <a:extLst>
-              <a:ext uri="{FF2B5EF4-FFF2-40B4-BE49-F238E27FC236}">
-                <a16:creationId xmlns:a16="http://schemas.microsoft.com/office/drawing/2014/main" id="{61589604-021D-CEC8-6F14-3F409DC2BD40}"/>
-              </a:ext>
-            </a:extLst>
-          </p:cNvPr>
-          <p:cNvPicPr>
-            <a:picLocks noChangeAspect="1"/>
-          </p:cNvPicPr>
-          <p:nvPr/>
-        </p:nvPicPr>
-        <p:blipFill>
-          <a:blip r:embed="rId2">
-            <a:extLst>
-              <a:ext uri="{28A0092B-C50C-407E-A947-70E740481C1C}">
-                <a14:useLocalDpi xmlns:a14="http://schemas.microsoft.com/office/drawing/2010/main" val="0"/>
-              </a:ext>
-              <a:ext uri="{96DAC541-7B7A-43D3-8B79-37D633B846F1}">
-                <asvg:svgBlip xmlns:asvg="http://schemas.microsoft.com/office/drawing/2016/SVG/main" r:embed="rId3"/>
-              </a:ext>
-            </a:extLst>
-          </a:blip>
-          <a:stretch>
-            <a:fillRect/>
-          </a:stretch>
-        </p:blipFill>
-        <p:spPr>
-          <a:xfrm>
-            <a:off x="634276" y="1881930"/>
-            <a:ext cx="3093388" cy="3093388"/>
-          </a:xfrm>
-          <a:prstGeom prst="rect">
-            <a:avLst/>
-          </a:prstGeom>
-        </p:spPr>
-      </p:pic>
-      <p:sp>
-        <p:nvSpPr>
-          <p:cNvPr id="14" name="Rectangle 13">
-            <a:extLst>
-              <a:ext uri="{FF2B5EF4-FFF2-40B4-BE49-F238E27FC236}">
-                <a16:creationId xmlns:a16="http://schemas.microsoft.com/office/drawing/2014/main" id="{5DA4A40B-EDCE-42FC-B189-AEFB4F82E818}"/>
-              </a:ext>
-              <a:ext uri="{C183D7F6-B498-43B3-948B-1728B52AA6E4}">
-                <adec:decorative xmlns:adec="http://schemas.microsoft.com/office/drawing/2017/decorative" val="1"/>
-              </a:ext>
-            </a:extLst>
-          </p:cNvPr>
-          <p:cNvSpPr>
-            <a:spLocks noGrp="1" noRot="1" noChangeAspect="1" noMove="1" noResize="1" noEditPoints="1" noAdjustHandles="1" noChangeArrowheads="1" noChangeShapeType="1" noTextEdit="1"/>
-          </p:cNvSpPr>
-          <p:nvPr>
-            <p:extLst>
-              <p:ext uri="{386F3935-93C4-4BCD-93E2-E3B085C9AB24}">
-                <p16:designElem xmlns:p16="http://schemas.microsoft.com/office/powerpoint/2015/main" val="1"/>
-              </p:ext>
-            </p:extLst>
-          </p:nvPr>
-        </p:nvSpPr>
-        <p:spPr>
-          <a:xfrm>
-            <a:off x="4373545" y="376"/>
-            <a:ext cx="228600" cy="6858000"/>
-          </a:xfrm>
-          <a:prstGeom prst="rect">
-            <a:avLst/>
-          </a:prstGeom>
-          <a:solidFill>
-            <a:schemeClr val="tx2"/>
-          </a:solidFill>
-          <a:ln>
-            <a:noFill/>
-          </a:ln>
-        </p:spPr>
-        <p:style>
-          <a:lnRef idx="2">
-            <a:schemeClr val="accent1">
-              <a:shade val="50000"/>
-            </a:schemeClr>
-          </a:lnRef>
-          <a:fillRef idx="1">
-            <a:schemeClr val="accent1"/>
-          </a:fillRef>
-          <a:effectRef idx="0">
-            <a:schemeClr val="accent1"/>
-          </a:effectRef>
-          <a:fontRef idx="minor">
-            <a:schemeClr val="lt1"/>
-          </a:fontRef>
-        </p:style>
-        <p:txBody>
-          <a:bodyPr/>
-          <a:lstStyle/>
-          <a:p>
-            <a:endParaRPr lang="en-US"/>
-          </a:p>
-        </p:txBody>
-      </p:sp>
-      <p:sp>
-        <p:nvSpPr>
-          <p:cNvPr id="3" name="Content Placeholder 2">
-            <a:extLst>
-              <a:ext uri="{FF2B5EF4-FFF2-40B4-BE49-F238E27FC236}">
-                <a16:creationId xmlns:a16="http://schemas.microsoft.com/office/drawing/2014/main" id="{BF50C29A-B702-E758-FDE6-D51EDDD489EB}"/>
-              </a:ext>
-            </a:extLst>
-          </p:cNvPr>
-          <p:cNvSpPr>
-            <a:spLocks noGrp="1"/>
-          </p:cNvSpPr>
-          <p:nvPr>
-            <p:ph idx="1"/>
-          </p:nvPr>
-        </p:nvSpPr>
-        <p:spPr>
-          <a:xfrm>
-            <a:off x="5100824" y="2286000"/>
-            <a:ext cx="6176776" cy="3581400"/>
-          </a:xfrm>
-        </p:spPr>
-        <p:txBody>
-          <a:bodyPr>
-            <a:normAutofit/>
-          </a:bodyPr>
-          <a:lstStyle/>
-          <a:p>
-            <a:pPr marL="0" indent="0">
-              <a:buNone/>
-            </a:pPr>
-            <a:r>
-              <a:rPr lang="en-US"/>
-              <a:t>Exercise Objective:</a:t>
-            </a:r>
-          </a:p>
-          <a:p>
-            <a:r>
-              <a:rPr lang="en-US"/>
-              <a:t>Participants will write a basic Terraform configuration that defines an Azure resource (e.g., a Resource Group or Virtual Network) and then run terraform plan to preview the changes Terraform would make.</a:t>
-            </a:r>
-          </a:p>
-        </p:txBody>
-      </p:sp>
-    </p:spTree>
-    <p:extLst>
-      <p:ext uri="{BB962C8B-B14F-4D97-AF65-F5344CB8AC3E}">
-        <p14:creationId xmlns:p14="http://schemas.microsoft.com/office/powerpoint/2010/main" val="2701023975"/>
       </p:ext>
     </p:extLst>
   </p:cSld>

--- a/slides/1-Setting Up the Environment.pptx
+++ b/slides/1-Setting Up the Environment.pptx
@@ -125,15 +125,15 @@
 </file>
 
 <file path=ppt/diagrams/colors1.xml><?xml version="1.0" encoding="utf-8"?>
-<dgm:colorsDef xmlns:dgm="http://schemas.openxmlformats.org/drawingml/2006/diagram" xmlns:a="http://schemas.openxmlformats.org/drawingml/2006/main" uniqueId="urn:microsoft.com/office/officeart/2005/8/colors/colorful5">
+<dgm:colorsDef xmlns:dgm="http://schemas.openxmlformats.org/drawingml/2006/diagram" xmlns:a="http://schemas.openxmlformats.org/drawingml/2006/main" uniqueId="urn:microsoft.com/office/officeart/2005/8/colors/colorful2">
   <dgm:title val=""/>
   <dgm:desc val=""/>
   <dgm:catLst>
-    <dgm:cat type="colorful" pri="10500"/>
+    <dgm:cat type="colorful" pri="10200"/>
   </dgm:catLst>
   <dgm:styleLbl name="node0">
     <dgm:fillClrLst meth="repeat">
-      <a:schemeClr val="accent4"/>
+      <a:schemeClr val="accent1"/>
     </dgm:fillClrLst>
     <dgm:linClrLst meth="repeat">
       <a:schemeClr val="lt1"/>
@@ -145,8 +145,8 @@
   </dgm:styleLbl>
   <dgm:styleLbl name="node1">
     <dgm:fillClrLst>
-      <a:schemeClr val="accent5"/>
-      <a:schemeClr val="accent6"/>
+      <a:schemeClr val="accent2"/>
+      <a:schemeClr val="accent3"/>
     </dgm:fillClrLst>
     <dgm:linClrLst meth="repeat">
       <a:schemeClr val="lt1"/>
@@ -158,12 +158,12 @@
   </dgm:styleLbl>
   <dgm:styleLbl name="alignNode1">
     <dgm:fillClrLst>
-      <a:schemeClr val="accent5"/>
-      <a:schemeClr val="accent6"/>
+      <a:schemeClr val="accent2"/>
+      <a:schemeClr val="accent3"/>
     </dgm:fillClrLst>
     <dgm:linClrLst>
-      <a:schemeClr val="accent5"/>
-      <a:schemeClr val="accent6"/>
+      <a:schemeClr val="accent2"/>
+      <a:schemeClr val="accent3"/>
     </dgm:linClrLst>
     <dgm:effectClrLst/>
     <dgm:txLinClrLst/>
@@ -172,8 +172,8 @@
   </dgm:styleLbl>
   <dgm:styleLbl name="lnNode1">
     <dgm:fillClrLst>
-      <a:schemeClr val="accent5"/>
-      <a:schemeClr val="accent6"/>
+      <a:schemeClr val="accent2"/>
+      <a:schemeClr val="accent3"/>
     </dgm:fillClrLst>
     <dgm:linClrLst meth="repeat">
       <a:schemeClr val="lt1"/>
@@ -185,10 +185,10 @@
   </dgm:styleLbl>
   <dgm:styleLbl name="vennNode1">
     <dgm:fillClrLst>
-      <a:schemeClr val="accent5">
+      <a:schemeClr val="accent2">
         <a:alpha val="50000"/>
       </a:schemeClr>
-      <a:schemeClr val="accent6">
+      <a:schemeClr val="accent3">
         <a:alpha val="50000"/>
       </a:schemeClr>
     </dgm:fillClrLst>
@@ -202,7 +202,7 @@
   </dgm:styleLbl>
   <dgm:styleLbl name="node2">
     <dgm:fillClrLst>
-      <a:schemeClr val="accent6"/>
+      <a:schemeClr val="accent3"/>
     </dgm:fillClrLst>
     <dgm:linClrLst meth="repeat">
       <a:schemeClr val="lt1"/>
@@ -214,7 +214,7 @@
   </dgm:styleLbl>
   <dgm:styleLbl name="node3">
     <dgm:fillClrLst>
-      <a:schemeClr val="accent1"/>
+      <a:schemeClr val="accent4"/>
     </dgm:fillClrLst>
     <dgm:linClrLst meth="repeat">
       <a:schemeClr val="lt1"/>
@@ -226,7 +226,7 @@
   </dgm:styleLbl>
   <dgm:styleLbl name="node4">
     <dgm:fillClrLst>
-      <a:schemeClr val="accent2"/>
+      <a:schemeClr val="accent5"/>
     </dgm:fillClrLst>
     <dgm:linClrLst meth="repeat">
       <a:schemeClr val="lt1"/>
@@ -238,10 +238,10 @@
   </dgm:styleLbl>
   <dgm:styleLbl name="fgImgPlace1">
     <dgm:fillClrLst>
-      <a:schemeClr val="accent5">
+      <a:schemeClr val="accent2">
         <a:tint val="50000"/>
       </a:schemeClr>
-      <a:schemeClr val="accent6">
+      <a:schemeClr val="accent3">
         <a:tint val="50000"/>
       </a:schemeClr>
     </dgm:fillClrLst>
@@ -257,10 +257,10 @@
   </dgm:styleLbl>
   <dgm:styleLbl name="alignImgPlace1">
     <dgm:fillClrLst>
-      <a:schemeClr val="accent5">
+      <a:schemeClr val="accent2">
         <a:tint val="50000"/>
       </a:schemeClr>
-      <a:schemeClr val="accent6">
+      <a:schemeClr val="accent3">
         <a:tint val="20000"/>
       </a:schemeClr>
     </dgm:fillClrLst>
@@ -276,10 +276,10 @@
   </dgm:styleLbl>
   <dgm:styleLbl name="bgImgPlace1">
     <dgm:fillClrLst>
-      <a:schemeClr val="accent5">
+      <a:schemeClr val="accent2">
         <a:tint val="50000"/>
       </a:schemeClr>
-      <a:schemeClr val="accent6">
+      <a:schemeClr val="accent3">
         <a:tint val="20000"/>
       </a:schemeClr>
     </dgm:fillClrLst>
@@ -295,8 +295,8 @@
   </dgm:styleLbl>
   <dgm:styleLbl name="sibTrans2D1">
     <dgm:fillClrLst>
-      <a:schemeClr val="accent5"/>
-      <a:schemeClr val="accent6"/>
+      <a:schemeClr val="accent2"/>
+      <a:schemeClr val="accent3"/>
     </dgm:fillClrLst>
     <dgm:linClrLst meth="repeat">
       <a:schemeClr val="lt1"/>
@@ -308,8 +308,8 @@
   </dgm:styleLbl>
   <dgm:styleLbl name="fgSibTrans2D1">
     <dgm:fillClrLst>
-      <a:schemeClr val="accent5"/>
-      <a:schemeClr val="accent6"/>
+      <a:schemeClr val="accent2"/>
+      <a:schemeClr val="accent3"/>
     </dgm:fillClrLst>
     <dgm:linClrLst meth="repeat">
       <a:schemeClr val="lt1"/>
@@ -323,8 +323,8 @@
   </dgm:styleLbl>
   <dgm:styleLbl name="bgSibTrans2D1">
     <dgm:fillClrLst>
-      <a:schemeClr val="accent5"/>
-      <a:schemeClr val="accent6"/>
+      <a:schemeClr val="accent2"/>
+      <a:schemeClr val="accent3"/>
     </dgm:fillClrLst>
     <dgm:linClrLst meth="repeat">
       <a:schemeClr val="lt1"/>
@@ -339,8 +339,8 @@
   <dgm:styleLbl name="sibTrans1D1">
     <dgm:fillClrLst/>
     <dgm:linClrLst>
-      <a:schemeClr val="accent5"/>
-      <a:schemeClr val="accent6"/>
+      <a:schemeClr val="accent2"/>
+      <a:schemeClr val="accent3"/>
     </dgm:linClrLst>
     <dgm:effectClrLst/>
     <dgm:txLinClrLst/>
@@ -351,10 +351,10 @@
   </dgm:styleLbl>
   <dgm:styleLbl name="callout">
     <dgm:fillClrLst meth="repeat">
-      <a:schemeClr val="accent5"/>
+      <a:schemeClr val="accent2"/>
     </dgm:fillClrLst>
     <dgm:linClrLst meth="repeat">
-      <a:schemeClr val="accent5">
+      <a:schemeClr val="accent2">
         <a:tint val="50000"/>
       </a:schemeClr>
     </dgm:linClrLst>
@@ -367,7 +367,7 @@
   </dgm:styleLbl>
   <dgm:styleLbl name="asst0">
     <dgm:fillClrLst meth="repeat">
-      <a:schemeClr val="accent5"/>
+      <a:schemeClr val="accent2"/>
     </dgm:fillClrLst>
     <dgm:linClrLst meth="repeat">
       <a:schemeClr val="lt1">
@@ -381,7 +381,7 @@
   </dgm:styleLbl>
   <dgm:styleLbl name="asst1">
     <dgm:fillClrLst meth="repeat">
-      <a:schemeClr val="accent6"/>
+      <a:schemeClr val="accent3"/>
     </dgm:fillClrLst>
     <dgm:linClrLst meth="repeat">
       <a:schemeClr val="lt1">
@@ -395,7 +395,7 @@
   </dgm:styleLbl>
   <dgm:styleLbl name="asst2">
     <dgm:fillClrLst>
-      <a:schemeClr val="accent1"/>
+      <a:schemeClr val="accent4"/>
     </dgm:fillClrLst>
     <dgm:linClrLst meth="repeat">
       <a:schemeClr val="lt1"/>
@@ -407,7 +407,7 @@
   </dgm:styleLbl>
   <dgm:styleLbl name="asst3">
     <dgm:fillClrLst>
-      <a:schemeClr val="accent2"/>
+      <a:schemeClr val="accent5"/>
     </dgm:fillClrLst>
     <dgm:linClrLst meth="repeat">
       <a:schemeClr val="lt1"/>
@@ -419,7 +419,7 @@
   </dgm:styleLbl>
   <dgm:styleLbl name="asst4">
     <dgm:fillClrLst>
-      <a:schemeClr val="accent3"/>
+      <a:schemeClr val="accent6"/>
     </dgm:fillClrLst>
     <dgm:linClrLst meth="repeat">
       <a:schemeClr val="lt1"/>
@@ -431,7 +431,7 @@
   </dgm:styleLbl>
   <dgm:styleLbl name="parChTrans2D1">
     <dgm:fillClrLst meth="repeat">
-      <a:schemeClr val="accent5"/>
+      <a:schemeClr val="accent2"/>
     </dgm:fillClrLst>
     <dgm:linClrLst meth="repeat">
       <a:schemeClr val="lt1"/>
@@ -445,7 +445,7 @@
   </dgm:styleLbl>
   <dgm:styleLbl name="parChTrans2D2">
     <dgm:fillClrLst meth="repeat">
-      <a:schemeClr val="accent6"/>
+      <a:schemeClr val="accent3"/>
     </dgm:fillClrLst>
     <dgm:linClrLst meth="repeat">
       <a:schemeClr val="lt1"/>
@@ -457,7 +457,7 @@
   </dgm:styleLbl>
   <dgm:styleLbl name="parChTrans2D3">
     <dgm:fillClrLst meth="repeat">
-      <a:schemeClr val="accent6"/>
+      <a:schemeClr val="accent4"/>
     </dgm:fillClrLst>
     <dgm:linClrLst meth="repeat">
       <a:schemeClr val="lt1"/>
@@ -469,7 +469,7 @@
   </dgm:styleLbl>
   <dgm:styleLbl name="parChTrans2D4">
     <dgm:fillClrLst meth="repeat">
-      <a:schemeClr val="accent1"/>
+      <a:schemeClr val="accent5"/>
     </dgm:fillClrLst>
     <dgm:linClrLst meth="repeat">
       <a:schemeClr val="lt1"/>
@@ -483,10 +483,10 @@
   </dgm:styleLbl>
   <dgm:styleLbl name="parChTrans1D1">
     <dgm:fillClrLst meth="repeat">
-      <a:schemeClr val="accent5"/>
+      <a:schemeClr val="accent2"/>
     </dgm:fillClrLst>
     <dgm:linClrLst meth="repeat">
-      <a:schemeClr val="accent5"/>
+      <a:schemeClr val="accent2"/>
     </dgm:linClrLst>
     <dgm:effectClrLst/>
     <dgm:txLinClrLst/>
@@ -497,12 +497,12 @@
   </dgm:styleLbl>
   <dgm:styleLbl name="parChTrans1D2">
     <dgm:fillClrLst meth="repeat">
-      <a:schemeClr val="accent6">
+      <a:schemeClr val="accent2">
         <a:tint val="90000"/>
       </a:schemeClr>
     </dgm:fillClrLst>
     <dgm:linClrLst meth="repeat">
-      <a:schemeClr val="accent6"/>
+      <a:schemeClr val="accent3"/>
     </dgm:linClrLst>
     <dgm:effectClrLst/>
     <dgm:txLinClrLst/>
@@ -513,12 +513,12 @@
   </dgm:styleLbl>
   <dgm:styleLbl name="parChTrans1D3">
     <dgm:fillClrLst meth="repeat">
-      <a:schemeClr val="accent6">
+      <a:schemeClr val="accent2">
         <a:tint val="70000"/>
       </a:schemeClr>
     </dgm:fillClrLst>
     <dgm:linClrLst meth="repeat">
-      <a:schemeClr val="accent1"/>
+      <a:schemeClr val="accent4"/>
     </dgm:linClrLst>
     <dgm:effectClrLst/>
     <dgm:txLinClrLst/>
@@ -529,12 +529,12 @@
   </dgm:styleLbl>
   <dgm:styleLbl name="parChTrans1D4">
     <dgm:fillClrLst meth="repeat">
-      <a:schemeClr val="accent6">
+      <a:schemeClr val="accent2">
         <a:tint val="50000"/>
       </a:schemeClr>
     </dgm:fillClrLst>
     <dgm:linClrLst meth="repeat">
-      <a:schemeClr val="accent2"/>
+      <a:schemeClr val="accent5"/>
     </dgm:linClrLst>
     <dgm:effectClrLst/>
     <dgm:txLinClrLst/>
@@ -550,8 +550,8 @@
       </a:schemeClr>
     </dgm:fillClrLst>
     <dgm:linClrLst>
-      <a:schemeClr val="accent5"/>
-      <a:schemeClr val="accent6"/>
+      <a:schemeClr val="accent2"/>
+      <a:schemeClr val="accent3"/>
     </dgm:linClrLst>
     <dgm:effectClrLst/>
     <dgm:txLinClrLst/>
@@ -567,8 +567,8 @@
       </a:schemeClr>
     </dgm:fillClrLst>
     <dgm:linClrLst>
-      <a:schemeClr val="accent5"/>
-      <a:schemeClr val="accent6"/>
+      <a:schemeClr val="accent2"/>
+      <a:schemeClr val="accent3"/>
     </dgm:linClrLst>
     <dgm:effectClrLst/>
     <dgm:txLinClrLst/>
@@ -584,8 +584,8 @@
       </a:schemeClr>
     </dgm:fillClrLst>
     <dgm:linClrLst>
-      <a:schemeClr val="accent5"/>
-      <a:schemeClr val="accent6"/>
+      <a:schemeClr val="accent2"/>
+      <a:schemeClr val="accent3"/>
     </dgm:linClrLst>
     <dgm:effectClrLst/>
     <dgm:txLinClrLst/>
@@ -601,7 +601,7 @@
       </a:schemeClr>
     </dgm:fillClrLst>
     <dgm:linClrLst meth="repeat">
-      <a:schemeClr val="accent5"/>
+      <a:schemeClr val="accent2"/>
     </dgm:linClrLst>
     <dgm:effectClrLst/>
     <dgm:txLinClrLst/>
@@ -617,8 +617,8 @@
       </a:schemeClr>
     </dgm:fillClrLst>
     <dgm:linClrLst>
-      <a:schemeClr val="accent5"/>
-      <a:schemeClr val="accent6"/>
+      <a:schemeClr val="accent2"/>
+      <a:schemeClr val="accent3"/>
     </dgm:linClrLst>
     <dgm:effectClrLst/>
     <dgm:txLinClrLst/>
@@ -632,8 +632,8 @@
       <a:schemeClr val="lt1"/>
     </dgm:fillClrLst>
     <dgm:linClrLst>
-      <a:schemeClr val="accent5"/>
-      <a:schemeClr val="accent6"/>
+      <a:schemeClr val="accent2"/>
+      <a:schemeClr val="accent3"/>
     </dgm:linClrLst>
     <dgm:effectClrLst/>
     <dgm:txLinClrLst/>
@@ -647,8 +647,8 @@
       <a:schemeClr val="lt1"/>
     </dgm:fillClrLst>
     <dgm:linClrLst>
-      <a:schemeClr val="accent5"/>
-      <a:schemeClr val="accent6"/>
+      <a:schemeClr val="accent2"/>
+      <a:schemeClr val="accent3"/>
     </dgm:linClrLst>
     <dgm:effectClrLst/>
     <dgm:txLinClrLst/>
@@ -662,8 +662,8 @@
       <a:schemeClr val="lt1"/>
     </dgm:fillClrLst>
     <dgm:linClrLst>
-      <a:schemeClr val="accent5"/>
-      <a:schemeClr val="accent6"/>
+      <a:schemeClr val="accent2"/>
+      <a:schemeClr val="accent3"/>
     </dgm:linClrLst>
     <dgm:effectClrLst/>
     <dgm:txLinClrLst/>
@@ -674,21 +674,21 @@
   </dgm:styleLbl>
   <dgm:styleLbl name="fgAccFollowNode1">
     <dgm:fillClrLst>
-      <a:schemeClr val="accent5">
+      <a:schemeClr val="accent2">
         <a:tint val="40000"/>
         <a:alpha val="90000"/>
       </a:schemeClr>
-      <a:schemeClr val="accent6">
+      <a:schemeClr val="accent3">
         <a:tint val="40000"/>
         <a:alpha val="90000"/>
       </a:schemeClr>
     </dgm:fillClrLst>
     <dgm:linClrLst>
-      <a:schemeClr val="accent5">
+      <a:schemeClr val="accent2">
         <a:tint val="40000"/>
         <a:alpha val="90000"/>
       </a:schemeClr>
-      <a:schemeClr val="accent5">
+      <a:schemeClr val="accent3">
         <a:tint val="40000"/>
         <a:alpha val="90000"/>
       </a:schemeClr>
@@ -702,21 +702,21 @@
   </dgm:styleLbl>
   <dgm:styleLbl name="alignAccFollowNode1">
     <dgm:fillClrLst>
-      <a:schemeClr val="accent5">
+      <a:schemeClr val="accent2">
         <a:tint val="40000"/>
         <a:alpha val="90000"/>
       </a:schemeClr>
-      <a:schemeClr val="accent6">
+      <a:schemeClr val="accent3">
         <a:tint val="40000"/>
         <a:alpha val="90000"/>
       </a:schemeClr>
     </dgm:fillClrLst>
     <dgm:linClrLst>
-      <a:schemeClr val="accent5">
+      <a:schemeClr val="accent2">
         <a:tint val="40000"/>
         <a:alpha val="90000"/>
       </a:schemeClr>
-      <a:schemeClr val="accent6">
+      <a:schemeClr val="accent3">
         <a:tint val="40000"/>
         <a:alpha val="90000"/>
       </a:schemeClr>
@@ -730,21 +730,21 @@
   </dgm:styleLbl>
   <dgm:styleLbl name="bgAccFollowNode1">
     <dgm:fillClrLst>
-      <a:schemeClr val="accent5">
+      <a:schemeClr val="accent2">
         <a:tint val="40000"/>
         <a:alpha val="90000"/>
       </a:schemeClr>
-      <a:schemeClr val="accent6">
+      <a:schemeClr val="accent3">
         <a:tint val="40000"/>
         <a:alpha val="90000"/>
       </a:schemeClr>
     </dgm:fillClrLst>
     <dgm:linClrLst>
-      <a:schemeClr val="accent5">
+      <a:schemeClr val="accent2">
         <a:tint val="40000"/>
         <a:alpha val="90000"/>
       </a:schemeClr>
-      <a:schemeClr val="accent6">
+      <a:schemeClr val="accent3">
         <a:tint val="40000"/>
         <a:alpha val="90000"/>
       </a:schemeClr>
@@ -763,7 +763,7 @@
       </a:schemeClr>
     </dgm:fillClrLst>
     <dgm:linClrLst>
-      <a:schemeClr val="accent4"/>
+      <a:schemeClr val="accent1"/>
     </dgm:linClrLst>
     <dgm:effectClrLst/>
     <dgm:txLinClrLst/>
@@ -779,7 +779,7 @@
       </a:schemeClr>
     </dgm:fillClrLst>
     <dgm:linClrLst>
-      <a:schemeClr val="accent6"/>
+      <a:schemeClr val="accent3"/>
     </dgm:linClrLst>
     <dgm:effectClrLst/>
     <dgm:txLinClrLst/>
@@ -795,7 +795,7 @@
       </a:schemeClr>
     </dgm:fillClrLst>
     <dgm:linClrLst>
-      <a:schemeClr val="accent1"/>
+      <a:schemeClr val="accent4"/>
     </dgm:linClrLst>
     <dgm:effectClrLst/>
     <dgm:txLinClrLst/>
@@ -811,7 +811,7 @@
       </a:schemeClr>
     </dgm:fillClrLst>
     <dgm:linClrLst>
-      <a:schemeClr val="accent2"/>
+      <a:schemeClr val="accent5"/>
     </dgm:linClrLst>
     <dgm:effectClrLst/>
     <dgm:txLinClrLst/>
@@ -822,7 +822,7 @@
   </dgm:styleLbl>
   <dgm:styleLbl name="bgShp">
     <dgm:fillClrLst meth="repeat">
-      <a:schemeClr val="accent5">
+      <a:schemeClr val="accent2">
         <a:tint val="40000"/>
       </a:schemeClr>
     </dgm:fillClrLst>
@@ -838,7 +838,7 @@
   </dgm:styleLbl>
   <dgm:styleLbl name="dkBgShp">
     <dgm:fillClrLst meth="repeat">
-      <a:schemeClr val="accent5">
+      <a:schemeClr val="accent2">
         <a:shade val="90000"/>
       </a:schemeClr>
     </dgm:fillClrLst>
@@ -854,13 +854,13 @@
   </dgm:styleLbl>
   <dgm:styleLbl name="trBgShp">
     <dgm:fillClrLst meth="repeat">
-      <a:schemeClr val="accent5">
+      <a:schemeClr val="accent2">
         <a:tint val="50000"/>
         <a:alpha val="40000"/>
       </a:schemeClr>
     </dgm:fillClrLst>
     <dgm:linClrLst meth="repeat">
-      <a:schemeClr val="accent5"/>
+      <a:schemeClr val="accent2"/>
     </dgm:linClrLst>
     <dgm:effectClrLst/>
     <dgm:txLinClrLst/>
@@ -871,7 +871,7 @@
   </dgm:styleLbl>
   <dgm:styleLbl name="fgShp">
     <dgm:fillClrLst meth="repeat">
-      <a:schemeClr val="accent5">
+      <a:schemeClr val="accent2">
         <a:tint val="40000"/>
       </a:schemeClr>
     </dgm:fillClrLst>
@@ -5094,7 +5094,7 @@
 <dgm:dataModel xmlns:dgm="http://schemas.openxmlformats.org/drawingml/2006/diagram" xmlns:a="http://schemas.openxmlformats.org/drawingml/2006/main">
   <dgm:ptLst>
     <dgm:pt modelId="{9BB56C3B-D9E1-4391-9732-F74076A91D01}" type="doc">
-      <dgm:prSet loTypeId="urn:microsoft.com/office/officeart/2016/7/layout/VerticalSolidActionList" loCatId="List" qsTypeId="urn:microsoft.com/office/officeart/2005/8/quickstyle/simple1" qsCatId="simple" csTypeId="urn:microsoft.com/office/officeart/2005/8/colors/colorful5" csCatId="colorful"/>
+      <dgm:prSet loTypeId="urn:microsoft.com/office/officeart/2016/7/layout/VerticalSolidActionList" loCatId="List" qsTypeId="urn:microsoft.com/office/officeart/2005/8/quickstyle/simple1" qsCatId="simple" csTypeId="urn:microsoft.com/office/officeart/2005/8/colors/colorful2" csCatId="colorful"/>
       <dgm:spPr/>
       <dgm:t>
         <a:bodyPr/>
@@ -5981,6 +5981,8 @@
     <dgm:cxn modelId="{D6C16D3B-5DCF-534E-99E0-DC7F9DADA13C}" type="presOf" srcId="{6E72CEE2-0477-44D0-9E22-5CE6B0B69C12}" destId="{B90C3CB1-9858-F845-820A-DA5725D786C9}" srcOrd="0" destOrd="0" presId="urn:microsoft.com/office/officeart/2016/7/layout/VerticalSolidActionList"/>
     <dgm:cxn modelId="{DEEFC844-2F43-4903-8375-6D24B900BB7B}" srcId="{5A594A40-BE74-4477-9853-5F0104170F80}" destId="{156D531B-1B10-4846-B4D3-5EFD6A909D02}" srcOrd="1" destOrd="0" parTransId="{17B138EC-D880-4A82-98B8-97993C186B29}" sibTransId="{73054F19-8ECB-4C20-B000-461139586214}"/>
     <dgm:cxn modelId="{52C42345-57EB-4352-A7E7-CEC9835083DD}" srcId="{57FD3534-C67D-4708-B5EA-A2CA947DD8F7}" destId="{E9ED9BBE-A0CA-4138-8DF6-910B7AFB654A}" srcOrd="3" destOrd="0" parTransId="{557C59E1-62C7-4C92-983D-830B4AB0D8F9}" sibTransId="{071454A0-BFC2-4B4B-B5D0-F9A1B749F98F}"/>
+    <dgm:cxn modelId="{FC84B551-3686-4172-AF53-35FBFE323990}" srcId="{9BB56C3B-D9E1-4391-9732-F74076A91D01}" destId="{33319D89-FCF8-41DD-B30C-A1DA5CDF6081}" srcOrd="0" destOrd="0" parTransId="{89B1F18B-BD01-4A1C-9750-251BDF8B3B29}" sibTransId="{587AAA7F-AADC-4D02-BAED-8D5E35B4F03B}"/>
+    <dgm:cxn modelId="{5DAEDC59-670D-544B-A704-F9BB0D78E305}" type="presOf" srcId="{B3DEEC1B-43A9-4BBD-8C38-119D00890313}" destId="{B259AA3C-5557-3841-A1AE-6D4084E26F04}" srcOrd="0" destOrd="1" presId="urn:microsoft.com/office/officeart/2016/7/layout/VerticalSolidActionList"/>
     <dgm:cxn modelId="{3D48B865-D51E-824D-BD2C-9F738D2C40F6}" type="presOf" srcId="{33319D89-FCF8-41DD-B30C-A1DA5CDF6081}" destId="{92EAB457-E39A-334F-96ED-E44D0970D25C}" srcOrd="0" destOrd="0" presId="urn:microsoft.com/office/officeart/2016/7/layout/VerticalSolidActionList"/>
     <dgm:cxn modelId="{E9EAC767-83CA-43C8-8654-1C1B9F26A8E8}" srcId="{E26C6458-52E6-476C-AE48-D89BF629D86A}" destId="{AC27E3DC-3C3A-475F-B9BB-486A4D808E03}" srcOrd="3" destOrd="0" parTransId="{A41C6676-724E-4C3E-BC82-AFB54F773559}" sibTransId="{B1864D4F-22FB-467C-A320-9D66420085E9}"/>
     <dgm:cxn modelId="{092CED67-899B-4E0B-84B3-88D7D9CAEF9C}" srcId="{E26C6458-52E6-476C-AE48-D89BF629D86A}" destId="{1BAEAB79-757F-4FC0-AEF7-038BB418BC56}" srcOrd="2" destOrd="0" parTransId="{742A2883-5958-465D-BA11-69FE4C3C2646}" sibTransId="{94440AC8-0188-4241-BF0D-BB05449C7488}"/>
@@ -5988,9 +5990,7 @@
     <dgm:cxn modelId="{938D8D6B-2DF8-443D-A5DD-F91E79DD0C53}" srcId="{6E72CEE2-0477-44D0-9E22-5CE6B0B69C12}" destId="{E26C6458-52E6-476C-AE48-D89BF629D86A}" srcOrd="0" destOrd="0" parTransId="{BA9B7774-B1D0-430D-B36F-39142FBB2455}" sibTransId="{A7BB7EA3-B520-441A-8B49-AAB282E524BB}"/>
     <dgm:cxn modelId="{C789926F-72BF-4226-A66B-590DCDE4E4CC}" srcId="{9BB56C3B-D9E1-4391-9732-F74076A91D01}" destId="{DE4A7A26-D524-4EF2-A7B1-D4C5634F7797}" srcOrd="2" destOrd="0" parTransId="{38877B48-DBA7-4644-9636-E5DC1F1C2FFC}" sibTransId="{5A3971CD-40CE-4B25-8257-2A18E0EC7D3D}"/>
     <dgm:cxn modelId="{D5F06271-DE3A-47FF-B518-ED8B38653269}" srcId="{5A594A40-BE74-4477-9853-5F0104170F80}" destId="{8CC0719D-2A8B-4732-8F6C-1FB0BDB00D9F}" srcOrd="0" destOrd="0" parTransId="{E4612BC3-3078-49CC-8F21-DFEFBE90753F}" sibTransId="{FA00144A-FC21-43D5-B160-5686042C1CE1}"/>
-    <dgm:cxn modelId="{FC84B551-3686-4172-AF53-35FBFE323990}" srcId="{9BB56C3B-D9E1-4391-9732-F74076A91D01}" destId="{33319D89-FCF8-41DD-B30C-A1DA5CDF6081}" srcOrd="0" destOrd="0" parTransId="{89B1F18B-BD01-4A1C-9750-251BDF8B3B29}" sibTransId="{587AAA7F-AADC-4D02-BAED-8D5E35B4F03B}"/>
     <dgm:cxn modelId="{116BFA74-4EB3-6540-A99D-3241CB8DFEA5}" type="presOf" srcId="{57FD3534-C67D-4708-B5EA-A2CA947DD8F7}" destId="{6944DFDC-7583-A54F-8EBA-008FF11CE9C0}" srcOrd="0" destOrd="0" presId="urn:microsoft.com/office/officeart/2016/7/layout/VerticalSolidActionList"/>
-    <dgm:cxn modelId="{5DAEDC59-670D-544B-A704-F9BB0D78E305}" type="presOf" srcId="{B3DEEC1B-43A9-4BBD-8C38-119D00890313}" destId="{B259AA3C-5557-3841-A1AE-6D4084E26F04}" srcOrd="0" destOrd="1" presId="urn:microsoft.com/office/officeart/2016/7/layout/VerticalSolidActionList"/>
     <dgm:cxn modelId="{02A46F7B-F1F0-45FD-B0DA-A8BF5B6D59B2}" srcId="{E26C6458-52E6-476C-AE48-D89BF629D86A}" destId="{9ADA9F2A-C066-48F9-938A-5BF5759F0071}" srcOrd="0" destOrd="0" parTransId="{F98EF460-3985-489C-8227-85AFE0DE8F67}" sibTransId="{B043C0F5-E637-466C-8242-923795625A1E}"/>
     <dgm:cxn modelId="{BDB06691-06E3-4AE3-A2C0-3AD5C369CB9C}" srcId="{DE4A7A26-D524-4EF2-A7B1-D4C5634F7797}" destId="{57FD3534-C67D-4708-B5EA-A2CA947DD8F7}" srcOrd="0" destOrd="0" parTransId="{115334EE-3E22-4D1E-8502-726D51DFEE3A}" sibTransId="{C99157BF-37F8-4EC1-976E-CB7295F13B74}"/>
     <dgm:cxn modelId="{A31AB493-259E-CA49-930A-9983F445ECD4}" type="presOf" srcId="{68F9707A-979B-4E83-8E3E-9927A0301DCD}" destId="{6944DFDC-7583-A54F-8EBA-008FF11CE9C0}" srcOrd="0" destOrd="5" presId="urn:microsoft.com/office/officeart/2016/7/layout/VerticalSolidActionList"/>
@@ -6500,10 +6500,10 @@
     <dgm:cxn modelId="{83132300-3D67-CB43-B54C-91B04D26BEE3}" type="presOf" srcId="{067F6451-6544-AD4B-AA81-3CCBAD49CB44}" destId="{7BB41575-4599-3348-A956-55708EEA68D0}" srcOrd="0" destOrd="1" presId="urn:microsoft.com/office/officeart/2016/7/layout/VerticalSolidActionList"/>
     <dgm:cxn modelId="{A15D490B-D5D7-A74C-BA2A-DECD916FD7E0}" type="presOf" srcId="{2107550E-5D86-4FD1-A2BF-D8266138BF95}" destId="{FCAA40CF-F01F-F747-849A-34D006DF4B2F}" srcOrd="0" destOrd="0" presId="urn:microsoft.com/office/officeart/2016/7/layout/VerticalSolidActionList"/>
     <dgm:cxn modelId="{7D9C6B16-72C2-4DEA-B5E6-C9BD2E042141}" srcId="{2107550E-5D86-4FD1-A2BF-D8266138BF95}" destId="{5DC45F96-32C3-4125-B376-90F17E0DC5BA}" srcOrd="0" destOrd="0" parTransId="{25A505A4-D86F-4AE6-8371-4E1C38B84CCF}" sibTransId="{30EF9A0B-8089-4E45-8CBF-0DFE7E4CAC90}"/>
+    <dgm:cxn modelId="{31028349-E631-8541-922E-C277D75731E1}" type="presOf" srcId="{B271C7B3-8802-431E-9301-DF9097D27894}" destId="{165785A2-7E3C-BB43-9519-A90D6DB9E045}" srcOrd="0" destOrd="1" presId="urn:microsoft.com/office/officeart/2016/7/layout/VerticalSolidActionList"/>
     <dgm:cxn modelId="{C8782E5D-C39A-3A48-A610-F0A48DE4695B}" srcId="{7A85D807-2869-44D8-B696-7A9F88A0A222}" destId="{E16BE1D5-A7E3-EE4F-984F-87F6B7773D83}" srcOrd="1" destOrd="0" parTransId="{AC59C6F3-032A-A845-A0D5-C25964393213}" sibTransId="{B5AAA734-7638-2345-9176-EAA1D224018E}"/>
     <dgm:cxn modelId="{C69E385E-507F-4F48-9579-752918F9D55A}" type="presOf" srcId="{BA25CCA2-3497-466E-9DB1-257523422369}" destId="{165785A2-7E3C-BB43-9519-A90D6DB9E045}" srcOrd="0" destOrd="2" presId="urn:microsoft.com/office/officeart/2016/7/layout/VerticalSolidActionList"/>
     <dgm:cxn modelId="{043FD265-11DC-4431-913E-16F27D3384F5}" srcId="{7A85D807-2869-44D8-B696-7A9F88A0A222}" destId="{59A98CE1-8BE6-4AA2-8B1F-5AEEEBE643B8}" srcOrd="0" destOrd="0" parTransId="{2B618CFF-5437-4999-8527-607CCA117233}" sibTransId="{C2E7D98E-BD4D-4E6B-8942-B176C96901C4}"/>
-    <dgm:cxn modelId="{31028349-E631-8541-922E-C277D75731E1}" type="presOf" srcId="{B271C7B3-8802-431E-9301-DF9097D27894}" destId="{165785A2-7E3C-BB43-9519-A90D6DB9E045}" srcOrd="0" destOrd="1" presId="urn:microsoft.com/office/officeart/2016/7/layout/VerticalSolidActionList"/>
     <dgm:cxn modelId="{3C989A78-5368-064A-8B22-E24CAAFBCFCF}" type="presOf" srcId="{E94B6DD7-B843-4564-AAF9-469DA677D204}" destId="{BE10371F-26AB-2C41-B704-33AF30C6B9A2}" srcOrd="0" destOrd="0" presId="urn:microsoft.com/office/officeart/2016/7/layout/VerticalSolidActionList"/>
     <dgm:cxn modelId="{AE0B227F-1ABA-4B47-89DB-37F4692BA6B7}" srcId="{E94B6DD7-B843-4564-AAF9-469DA677D204}" destId="{3C1739F6-6233-4692-A729-1C9461CB86CD}" srcOrd="2" destOrd="0" parTransId="{00F0F21D-C59E-4550-92DF-409BD969B8F5}" sibTransId="{F99CA02F-46ED-4C70-9997-F4DDD94E0189}"/>
     <dgm:cxn modelId="{0219018C-EEC4-478C-9B3A-25D950BBB081}" srcId="{E94B6DD7-B843-4564-AAF9-469DA677D204}" destId="{2107550E-5D86-4FD1-A2BF-D8266138BF95}" srcOrd="0" destOrd="0" parTransId="{C0E0B970-2EDC-49E8-984C-94DF66449C95}" sibTransId="{EE47B323-D240-4BCE-B31A-B270DBD51A2C}"/>
@@ -7184,14 +7184,14 @@
     <dgm:cxn modelId="{210A9A0A-B9FE-7C47-9121-643BD6C3ED9F}" type="presOf" srcId="{EB6BA4DC-6123-4DE7-8A35-6D94288D2720}" destId="{7EC0ED8C-5904-6C4E-A926-8C021762E236}" srcOrd="0" destOrd="1" presId="urn:microsoft.com/office/officeart/2016/7/layout/VerticalSolidActionList"/>
     <dgm:cxn modelId="{27702428-0D74-41A3-B116-7CB42752314D}" srcId="{23289555-3535-4F4B-94FD-713700C63D60}" destId="{71AFEFC2-5D1F-431C-9604-A4694D9C3A34}" srcOrd="0" destOrd="0" parTransId="{5DE7B29A-040A-4A0F-B4B2-60CD37227866}" sibTransId="{43DC652B-8D9A-4A3F-BC81-2A8B65C516D0}"/>
     <dgm:cxn modelId="{D902DE34-7321-45A5-84B6-E098CC692BEF}" srcId="{23289555-3535-4F4B-94FD-713700C63D60}" destId="{B85DD76C-6C00-413D-A8B2-0EF5CED13D3D}" srcOrd="1" destOrd="0" parTransId="{B2BA0E16-ECDF-4673-BD1E-D55CAE556C65}" sibTransId="{B21C62E4-49E7-46F3-A4AF-1686A2EA012F}"/>
+    <dgm:cxn modelId="{56C7A04A-9960-4E15-8763-894C34FA5C75}" srcId="{B85DD76C-6C00-413D-A8B2-0EF5CED13D3D}" destId="{EEE1D3DC-63F1-493A-8E63-1F509BB46275}" srcOrd="0" destOrd="0" parTransId="{19ACF387-9059-4F5B-8119-77058A3BF5AA}" sibTransId="{A77B1CC5-5968-4324-9BFB-37DA30E38E5E}"/>
+    <dgm:cxn modelId="{E972E359-4F43-1544-923C-E72F76ED3372}" type="presOf" srcId="{79BBC15A-35C4-4A5E-80F2-9FEB1C24334B}" destId="{002EBC43-F29B-E848-B2F6-F41E15978E1C}" srcOrd="0" destOrd="0" presId="urn:microsoft.com/office/officeart/2016/7/layout/VerticalSolidActionList"/>
     <dgm:cxn modelId="{3E2B2D61-4973-47EC-AB42-7C814D987303}" srcId="{79BBC15A-35C4-4A5E-80F2-9FEB1C24334B}" destId="{4FEA8D75-0144-492B-9E25-ED33A3E169BD}" srcOrd="2" destOrd="0" parTransId="{6059212C-682D-46D8-BDF2-6CD21093C7ED}" sibTransId="{85C1526D-ACEC-4E36-A95E-C188AFFE51C8}"/>
     <dgm:cxn modelId="{D6A94E66-F16E-4957-885B-71B2FB0285F2}" srcId="{79BBC15A-35C4-4A5E-80F2-9FEB1C24334B}" destId="{BC09A616-366C-4A88-8E73-7A7F4BF1CC59}" srcOrd="0" destOrd="0" parTransId="{4C3A67A0-64A0-4E7D-9234-8E0DEE6A0CC7}" sibTransId="{5B44DDF7-BF6F-4737-AEEA-F2C808A4BA47}"/>
     <dgm:cxn modelId="{3045CF67-1E58-DD4A-8C45-BAAC7A1EB53F}" type="presOf" srcId="{1160A655-40A0-F845-AFF2-4604FA5198F2}" destId="{650827AD-5C1B-B040-9193-AEF8DE7EDDA0}" srcOrd="0" destOrd="1" presId="urn:microsoft.com/office/officeart/2016/7/layout/VerticalSolidActionList"/>
-    <dgm:cxn modelId="{56C7A04A-9960-4E15-8763-894C34FA5C75}" srcId="{B85DD76C-6C00-413D-A8B2-0EF5CED13D3D}" destId="{EEE1D3DC-63F1-493A-8E63-1F509BB46275}" srcOrd="0" destOrd="0" parTransId="{19ACF387-9059-4F5B-8119-77058A3BF5AA}" sibTransId="{A77B1CC5-5968-4324-9BFB-37DA30E38E5E}"/>
     <dgm:cxn modelId="{395EBF6D-7955-7942-B5F9-2E4EA0794FC2}" type="presOf" srcId="{EEE1D3DC-63F1-493A-8E63-1F509BB46275}" destId="{A02BAD33-14E7-2046-9CC0-93A4A6558C9B}" srcOrd="0" destOrd="0" presId="urn:microsoft.com/office/officeart/2016/7/layout/VerticalSolidActionList"/>
     <dgm:cxn modelId="{F0B27778-2CAD-463D-BAD6-4027B76CDA0D}" srcId="{23289555-3535-4F4B-94FD-713700C63D60}" destId="{79BBC15A-35C4-4A5E-80F2-9FEB1C24334B}" srcOrd="2" destOrd="0" parTransId="{A045FBC6-5502-49A0-BB71-7CF428F74BB7}" sibTransId="{5504E70F-0CD9-4E6E-B6A4-D51AB6C0E47B}"/>
     <dgm:cxn modelId="{2A2C4879-BF20-2B43-9152-1C6C41AF3DE5}" type="presOf" srcId="{B85DD76C-6C00-413D-A8B2-0EF5CED13D3D}" destId="{4692BFF0-0567-B742-9928-FD98E94D1A5F}" srcOrd="0" destOrd="0" presId="urn:microsoft.com/office/officeart/2016/7/layout/VerticalSolidActionList"/>
-    <dgm:cxn modelId="{E972E359-4F43-1544-923C-E72F76ED3372}" type="presOf" srcId="{79BBC15A-35C4-4A5E-80F2-9FEB1C24334B}" destId="{002EBC43-F29B-E848-B2F6-F41E15978E1C}" srcOrd="0" destOrd="0" presId="urn:microsoft.com/office/officeart/2016/7/layout/VerticalSolidActionList"/>
     <dgm:cxn modelId="{3BB1297C-6351-454E-98AB-36B0422F21E8}" type="presOf" srcId="{45D76F1E-511E-4818-B98D-32A536427DC5}" destId="{A02BAD33-14E7-2046-9CC0-93A4A6558C9B}" srcOrd="0" destOrd="1" presId="urn:microsoft.com/office/officeart/2016/7/layout/VerticalSolidActionList"/>
     <dgm:cxn modelId="{6B488F82-A9D9-9A48-A9C8-4BE863CCE606}" type="presOf" srcId="{BC09A616-366C-4A88-8E73-7A7F4BF1CC59}" destId="{650827AD-5C1B-B040-9193-AEF8DE7EDDA0}" srcOrd="0" destOrd="0" presId="urn:microsoft.com/office/officeart/2016/7/layout/VerticalSolidActionList"/>
     <dgm:cxn modelId="{537A7987-2868-41FA-A4F4-F99FDD48FFA8}" srcId="{71AFEFC2-5D1F-431C-9604-A4694D9C3A34}" destId="{704A03BB-1EC8-439E-9FF2-00A46255708F}" srcOrd="0" destOrd="0" parTransId="{0A569658-78F3-49AE-BE55-A744DBF685F6}" sibTransId="{00F8FC8B-5D63-41F0-B370-7014D7B606F7}"/>
@@ -7983,18 +7983,18 @@
     <dgm:cxn modelId="{A4302D29-F0D0-7A4A-836F-C3EA8C5CEEF4}" type="presOf" srcId="{9366F6A8-E4AC-469C-BD3F-9C3004058FDD}" destId="{B5AFB090-1F36-CA45-938D-C6D8CFA4AD0C}" srcOrd="0" destOrd="0" presId="urn:microsoft.com/office/officeart/2016/7/layout/VerticalDownArrowProcess"/>
     <dgm:cxn modelId="{6DA2CD37-2800-4FD1-B6FE-3AE45A28F304}" srcId="{818F219C-7CD7-4CF6-8F58-5833DF30B296}" destId="{8F61A3D2-416D-4661-B87A-5D4AAEB31720}" srcOrd="0" destOrd="0" parTransId="{04D5D9C3-A914-4D65-B5B4-9355D25EEC2B}" sibTransId="{4CF8DC96-3B21-4BE1-9087-921B3ED28035}"/>
     <dgm:cxn modelId="{4652713E-E6E6-4FB3-ACC7-6E2CCD33093B}" srcId="{9366F6A8-E4AC-469C-BD3F-9C3004058FDD}" destId="{20C2E4A7-A0E5-48A4-A2A3-3B8437528D12}" srcOrd="2" destOrd="0" parTransId="{B0997933-008C-4278-8DCE-DA63880A39A4}" sibTransId="{B96C51AD-8D5C-443C-B2CE-CE3A0AEEF4F8}"/>
+    <dgm:cxn modelId="{18E15947-A8CF-3846-9E9B-4C0AA404E0B8}" type="presOf" srcId="{8DAC5310-B6A9-4114-BB68-A5F2D95557B8}" destId="{56139284-D975-7740-9B9E-E3BB130FAF37}" srcOrd="0" destOrd="1" presId="urn:microsoft.com/office/officeart/2016/7/layout/VerticalDownArrowProcess"/>
+    <dgm:cxn modelId="{7FEB2A4B-83DD-4D70-9F48-5EC27C6BC352}" srcId="{596B0AE2-9304-421A-AE82-3DAADCBBDFFC}" destId="{F70A43B2-2D70-4FAE-9A09-8DB39E721442}" srcOrd="2" destOrd="0" parTransId="{2D1CAB00-288D-46D5-BEDB-12DB497C8B93}" sibTransId="{006DFBF0-5F59-4EF7-BE09-DC44329B0430}"/>
+    <dgm:cxn modelId="{68DA9254-FFAD-504B-89A3-20F37DA192F4}" type="presOf" srcId="{4EDB3F90-4A64-4025-8E20-37C30E0DAB52}" destId="{10DCE3CC-C6A3-9A48-9D01-9978C87F4158}" srcOrd="0" destOrd="1" presId="urn:microsoft.com/office/officeart/2016/7/layout/VerticalDownArrowProcess"/>
+    <dgm:cxn modelId="{13BC7B57-3B07-DD4F-9569-D120B5C6961F}" type="presOf" srcId="{20C2E4A7-A0E5-48A4-A2A3-3B8437528D12}" destId="{57E73B7C-37D7-2E4C-9A12-C1E202590101}" srcOrd="0" destOrd="2" presId="urn:microsoft.com/office/officeart/2016/7/layout/VerticalDownArrowProcess"/>
+    <dgm:cxn modelId="{0D668859-9EA4-4ABD-844D-BC04914C51AB}" srcId="{486D2264-62EE-4B6F-8B8F-B68129E0DF9C}" destId="{596B0AE2-9304-421A-AE82-3DAADCBBDFFC}" srcOrd="2" destOrd="0" parTransId="{4FBD7C88-3F09-4905-A532-DE9A00D2F06A}" sibTransId="{30085F6F-D126-449E-AE10-1E5DCFAA6074}"/>
     <dgm:cxn modelId="{FD210562-A5E9-9F4A-AE4B-2BA772800B2A}" type="presOf" srcId="{596B0AE2-9304-421A-AE82-3DAADCBBDFFC}" destId="{4B51B68D-DCE5-C44E-9606-F21363BB3703}" srcOrd="1" destOrd="0" presId="urn:microsoft.com/office/officeart/2016/7/layout/VerticalDownArrowProcess"/>
     <dgm:cxn modelId="{DEE47963-2D9E-4B85-86E7-DC7486200E2D}" srcId="{A6C8E8ED-7A43-4F61-B125-C160FC9096D1}" destId="{5F250E43-0321-44E9-AC28-1B9B0D6724D0}" srcOrd="0" destOrd="0" parTransId="{B96E5D8A-091E-4CC7-B6D7-E72DC183DBFD}" sibTransId="{F79FF53F-8F87-4C8A-A094-9ADBA663D212}"/>
     <dgm:cxn modelId="{7E88DE65-110F-4B88-8A91-E2277AEC6963}" srcId="{486D2264-62EE-4B6F-8B8F-B68129E0DF9C}" destId="{A6C8E8ED-7A43-4F61-B125-C160FC9096D1}" srcOrd="1" destOrd="0" parTransId="{FD1E7A88-4DA2-42AC-8ADA-2F79799C765B}" sibTransId="{1FEF28A8-5F60-4551-9941-92D759E78543}"/>
     <dgm:cxn modelId="{C27C4967-8505-924B-9315-635EB24C44DB}" type="presOf" srcId="{E3B41278-9C96-40E0-87C4-CEC5C8A47162}" destId="{9F20CE5A-CDE1-B24C-A25F-9766FCBF7E86}" srcOrd="0" destOrd="1" presId="urn:microsoft.com/office/officeart/2016/7/layout/VerticalDownArrowProcess"/>
-    <dgm:cxn modelId="{18E15947-A8CF-3846-9E9B-4C0AA404E0B8}" type="presOf" srcId="{8DAC5310-B6A9-4114-BB68-A5F2D95557B8}" destId="{56139284-D975-7740-9B9E-E3BB130FAF37}" srcOrd="0" destOrd="1" presId="urn:microsoft.com/office/officeart/2016/7/layout/VerticalDownArrowProcess"/>
-    <dgm:cxn modelId="{7FEB2A4B-83DD-4D70-9F48-5EC27C6BC352}" srcId="{596B0AE2-9304-421A-AE82-3DAADCBBDFFC}" destId="{F70A43B2-2D70-4FAE-9A09-8DB39E721442}" srcOrd="2" destOrd="0" parTransId="{2D1CAB00-288D-46D5-BEDB-12DB497C8B93}" sibTransId="{006DFBF0-5F59-4EF7-BE09-DC44329B0430}"/>
     <dgm:cxn modelId="{A97F8670-F5E8-6F43-A63E-6F3C3DEE556D}" type="presOf" srcId="{A6C8E8ED-7A43-4F61-B125-C160FC9096D1}" destId="{F432E064-812D-AE40-88F0-6927F18E8908}" srcOrd="0" destOrd="0" presId="urn:microsoft.com/office/officeart/2016/7/layout/VerticalDownArrowProcess"/>
     <dgm:cxn modelId="{FE2DF570-A531-4688-8970-E62637E55280}" srcId="{9366F6A8-E4AC-469C-BD3F-9C3004058FDD}" destId="{5C22CA37-E60A-440F-B086-BBC8F335B0D3}" srcOrd="0" destOrd="0" parTransId="{D7D6D232-01E4-4B66-9C69-B884280F2E23}" sibTransId="{A101F57A-DC4B-4E2C-AAFF-0CBEDA47F5B1}"/>
     <dgm:cxn modelId="{5CAFEB72-BC09-9241-B618-CF164C0D8F09}" type="presOf" srcId="{1854B2E5-8442-4C8D-A868-FF72D8208451}" destId="{57E73B7C-37D7-2E4C-9A12-C1E202590101}" srcOrd="0" destOrd="1" presId="urn:microsoft.com/office/officeart/2016/7/layout/VerticalDownArrowProcess"/>
-    <dgm:cxn modelId="{68DA9254-FFAD-504B-89A3-20F37DA192F4}" type="presOf" srcId="{4EDB3F90-4A64-4025-8E20-37C30E0DAB52}" destId="{10DCE3CC-C6A3-9A48-9D01-9978C87F4158}" srcOrd="0" destOrd="1" presId="urn:microsoft.com/office/officeart/2016/7/layout/VerticalDownArrowProcess"/>
-    <dgm:cxn modelId="{13BC7B57-3B07-DD4F-9569-D120B5C6961F}" type="presOf" srcId="{20C2E4A7-A0E5-48A4-A2A3-3B8437528D12}" destId="{57E73B7C-37D7-2E4C-9A12-C1E202590101}" srcOrd="0" destOrd="2" presId="urn:microsoft.com/office/officeart/2016/7/layout/VerticalDownArrowProcess"/>
-    <dgm:cxn modelId="{0D668859-9EA4-4ABD-844D-BC04914C51AB}" srcId="{486D2264-62EE-4B6F-8B8F-B68129E0DF9C}" destId="{596B0AE2-9304-421A-AE82-3DAADCBBDFFC}" srcOrd="2" destOrd="0" parTransId="{4FBD7C88-3F09-4905-A532-DE9A00D2F06A}" sibTransId="{30085F6F-D126-449E-AE10-1E5DCFAA6074}"/>
     <dgm:cxn modelId="{1A10F47A-5EA8-7B43-A689-78E8CFF3FF06}" type="presOf" srcId="{5F250E43-0321-44E9-AC28-1B9B0D6724D0}" destId="{10DCE3CC-C6A3-9A48-9D01-9978C87F4158}" srcOrd="0" destOrd="0" presId="urn:microsoft.com/office/officeart/2016/7/layout/VerticalDownArrowProcess"/>
     <dgm:cxn modelId="{1B5CE27C-BA59-FC44-9718-5E775C448049}" type="presOf" srcId="{5C22CA37-E60A-440F-B086-BBC8F335B0D3}" destId="{57E73B7C-37D7-2E4C-9A12-C1E202590101}" srcOrd="0" destOrd="0" presId="urn:microsoft.com/office/officeart/2016/7/layout/VerticalDownArrowProcess"/>
     <dgm:cxn modelId="{5E6A6099-D238-6549-B8B1-FAD4386FACD5}" type="presOf" srcId="{818F219C-7CD7-4CF6-8F58-5833DF30B296}" destId="{CFDCFA59-C41F-2743-8060-BA4605C7D073}" srcOrd="0" destOrd="0" presId="urn:microsoft.com/office/officeart/2016/7/layout/VerticalDownArrowProcess"/>
@@ -8993,7 +8993,7 @@
           <a:avLst/>
         </a:prstGeom>
         <a:solidFill>
-          <a:schemeClr val="accent5">
+          <a:schemeClr val="accent2">
             <a:tint val="40000"/>
             <a:alpha val="90000"/>
             <a:hueOff val="0"/>
@@ -9004,7 +9004,7 @@
         </a:solidFill>
         <a:ln w="34925" cap="flat" cmpd="sng" algn="in">
           <a:solidFill>
-            <a:schemeClr val="accent5">
+            <a:schemeClr val="accent2">
               <a:tint val="40000"/>
               <a:alpha val="90000"/>
               <a:hueOff val="0"/>
@@ -9108,7 +9108,7 @@
           <a:avLst/>
         </a:prstGeom>
         <a:solidFill>
-          <a:schemeClr val="accent5">
+          <a:schemeClr val="accent2">
             <a:hueOff val="0"/>
             <a:satOff val="0"/>
             <a:lumOff val="0"/>
@@ -9117,7 +9117,7 @@
         </a:solidFill>
         <a:ln w="34925" cap="flat" cmpd="sng" algn="in">
           <a:solidFill>
-            <a:schemeClr val="accent5">
+            <a:schemeClr val="accent2">
               <a:hueOff val="0"/>
               <a:satOff val="0"/>
               <a:lumOff val="0"/>
@@ -9185,23 +9185,23 @@
           <a:avLst/>
         </a:prstGeom>
         <a:solidFill>
-          <a:schemeClr val="accent5">
+          <a:schemeClr val="accent2">
             <a:tint val="40000"/>
             <a:alpha val="90000"/>
-            <a:hueOff val="2926864"/>
-            <a:satOff val="9822"/>
-            <a:lumOff val="1005"/>
+            <a:hueOff val="-11941"/>
+            <a:satOff val="-18222"/>
+            <a:lumOff val="-1882"/>
             <a:alphaOff val="0"/>
           </a:schemeClr>
         </a:solidFill>
         <a:ln w="34925" cap="flat" cmpd="sng" algn="in">
           <a:solidFill>
-            <a:schemeClr val="accent5">
+            <a:schemeClr val="accent2">
               <a:tint val="40000"/>
               <a:alpha val="90000"/>
-              <a:hueOff val="2926864"/>
-              <a:satOff val="9822"/>
-              <a:lumOff val="1005"/>
+              <a:hueOff val="-11941"/>
+              <a:satOff val="-18222"/>
+              <a:lumOff val="-1882"/>
               <a:alphaOff val="0"/>
             </a:schemeClr>
           </a:solidFill>
@@ -9300,19 +9300,19 @@
           <a:avLst/>
         </a:prstGeom>
         <a:solidFill>
-          <a:schemeClr val="accent5">
-            <a:hueOff val="2944118"/>
-            <a:satOff val="9586"/>
-            <a:lumOff val="3333"/>
+          <a:schemeClr val="accent2">
+            <a:hueOff val="-55218"/>
+            <a:satOff val="-18112"/>
+            <a:lumOff val="-6601"/>
             <a:alphaOff val="0"/>
           </a:schemeClr>
         </a:solidFill>
         <a:ln w="34925" cap="flat" cmpd="sng" algn="in">
           <a:solidFill>
-            <a:schemeClr val="accent5">
-              <a:hueOff val="2944118"/>
-              <a:satOff val="9586"/>
-              <a:lumOff val="3333"/>
+            <a:schemeClr val="accent2">
+              <a:hueOff val="-55218"/>
+              <a:satOff val="-18112"/>
+              <a:lumOff val="-6601"/>
               <a:alphaOff val="0"/>
             </a:schemeClr>
           </a:solidFill>
@@ -9377,23 +9377,23 @@
           <a:avLst/>
         </a:prstGeom>
         <a:solidFill>
-          <a:schemeClr val="accent5">
+          <a:schemeClr val="accent2">
             <a:tint val="40000"/>
             <a:alpha val="90000"/>
-            <a:hueOff val="5853729"/>
-            <a:satOff val="19645"/>
-            <a:lumOff val="2009"/>
+            <a:hueOff val="-23882"/>
+            <a:satOff val="-36445"/>
+            <a:lumOff val="-3764"/>
             <a:alphaOff val="0"/>
           </a:schemeClr>
         </a:solidFill>
         <a:ln w="34925" cap="flat" cmpd="sng" algn="in">
           <a:solidFill>
-            <a:schemeClr val="accent5">
+            <a:schemeClr val="accent2">
               <a:tint val="40000"/>
               <a:alpha val="90000"/>
-              <a:hueOff val="5853729"/>
-              <a:satOff val="19645"/>
-              <a:lumOff val="2009"/>
+              <a:hueOff val="-23882"/>
+              <a:satOff val="-36445"/>
+              <a:lumOff val="-3764"/>
               <a:alphaOff val="0"/>
             </a:schemeClr>
           </a:solidFill>
@@ -9546,19 +9546,19 @@
           <a:avLst/>
         </a:prstGeom>
         <a:solidFill>
-          <a:schemeClr val="accent5">
-            <a:hueOff val="5888237"/>
-            <a:satOff val="19172"/>
-            <a:lumOff val="6667"/>
+          <a:schemeClr val="accent2">
+            <a:hueOff val="-110435"/>
+            <a:satOff val="-36223"/>
+            <a:lumOff val="-13202"/>
             <a:alphaOff val="0"/>
           </a:schemeClr>
         </a:solidFill>
         <a:ln w="34925" cap="flat" cmpd="sng" algn="in">
           <a:solidFill>
-            <a:schemeClr val="accent5">
-              <a:hueOff val="5888237"/>
-              <a:satOff val="19172"/>
-              <a:lumOff val="6667"/>
+            <a:schemeClr val="accent2">
+              <a:hueOff val="-110435"/>
+              <a:satOff val="-36223"/>
+              <a:lumOff val="-13202"/>
               <a:alphaOff val="0"/>
             </a:schemeClr>
           </a:solidFill>
@@ -9623,23 +9623,23 @@
           <a:avLst/>
         </a:prstGeom>
         <a:solidFill>
-          <a:schemeClr val="accent5">
+          <a:schemeClr val="accent2">
             <a:tint val="40000"/>
             <a:alpha val="90000"/>
-            <a:hueOff val="8780593"/>
-            <a:satOff val="29467"/>
-            <a:lumOff val="3014"/>
+            <a:hueOff val="-35823"/>
+            <a:satOff val="-54667"/>
+            <a:lumOff val="-5646"/>
             <a:alphaOff val="0"/>
           </a:schemeClr>
         </a:solidFill>
         <a:ln w="34925" cap="flat" cmpd="sng" algn="in">
           <a:solidFill>
-            <a:schemeClr val="accent5">
+            <a:schemeClr val="accent2">
               <a:tint val="40000"/>
               <a:alpha val="90000"/>
-              <a:hueOff val="8780593"/>
-              <a:satOff val="29467"/>
-              <a:lumOff val="3014"/>
+              <a:hueOff val="-35823"/>
+              <a:satOff val="-54667"/>
+              <a:lumOff val="-5646"/>
               <a:alphaOff val="0"/>
             </a:schemeClr>
           </a:solidFill>
@@ -9774,19 +9774,19 @@
           <a:avLst/>
         </a:prstGeom>
         <a:solidFill>
-          <a:schemeClr val="accent5">
-            <a:hueOff val="8832355"/>
-            <a:satOff val="28758"/>
-            <a:lumOff val="10000"/>
+          <a:schemeClr val="accent2">
+            <a:hueOff val="-165653"/>
+            <a:satOff val="-54335"/>
+            <a:lumOff val="-19803"/>
             <a:alphaOff val="0"/>
           </a:schemeClr>
         </a:solidFill>
         <a:ln w="34925" cap="flat" cmpd="sng" algn="in">
           <a:solidFill>
-            <a:schemeClr val="accent5">
-              <a:hueOff val="8832355"/>
-              <a:satOff val="28758"/>
-              <a:lumOff val="10000"/>
+            <a:schemeClr val="accent2">
+              <a:hueOff val="-165653"/>
+              <a:satOff val="-54335"/>
+              <a:lumOff val="-19803"/>
               <a:alphaOff val="0"/>
             </a:schemeClr>
           </a:solidFill>
@@ -10163,7 +10163,7 @@
         </a:prstGeom>
         <a:solidFill>
           <a:schemeClr val="accent2">
-            <a:hueOff val="-82827"/>
+            <a:hueOff val="-82826"/>
             <a:satOff val="-27168"/>
             <a:lumOff val="-9901"/>
             <a:alphaOff val="0"/>
@@ -10172,7 +10172,7 @@
         <a:ln w="34925" cap="flat" cmpd="sng" algn="in">
           <a:solidFill>
             <a:schemeClr val="accent2">
-              <a:hueOff val="-82827"/>
+              <a:hueOff val="-82826"/>
               <a:satOff val="-27168"/>
               <a:lumOff val="-9901"/>
               <a:alphaOff val="0"/>
@@ -10358,7 +10358,7 @@
         </a:prstGeom>
         <a:solidFill>
           <a:schemeClr val="accent2">
-            <a:hueOff val="-165654"/>
+            <a:hueOff val="-165653"/>
             <a:satOff val="-54335"/>
             <a:lumOff val="-19803"/>
             <a:alphaOff val="0"/>
@@ -10367,7 +10367,7 @@
         <a:ln w="34925" cap="flat" cmpd="sng" algn="in">
           <a:solidFill>
             <a:schemeClr val="accent2">
-              <a:hueOff val="-165654"/>
+              <a:hueOff val="-165653"/>
               <a:satOff val="-54335"/>
               <a:lumOff val="-19803"/>
               <a:alphaOff val="0"/>
@@ -10981,7 +10981,7 @@
         </a:prstGeom>
         <a:solidFill>
           <a:schemeClr val="accent2">
-            <a:hueOff val="-110436"/>
+            <a:hueOff val="-110435"/>
             <a:satOff val="-36223"/>
             <a:lumOff val="-13202"/>
             <a:alphaOff val="0"/>
@@ -10990,7 +10990,7 @@
         <a:ln w="34925" cap="flat" cmpd="sng" algn="in">
           <a:solidFill>
             <a:schemeClr val="accent2">
-              <a:hueOff val="-110436"/>
+              <a:hueOff val="-110435"/>
               <a:satOff val="-36223"/>
               <a:lumOff val="-13202"/>
               <a:alphaOff val="0"/>
@@ -11144,7 +11144,7 @@
         </a:prstGeom>
         <a:solidFill>
           <a:schemeClr val="accent2">
-            <a:hueOff val="-165654"/>
+            <a:hueOff val="-165653"/>
             <a:satOff val="-54335"/>
             <a:lumOff val="-19803"/>
             <a:alphaOff val="0"/>
@@ -11153,7 +11153,7 @@
         <a:ln w="34925" cap="flat" cmpd="sng" algn="in">
           <a:solidFill>
             <a:schemeClr val="accent2">
-              <a:hueOff val="-165654"/>
+              <a:hueOff val="-165653"/>
               <a:satOff val="-54335"/>
               <a:lumOff val="-19803"/>
               <a:alphaOff val="0"/>
@@ -13066,7 +13066,7 @@
         </a:prstGeom>
         <a:solidFill>
           <a:schemeClr val="accent2">
-            <a:hueOff val="-82827"/>
+            <a:hueOff val="-82826"/>
             <a:satOff val="-27168"/>
             <a:lumOff val="-9901"/>
             <a:alphaOff val="0"/>
@@ -13075,7 +13075,7 @@
         <a:ln w="34925" cap="flat" cmpd="sng" algn="in">
           <a:solidFill>
             <a:schemeClr val="accent2">
-              <a:hueOff val="-82827"/>
+              <a:hueOff val="-82826"/>
               <a:satOff val="-27168"/>
               <a:lumOff val="-9901"/>
               <a:alphaOff val="0"/>
@@ -13364,7 +13364,7 @@
         </a:prstGeom>
         <a:solidFill>
           <a:schemeClr val="accent2">
-            <a:hueOff val="-165654"/>
+            <a:hueOff val="-165653"/>
             <a:satOff val="-54335"/>
             <a:lumOff val="-19803"/>
             <a:alphaOff val="0"/>
@@ -13373,7 +13373,7 @@
         <a:ln w="34925" cap="flat" cmpd="sng" algn="in">
           <a:solidFill>
             <a:schemeClr val="accent2">
-              <a:hueOff val="-165654"/>
+              <a:hueOff val="-165653"/>
               <a:satOff val="-54335"/>
               <a:lumOff val="-19803"/>
               <a:alphaOff val="0"/>
@@ -21439,7 +21439,7 @@
           <a:p>
             <a:fld id="{5DC7FEA7-B2E8-E247-A911-16F0E02D9F01}" type="datetimeFigureOut">
               <a:rPr lang="en-US" smtClean="0"/>
-              <a:t>11/7/2024</a:t>
+              <a:t>5/13/25</a:t>
             </a:fld>
             <a:endParaRPr lang="en-US"/>
           </a:p>
@@ -21982,7 +21982,7 @@
           <a:p>
             <a:fld id="{A244D7B1-FEC8-414F-9653-CF4E963279F3}" type="datetimeFigureOut">
               <a:rPr lang="en-US" smtClean="0"/>
-              <a:t>11/7/2024</a:t>
+              <a:t>5/13/25</a:t>
             </a:fld>
             <a:endParaRPr lang="en-US"/>
           </a:p>
@@ -22312,7 +22312,7 @@
           <a:p>
             <a:fld id="{A244D7B1-FEC8-414F-9653-CF4E963279F3}" type="datetimeFigureOut">
               <a:rPr lang="en-US" smtClean="0"/>
-              <a:t>11/7/2024</a:t>
+              <a:t>5/13/25</a:t>
             </a:fld>
             <a:endParaRPr lang="en-US"/>
           </a:p>
@@ -22492,7 +22492,7 @@
           <a:p>
             <a:fld id="{A244D7B1-FEC8-414F-9653-CF4E963279F3}" type="datetimeFigureOut">
               <a:rPr lang="en-US" smtClean="0"/>
-              <a:t>11/7/2024</a:t>
+              <a:t>5/13/25</a:t>
             </a:fld>
             <a:endParaRPr lang="en-US"/>
           </a:p>
@@ -22662,7 +22662,7 @@
           <a:p>
             <a:fld id="{A244D7B1-FEC8-414F-9653-CF4E963279F3}" type="datetimeFigureOut">
               <a:rPr lang="en-US" smtClean="0"/>
-              <a:t>11/7/2024</a:t>
+              <a:t>5/13/25</a:t>
             </a:fld>
             <a:endParaRPr lang="en-US"/>
           </a:p>
@@ -22939,7 +22939,7 @@
           <a:p>
             <a:fld id="{A244D7B1-FEC8-414F-9653-CF4E963279F3}" type="datetimeFigureOut">
               <a:rPr lang="en-US" smtClean="0"/>
-              <a:t>11/7/2024</a:t>
+              <a:t>5/13/25</a:t>
             </a:fld>
             <a:endParaRPr lang="en-US"/>
           </a:p>
@@ -23333,7 +23333,7 @@
           <a:p>
             <a:fld id="{A244D7B1-FEC8-414F-9653-CF4E963279F3}" type="datetimeFigureOut">
               <a:rPr lang="en-US" smtClean="0"/>
-              <a:t>11/7/2024</a:t>
+              <a:t>5/13/25</a:t>
             </a:fld>
             <a:endParaRPr lang="en-US"/>
           </a:p>
@@ -23810,7 +23810,7 @@
           <a:p>
             <a:fld id="{A244D7B1-FEC8-414F-9653-CF4E963279F3}" type="datetimeFigureOut">
               <a:rPr lang="en-US" smtClean="0"/>
-              <a:t>11/7/2024</a:t>
+              <a:t>5/13/25</a:t>
             </a:fld>
             <a:endParaRPr lang="en-US"/>
           </a:p>
@@ -23928,7 +23928,7 @@
           <a:p>
             <a:fld id="{A244D7B1-FEC8-414F-9653-CF4E963279F3}" type="datetimeFigureOut">
               <a:rPr lang="en-US" smtClean="0"/>
-              <a:t>11/7/2024</a:t>
+              <a:t>5/13/25</a:t>
             </a:fld>
             <a:endParaRPr lang="en-US"/>
           </a:p>
@@ -24023,7 +24023,7 @@
           <a:p>
             <a:fld id="{A244D7B1-FEC8-414F-9653-CF4E963279F3}" type="datetimeFigureOut">
               <a:rPr lang="en-US" smtClean="0"/>
-              <a:t>11/7/2024</a:t>
+              <a:t>5/13/25</a:t>
             </a:fld>
             <a:endParaRPr lang="en-US"/>
           </a:p>
@@ -24369,7 +24369,7 @@
           <a:p>
             <a:fld id="{A244D7B1-FEC8-414F-9653-CF4E963279F3}" type="datetimeFigureOut">
               <a:rPr lang="en-US" smtClean="0"/>
-              <a:t>11/7/2024</a:t>
+              <a:t>5/13/25</a:t>
             </a:fld>
             <a:endParaRPr lang="en-US"/>
           </a:p>
@@ -24757,7 +24757,7 @@
           <a:p>
             <a:fld id="{A244D7B1-FEC8-414F-9653-CF4E963279F3}" type="datetimeFigureOut">
               <a:rPr lang="en-US" smtClean="0"/>
-              <a:t>11/7/2024</a:t>
+              <a:t>5/13/25</a:t>
             </a:fld>
             <a:endParaRPr lang="en-US"/>
           </a:p>
@@ -25035,7 +25035,7 @@
           <a:p>
             <a:fld id="{A244D7B1-FEC8-414F-9653-CF4E963279F3}" type="datetimeFigureOut">
               <a:rPr lang="en-US" smtClean="0"/>
-              <a:t>11/7/2024</a:t>
+              <a:t>5/13/25</a:t>
             </a:fld>
             <a:endParaRPr lang="en-US"/>
           </a:p>
@@ -26047,7 +26047,7 @@
             <p:ph idx="1"/>
             <p:extLst>
               <p:ext uri="{D42A27DB-BD31-4B8C-83A1-F6EECF244321}">
-                <p14:modId xmlns:p14="http://schemas.microsoft.com/office/powerpoint/2010/main" val="4140559264"/>
+                <p14:modId xmlns:p14="http://schemas.microsoft.com/office/powerpoint/2010/main" val="2441496473"/>
               </p:ext>
             </p:extLst>
           </p:nvPr>
